--- a/图们.pptx
+++ b/图们.pptx
@@ -6,6 +6,18 @@
   </p:sldMasterIdLst>
   <p:sldIdLst>
     <p:sldId id="256" r:id="rId2"/>
+    <p:sldId id="257" r:id="rId3"/>
+    <p:sldId id="258" r:id="rId4"/>
+    <p:sldId id="259" r:id="rId5"/>
+    <p:sldId id="260" r:id="rId6"/>
+    <p:sldId id="261" r:id="rId7"/>
+    <p:sldId id="262" r:id="rId8"/>
+    <p:sldId id="263" r:id="rId9"/>
+    <p:sldId id="264" r:id="rId10"/>
+    <p:sldId id="265" r:id="rId11"/>
+    <p:sldId id="266" r:id="rId12"/>
+    <p:sldId id="267" r:id="rId13"/>
+    <p:sldId id="268" r:id="rId14"/>
   </p:sldIdLst>
   <p:sldSz cx="12192000" cy="6858000"/>
   <p:notesSz cx="6858000" cy="9144000"/>
@@ -243,7 +255,7 @@
           <a:p>
             <a:fld id="{D57C372D-2E39-4E80-8FC2-B2E0C6C55CCE}" type="datetimeFigureOut">
               <a:rPr lang="zh-CN" altLang="en-US" smtClean="0"/>
-              <a:t>2018/4/4</a:t>
+              <a:t>2018/5/4</a:t>
             </a:fld>
             <a:endParaRPr lang="zh-CN" altLang="en-US"/>
           </a:p>
@@ -413,7 +425,7 @@
           <a:p>
             <a:fld id="{D57C372D-2E39-4E80-8FC2-B2E0C6C55CCE}" type="datetimeFigureOut">
               <a:rPr lang="zh-CN" altLang="en-US" smtClean="0"/>
-              <a:t>2018/4/4</a:t>
+              <a:t>2018/5/4</a:t>
             </a:fld>
             <a:endParaRPr lang="zh-CN" altLang="en-US"/>
           </a:p>
@@ -593,7 +605,7 @@
           <a:p>
             <a:fld id="{D57C372D-2E39-4E80-8FC2-B2E0C6C55CCE}" type="datetimeFigureOut">
               <a:rPr lang="zh-CN" altLang="en-US" smtClean="0"/>
-              <a:t>2018/4/4</a:t>
+              <a:t>2018/5/4</a:t>
             </a:fld>
             <a:endParaRPr lang="zh-CN" altLang="en-US"/>
           </a:p>
@@ -763,7 +775,7 @@
           <a:p>
             <a:fld id="{D57C372D-2E39-4E80-8FC2-B2E0C6C55CCE}" type="datetimeFigureOut">
               <a:rPr lang="zh-CN" altLang="en-US" smtClean="0"/>
-              <a:t>2018/4/4</a:t>
+              <a:t>2018/5/4</a:t>
             </a:fld>
             <a:endParaRPr lang="zh-CN" altLang="en-US"/>
           </a:p>
@@ -1009,7 +1021,7 @@
           <a:p>
             <a:fld id="{D57C372D-2E39-4E80-8FC2-B2E0C6C55CCE}" type="datetimeFigureOut">
               <a:rPr lang="zh-CN" altLang="en-US" smtClean="0"/>
-              <a:t>2018/4/4</a:t>
+              <a:t>2018/5/4</a:t>
             </a:fld>
             <a:endParaRPr lang="zh-CN" altLang="en-US"/>
           </a:p>
@@ -1241,7 +1253,7 @@
           <a:p>
             <a:fld id="{D57C372D-2E39-4E80-8FC2-B2E0C6C55CCE}" type="datetimeFigureOut">
               <a:rPr lang="zh-CN" altLang="en-US" smtClean="0"/>
-              <a:t>2018/4/4</a:t>
+              <a:t>2018/5/4</a:t>
             </a:fld>
             <a:endParaRPr lang="zh-CN" altLang="en-US"/>
           </a:p>
@@ -1608,7 +1620,7 @@
           <a:p>
             <a:fld id="{D57C372D-2E39-4E80-8FC2-B2E0C6C55CCE}" type="datetimeFigureOut">
               <a:rPr lang="zh-CN" altLang="en-US" smtClean="0"/>
-              <a:t>2018/4/4</a:t>
+              <a:t>2018/5/4</a:t>
             </a:fld>
             <a:endParaRPr lang="zh-CN" altLang="en-US"/>
           </a:p>
@@ -1726,7 +1738,7 @@
           <a:p>
             <a:fld id="{D57C372D-2E39-4E80-8FC2-B2E0C6C55CCE}" type="datetimeFigureOut">
               <a:rPr lang="zh-CN" altLang="en-US" smtClean="0"/>
-              <a:t>2018/4/4</a:t>
+              <a:t>2018/5/4</a:t>
             </a:fld>
             <a:endParaRPr lang="zh-CN" altLang="en-US"/>
           </a:p>
@@ -1821,7 +1833,7 @@
           <a:p>
             <a:fld id="{D57C372D-2E39-4E80-8FC2-B2E0C6C55CCE}" type="datetimeFigureOut">
               <a:rPr lang="zh-CN" altLang="en-US" smtClean="0"/>
-              <a:t>2018/4/4</a:t>
+              <a:t>2018/5/4</a:t>
             </a:fld>
             <a:endParaRPr lang="zh-CN" altLang="en-US"/>
           </a:p>
@@ -2098,7 +2110,7 @@
           <a:p>
             <a:fld id="{D57C372D-2E39-4E80-8FC2-B2E0C6C55CCE}" type="datetimeFigureOut">
               <a:rPr lang="zh-CN" altLang="en-US" smtClean="0"/>
-              <a:t>2018/4/4</a:t>
+              <a:t>2018/5/4</a:t>
             </a:fld>
             <a:endParaRPr lang="zh-CN" altLang="en-US"/>
           </a:p>
@@ -2351,7 +2363,7 @@
           <a:p>
             <a:fld id="{D57C372D-2E39-4E80-8FC2-B2E0C6C55CCE}" type="datetimeFigureOut">
               <a:rPr lang="zh-CN" altLang="en-US" smtClean="0"/>
-              <a:t>2018/4/4</a:t>
+              <a:t>2018/5/4</a:t>
             </a:fld>
             <a:endParaRPr lang="zh-CN" altLang="en-US"/>
           </a:p>
@@ -2564,7 +2576,7 @@
           <a:p>
             <a:fld id="{D57C372D-2E39-4E80-8FC2-B2E0C6C55CCE}" type="datetimeFigureOut">
               <a:rPr lang="zh-CN" altLang="en-US" smtClean="0"/>
-              <a:t>2018/4/4</a:t>
+              <a:t>2018/5/4</a:t>
             </a:fld>
             <a:endParaRPr lang="zh-CN" altLang="en-US"/>
           </a:p>
@@ -3613,6 +3625,8611 @@
 </p:sld>
 </file>
 
+<file path=ppt/slides/slide10.xml><?xml version="1.0" encoding="utf-8"?>
+<p:sld xmlns:a="http://schemas.openxmlformats.org/drawingml/2006/main" xmlns:r="http://schemas.openxmlformats.org/officeDocument/2006/relationships" xmlns:p="http://schemas.openxmlformats.org/presentationml/2006/main">
+  <p:cSld>
+    <p:spTree>
+      <p:nvGrpSpPr>
+        <p:cNvPr id="1" name=""/>
+        <p:cNvGrpSpPr/>
+        <p:nvPr/>
+      </p:nvGrpSpPr>
+      <p:grpSpPr>
+        <a:xfrm>
+          <a:off x="0" y="0"/>
+          <a:ext cx="0" cy="0"/>
+          <a:chOff x="0" y="0"/>
+          <a:chExt cx="0" cy="0"/>
+        </a:xfrm>
+      </p:grpSpPr>
+      <p:pic>
+        <p:nvPicPr>
+          <p:cNvPr id="2" name="图片 1"/>
+          <p:cNvPicPr>
+            <a:picLocks noChangeAspect="1"/>
+          </p:cNvPicPr>
+          <p:nvPr/>
+        </p:nvPicPr>
+        <p:blipFill>
+          <a:blip r:embed="rId2"/>
+          <a:stretch>
+            <a:fillRect/>
+          </a:stretch>
+        </p:blipFill>
+        <p:spPr>
+          <a:xfrm>
+            <a:off x="-152400" y="-195263"/>
+            <a:ext cx="12496800" cy="7248525"/>
+          </a:xfrm>
+          <a:prstGeom prst="rect">
+            <a:avLst/>
+          </a:prstGeom>
+        </p:spPr>
+      </p:pic>
+    </p:spTree>
+    <p:extLst>
+      <p:ext uri="{BB962C8B-B14F-4D97-AF65-F5344CB8AC3E}">
+        <p14:creationId xmlns:p14="http://schemas.microsoft.com/office/powerpoint/2010/main" val="1975664850"/>
+      </p:ext>
+    </p:extLst>
+  </p:cSld>
+  <p:clrMapOvr>
+    <a:masterClrMapping/>
+  </p:clrMapOvr>
+</p:sld>
+</file>
+
+<file path=ppt/slides/slide11.xml><?xml version="1.0" encoding="utf-8"?>
+<p:sld xmlns:a="http://schemas.openxmlformats.org/drawingml/2006/main" xmlns:r="http://schemas.openxmlformats.org/officeDocument/2006/relationships" xmlns:p="http://schemas.openxmlformats.org/presentationml/2006/main">
+  <p:cSld>
+    <p:spTree>
+      <p:nvGrpSpPr>
+        <p:cNvPr id="1" name=""/>
+        <p:cNvGrpSpPr/>
+        <p:nvPr/>
+      </p:nvGrpSpPr>
+      <p:grpSpPr>
+        <a:xfrm>
+          <a:off x="0" y="0"/>
+          <a:ext cx="0" cy="0"/>
+          <a:chOff x="0" y="0"/>
+          <a:chExt cx="0" cy="0"/>
+        </a:xfrm>
+      </p:grpSpPr>
+      <p:sp>
+        <p:nvSpPr>
+          <p:cNvPr id="2" name="文本框 1"/>
+          <p:cNvSpPr txBox="1"/>
+          <p:nvPr/>
+        </p:nvSpPr>
+        <p:spPr>
+          <a:xfrm>
+            <a:off x="2657475" y="2800350"/>
+            <a:ext cx="2047875" cy="369332"/>
+          </a:xfrm>
+          <a:prstGeom prst="rect">
+            <a:avLst/>
+          </a:prstGeom>
+          <a:noFill/>
+        </p:spPr>
+        <p:txBody>
+          <a:bodyPr wrap="square" rtlCol="0">
+            <a:spAutoFit/>
+          </a:bodyPr>
+          <a:lstStyle/>
+          <a:p>
+            <a:r>
+              <a:rPr lang="en-US" altLang="zh-CN" b="1" u="heavy" dirty="0" smtClean="0"/>
+              <a:t>*</a:t>
+            </a:r>
+            <a:r>
+              <a:rPr lang="en-US" altLang="zh-CN" b="1" u="heavy" dirty="0"/>
+              <a:t>	</a:t>
+            </a:r>
+            <a:endParaRPr lang="zh-CN" altLang="en-US" b="1" u="heavy" dirty="0"/>
+          </a:p>
+        </p:txBody>
+      </p:sp>
+    </p:spTree>
+    <p:extLst>
+      <p:ext uri="{BB962C8B-B14F-4D97-AF65-F5344CB8AC3E}">
+        <p14:creationId xmlns:p14="http://schemas.microsoft.com/office/powerpoint/2010/main" val="3773735845"/>
+      </p:ext>
+    </p:extLst>
+  </p:cSld>
+  <p:clrMapOvr>
+    <a:masterClrMapping/>
+  </p:clrMapOvr>
+</p:sld>
+</file>
+
+<file path=ppt/slides/slide12.xml><?xml version="1.0" encoding="utf-8"?>
+<p:sld xmlns:a="http://schemas.openxmlformats.org/drawingml/2006/main" xmlns:r="http://schemas.openxmlformats.org/officeDocument/2006/relationships" xmlns:p="http://schemas.openxmlformats.org/presentationml/2006/main">
+  <p:cSld>
+    <p:spTree>
+      <p:nvGrpSpPr>
+        <p:cNvPr id="1" name=""/>
+        <p:cNvGrpSpPr/>
+        <p:nvPr/>
+      </p:nvGrpSpPr>
+      <p:grpSpPr>
+        <a:xfrm>
+          <a:off x="0" y="0"/>
+          <a:ext cx="0" cy="0"/>
+          <a:chOff x="0" y="0"/>
+          <a:chExt cx="0" cy="0"/>
+        </a:xfrm>
+      </p:grpSpPr>
+      <p:grpSp>
+        <p:nvGrpSpPr>
+          <p:cNvPr id="26" name="组合 25"/>
+          <p:cNvGrpSpPr/>
+          <p:nvPr/>
+        </p:nvGrpSpPr>
+        <p:grpSpPr>
+          <a:xfrm>
+            <a:off x="5604667" y="2878137"/>
+            <a:ext cx="1858171" cy="781051"/>
+            <a:chOff x="6474617" y="2791340"/>
+            <a:chExt cx="1858171" cy="781051"/>
+          </a:xfrm>
+        </p:grpSpPr>
+        <p:sp>
+          <p:nvSpPr>
+            <p:cNvPr id="7" name="矩形 6"/>
+            <p:cNvSpPr/>
+            <p:nvPr/>
+          </p:nvSpPr>
+          <p:spPr>
+            <a:xfrm rot="16200000">
+              <a:off x="7834313" y="3073915"/>
+              <a:ext cx="781050" cy="215900"/>
+            </a:xfrm>
+            <a:prstGeom prst="rect">
+              <a:avLst/>
+            </a:prstGeom>
+            <a:solidFill>
+              <a:srgbClr val="FF5050"/>
+            </a:solidFill>
+            <a:ln w="19050">
+              <a:solidFill>
+                <a:srgbClr val="C00000"/>
+              </a:solidFill>
+            </a:ln>
+          </p:spPr>
+          <p:style>
+            <a:lnRef idx="2">
+              <a:schemeClr val="accent1">
+                <a:shade val="50000"/>
+              </a:schemeClr>
+            </a:lnRef>
+            <a:fillRef idx="1">
+              <a:schemeClr val="accent1"/>
+            </a:fillRef>
+            <a:effectRef idx="0">
+              <a:schemeClr val="accent1"/>
+            </a:effectRef>
+            <a:fontRef idx="minor">
+              <a:schemeClr val="lt1"/>
+            </a:fontRef>
+          </p:style>
+          <p:txBody>
+            <a:bodyPr rtlCol="0" anchor="ctr"/>
+            <a:lstStyle/>
+            <a:p>
+              <a:pPr algn="ctr"/>
+              <a:endParaRPr lang="zh-CN" altLang="en-US"/>
+            </a:p>
+          </p:txBody>
+        </p:sp>
+        <p:grpSp>
+          <p:nvGrpSpPr>
+            <p:cNvPr id="14" name="组合 13"/>
+            <p:cNvGrpSpPr/>
+            <p:nvPr/>
+          </p:nvGrpSpPr>
+          <p:grpSpPr>
+            <a:xfrm rot="5400000">
+              <a:off x="7263209" y="3074988"/>
+              <a:ext cx="466725" cy="215900"/>
+              <a:chOff x="3557587" y="2889250"/>
+              <a:chExt cx="466725" cy="215900"/>
+            </a:xfrm>
+          </p:grpSpPr>
+          <p:sp>
+            <p:nvSpPr>
+              <p:cNvPr id="15" name="矩形 14"/>
+              <p:cNvSpPr/>
+              <p:nvPr/>
+            </p:nvSpPr>
+            <p:spPr>
+              <a:xfrm>
+                <a:off x="3557587" y="2889250"/>
+                <a:ext cx="466725" cy="215900"/>
+              </a:xfrm>
+              <a:prstGeom prst="rect">
+                <a:avLst/>
+              </a:prstGeom>
+            </p:spPr>
+            <p:style>
+              <a:lnRef idx="2">
+                <a:schemeClr val="accent6">
+                  <a:shade val="50000"/>
+                </a:schemeClr>
+              </a:lnRef>
+              <a:fillRef idx="1">
+                <a:schemeClr val="accent6"/>
+              </a:fillRef>
+              <a:effectRef idx="0">
+                <a:schemeClr val="accent6"/>
+              </a:effectRef>
+              <a:fontRef idx="minor">
+                <a:schemeClr val="lt1"/>
+              </a:fontRef>
+            </p:style>
+            <p:txBody>
+              <a:bodyPr rtlCol="0" anchor="ctr"/>
+              <a:lstStyle/>
+              <a:p>
+                <a:pPr algn="ctr"/>
+                <a:endParaRPr lang="zh-CN" altLang="en-US"/>
+              </a:p>
+            </p:txBody>
+          </p:sp>
+          <p:cxnSp>
+            <p:nvCxnSpPr>
+              <p:cNvPr id="16" name="直接连接符 15"/>
+              <p:cNvCxnSpPr>
+                <a:stCxn id="15" idx="2"/>
+                <a:endCxn id="15" idx="0"/>
+              </p:cNvCxnSpPr>
+              <p:nvPr/>
+            </p:nvCxnSpPr>
+            <p:spPr>
+              <a:xfrm flipV="1">
+                <a:off x="3790950" y="2889250"/>
+                <a:ext cx="0" cy="215900"/>
+              </a:xfrm>
+              <a:prstGeom prst="line">
+                <a:avLst/>
+              </a:prstGeom>
+              <a:ln/>
+            </p:spPr>
+            <p:style>
+              <a:lnRef idx="2">
+                <a:schemeClr val="accent6">
+                  <a:shade val="50000"/>
+                </a:schemeClr>
+              </a:lnRef>
+              <a:fillRef idx="1">
+                <a:schemeClr val="accent6"/>
+              </a:fillRef>
+              <a:effectRef idx="0">
+                <a:schemeClr val="accent6"/>
+              </a:effectRef>
+              <a:fontRef idx="minor">
+                <a:schemeClr val="lt1"/>
+              </a:fontRef>
+            </p:style>
+          </p:cxnSp>
+        </p:grpSp>
+        <p:grpSp>
+          <p:nvGrpSpPr>
+            <p:cNvPr id="20" name="组合 19"/>
+            <p:cNvGrpSpPr/>
+            <p:nvPr/>
+          </p:nvGrpSpPr>
+          <p:grpSpPr>
+            <a:xfrm>
+              <a:off x="6474617" y="2791341"/>
+              <a:ext cx="431800" cy="781050"/>
+              <a:chOff x="6080125" y="2730500"/>
+              <a:chExt cx="431800" cy="781050"/>
+            </a:xfrm>
+          </p:grpSpPr>
+          <p:sp>
+            <p:nvSpPr>
+              <p:cNvPr id="18" name="矩形 17"/>
+              <p:cNvSpPr/>
+              <p:nvPr/>
+            </p:nvSpPr>
+            <p:spPr>
+              <a:xfrm rot="16200000">
+                <a:off x="5797550" y="3013075"/>
+                <a:ext cx="781050" cy="215900"/>
+              </a:xfrm>
+              <a:prstGeom prst="rect">
+                <a:avLst/>
+              </a:prstGeom>
+            </p:spPr>
+            <p:style>
+              <a:lnRef idx="2">
+                <a:schemeClr val="accent1">
+                  <a:shade val="50000"/>
+                </a:schemeClr>
+              </a:lnRef>
+              <a:fillRef idx="1">
+                <a:schemeClr val="accent1"/>
+              </a:fillRef>
+              <a:effectRef idx="0">
+                <a:schemeClr val="accent1"/>
+              </a:effectRef>
+              <a:fontRef idx="minor">
+                <a:schemeClr val="lt1"/>
+              </a:fontRef>
+            </p:style>
+            <p:txBody>
+              <a:bodyPr rtlCol="0" anchor="ctr"/>
+              <a:lstStyle/>
+              <a:p>
+                <a:pPr algn="ctr"/>
+                <a:endParaRPr lang="zh-CN" altLang="en-US"/>
+              </a:p>
+            </p:txBody>
+          </p:sp>
+          <p:sp>
+            <p:nvSpPr>
+              <p:cNvPr id="19" name="矩形 18"/>
+              <p:cNvSpPr/>
+              <p:nvPr/>
+            </p:nvSpPr>
+            <p:spPr>
+              <a:xfrm rot="16200000">
+                <a:off x="6013450" y="3013075"/>
+                <a:ext cx="781050" cy="215900"/>
+              </a:xfrm>
+              <a:prstGeom prst="rect">
+                <a:avLst/>
+              </a:prstGeom>
+            </p:spPr>
+            <p:style>
+              <a:lnRef idx="2">
+                <a:schemeClr val="accent1">
+                  <a:shade val="50000"/>
+                </a:schemeClr>
+              </a:lnRef>
+              <a:fillRef idx="1">
+                <a:schemeClr val="accent1"/>
+              </a:fillRef>
+              <a:effectRef idx="0">
+                <a:schemeClr val="accent1"/>
+              </a:effectRef>
+              <a:fontRef idx="minor">
+                <a:schemeClr val="lt1"/>
+              </a:fontRef>
+            </p:style>
+            <p:txBody>
+              <a:bodyPr rtlCol="0" anchor="ctr"/>
+              <a:lstStyle/>
+              <a:p>
+                <a:pPr algn="ctr"/>
+                <a:endParaRPr lang="zh-CN" altLang="en-US"/>
+              </a:p>
+            </p:txBody>
+          </p:sp>
+        </p:grpSp>
+        <p:sp>
+          <p:nvSpPr>
+            <p:cNvPr id="21" name="文本框 20"/>
+            <p:cNvSpPr txBox="1"/>
+            <p:nvPr/>
+          </p:nvSpPr>
+          <p:spPr>
+            <a:xfrm>
+              <a:off x="6975276" y="2997200"/>
+              <a:ext cx="344487" cy="369332"/>
+            </a:xfrm>
+            <a:prstGeom prst="rect">
+              <a:avLst/>
+            </a:prstGeom>
+            <a:noFill/>
+          </p:spPr>
+          <p:txBody>
+            <a:bodyPr wrap="square" rtlCol="0">
+              <a:spAutoFit/>
+            </a:bodyPr>
+            <a:lstStyle/>
+            <a:p>
+              <a:pPr algn="ctr"/>
+              <a:r>
+                <a:rPr lang="en-US" altLang="zh-CN" b="1" dirty="0">
+                  <a:solidFill>
+                    <a:srgbClr val="ED7D31"/>
+                  </a:solidFill>
+                  <a:latin typeface="等线" panose="02010600030101010101" pitchFamily="2" charset="-122"/>
+                  <a:ea typeface="等线" panose="02010600030101010101" pitchFamily="2" charset="-122"/>
+                </a:rPr>
+                <a:t>•</a:t>
+              </a:r>
+              <a:endParaRPr lang="zh-CN" altLang="en-US" b="1" dirty="0">
+                <a:solidFill>
+                  <a:srgbClr val="ED7D31"/>
+                </a:solidFill>
+              </a:endParaRPr>
+            </a:p>
+          </p:txBody>
+        </p:sp>
+        <p:sp>
+          <p:nvSpPr>
+            <p:cNvPr id="22" name="文本框 21"/>
+            <p:cNvSpPr txBox="1"/>
+            <p:nvPr/>
+          </p:nvSpPr>
+          <p:spPr>
+            <a:xfrm>
+              <a:off x="7673380" y="2997200"/>
+              <a:ext cx="374650" cy="369332"/>
+            </a:xfrm>
+            <a:prstGeom prst="rect">
+              <a:avLst/>
+            </a:prstGeom>
+            <a:noFill/>
+          </p:spPr>
+          <p:txBody>
+            <a:bodyPr wrap="square" rtlCol="0">
+              <a:spAutoFit/>
+            </a:bodyPr>
+            <a:lstStyle/>
+            <a:p>
+              <a:pPr algn="ctr"/>
+              <a:r>
+                <a:rPr lang="en-US" altLang="zh-CN" b="1" dirty="0" smtClean="0">
+                  <a:solidFill>
+                    <a:srgbClr val="ED7D31"/>
+                  </a:solidFill>
+                </a:rPr>
+                <a:t>=</a:t>
+              </a:r>
+              <a:endParaRPr lang="zh-CN" altLang="en-US" b="1" dirty="0">
+                <a:solidFill>
+                  <a:srgbClr val="ED7D31"/>
+                </a:solidFill>
+              </a:endParaRPr>
+            </a:p>
+          </p:txBody>
+        </p:sp>
+      </p:grpSp>
+      <p:grpSp>
+        <p:nvGrpSpPr>
+          <p:cNvPr id="25" name="组合 24"/>
+          <p:cNvGrpSpPr/>
+          <p:nvPr/>
+        </p:nvGrpSpPr>
+        <p:grpSpPr>
+          <a:xfrm>
+            <a:off x="3022599" y="2747963"/>
+            <a:ext cx="1562100" cy="1041400"/>
+            <a:chOff x="3022599" y="2747963"/>
+            <a:chExt cx="1562100" cy="1041400"/>
+          </a:xfrm>
+        </p:grpSpPr>
+        <p:grpSp>
+          <p:nvGrpSpPr>
+            <p:cNvPr id="10" name="组合 9"/>
+            <p:cNvGrpSpPr/>
+            <p:nvPr/>
+          </p:nvGrpSpPr>
+          <p:grpSpPr>
+            <a:xfrm>
+              <a:off x="3022599" y="3573463"/>
+              <a:ext cx="1562100" cy="215900"/>
+              <a:chOff x="3086100" y="3714750"/>
+              <a:chExt cx="1562100" cy="215900"/>
+            </a:xfrm>
+          </p:grpSpPr>
+          <p:sp>
+            <p:nvSpPr>
+              <p:cNvPr id="2" name="矩形 1"/>
+              <p:cNvSpPr/>
+              <p:nvPr/>
+            </p:nvSpPr>
+            <p:spPr>
+              <a:xfrm>
+                <a:off x="3086100" y="3714750"/>
+                <a:ext cx="781050" cy="215900"/>
+              </a:xfrm>
+              <a:prstGeom prst="rect">
+                <a:avLst/>
+              </a:prstGeom>
+            </p:spPr>
+            <p:style>
+              <a:lnRef idx="2">
+                <a:schemeClr val="accent1">
+                  <a:shade val="50000"/>
+                </a:schemeClr>
+              </a:lnRef>
+              <a:fillRef idx="1">
+                <a:schemeClr val="accent1"/>
+              </a:fillRef>
+              <a:effectRef idx="0">
+                <a:schemeClr val="accent1"/>
+              </a:effectRef>
+              <a:fontRef idx="minor">
+                <a:schemeClr val="lt1"/>
+              </a:fontRef>
+            </p:style>
+            <p:txBody>
+              <a:bodyPr rtlCol="0" anchor="ctr"/>
+              <a:lstStyle/>
+              <a:p>
+                <a:pPr algn="ctr"/>
+                <a:endParaRPr lang="zh-CN" altLang="en-US"/>
+              </a:p>
+            </p:txBody>
+          </p:sp>
+          <p:sp>
+            <p:nvSpPr>
+              <p:cNvPr id="5" name="矩形 4"/>
+              <p:cNvSpPr/>
+              <p:nvPr/>
+            </p:nvSpPr>
+            <p:spPr>
+              <a:xfrm>
+                <a:off x="3867150" y="3714750"/>
+                <a:ext cx="781050" cy="215900"/>
+              </a:xfrm>
+              <a:prstGeom prst="rect">
+                <a:avLst/>
+              </a:prstGeom>
+            </p:spPr>
+            <p:style>
+              <a:lnRef idx="2">
+                <a:schemeClr val="accent1">
+                  <a:shade val="50000"/>
+                </a:schemeClr>
+              </a:lnRef>
+              <a:fillRef idx="1">
+                <a:schemeClr val="accent1"/>
+              </a:fillRef>
+              <a:effectRef idx="0">
+                <a:schemeClr val="accent1"/>
+              </a:effectRef>
+              <a:fontRef idx="minor">
+                <a:schemeClr val="lt1"/>
+              </a:fontRef>
+            </p:style>
+            <p:txBody>
+              <a:bodyPr rtlCol="0" anchor="ctr"/>
+              <a:lstStyle/>
+              <a:p>
+                <a:pPr algn="ctr"/>
+                <a:endParaRPr lang="zh-CN" altLang="en-US"/>
+              </a:p>
+            </p:txBody>
+          </p:sp>
+        </p:grpSp>
+        <p:sp>
+          <p:nvSpPr>
+            <p:cNvPr id="9" name="矩形 8"/>
+            <p:cNvSpPr/>
+            <p:nvPr/>
+          </p:nvSpPr>
+          <p:spPr>
+            <a:xfrm>
+              <a:off x="3165476" y="3160713"/>
+              <a:ext cx="1276349" cy="215900"/>
+            </a:xfrm>
+            <a:prstGeom prst="rect">
+              <a:avLst/>
+            </a:prstGeom>
+          </p:spPr>
+          <p:style>
+            <a:lnRef idx="2">
+              <a:schemeClr val="accent2">
+                <a:shade val="50000"/>
+              </a:schemeClr>
+            </a:lnRef>
+            <a:fillRef idx="1">
+              <a:schemeClr val="accent2"/>
+            </a:fillRef>
+            <a:effectRef idx="0">
+              <a:schemeClr val="accent2"/>
+            </a:effectRef>
+            <a:fontRef idx="minor">
+              <a:schemeClr val="lt1"/>
+            </a:fontRef>
+          </p:style>
+          <p:txBody>
+            <a:bodyPr rtlCol="0" anchor="ctr"/>
+            <a:lstStyle/>
+            <a:p>
+              <a:pPr algn="ctr"/>
+              <a:endParaRPr lang="zh-CN" altLang="en-US"/>
+            </a:p>
+          </p:txBody>
+        </p:sp>
+        <p:grpSp>
+          <p:nvGrpSpPr>
+            <p:cNvPr id="13" name="组合 12"/>
+            <p:cNvGrpSpPr/>
+            <p:nvPr/>
+          </p:nvGrpSpPr>
+          <p:grpSpPr>
+            <a:xfrm>
+              <a:off x="3570287" y="2747963"/>
+              <a:ext cx="466725" cy="215900"/>
+              <a:chOff x="3557587" y="2889250"/>
+              <a:chExt cx="466725" cy="215900"/>
+            </a:xfrm>
+          </p:grpSpPr>
+          <p:sp>
+            <p:nvSpPr>
+              <p:cNvPr id="8" name="矩形 7"/>
+              <p:cNvSpPr/>
+              <p:nvPr/>
+            </p:nvSpPr>
+            <p:spPr>
+              <a:xfrm>
+                <a:off x="3557587" y="2889250"/>
+                <a:ext cx="466725" cy="215900"/>
+              </a:xfrm>
+              <a:prstGeom prst="rect">
+                <a:avLst/>
+              </a:prstGeom>
+            </p:spPr>
+            <p:style>
+              <a:lnRef idx="2">
+                <a:schemeClr val="accent6">
+                  <a:shade val="50000"/>
+                </a:schemeClr>
+              </a:lnRef>
+              <a:fillRef idx="1">
+                <a:schemeClr val="accent6"/>
+              </a:fillRef>
+              <a:effectRef idx="0">
+                <a:schemeClr val="accent6"/>
+              </a:effectRef>
+              <a:fontRef idx="minor">
+                <a:schemeClr val="lt1"/>
+              </a:fontRef>
+            </p:style>
+            <p:txBody>
+              <a:bodyPr rtlCol="0" anchor="ctr"/>
+              <a:lstStyle/>
+              <a:p>
+                <a:pPr algn="ctr"/>
+                <a:endParaRPr lang="zh-CN" altLang="en-US"/>
+              </a:p>
+            </p:txBody>
+          </p:sp>
+          <p:cxnSp>
+            <p:nvCxnSpPr>
+              <p:cNvPr id="12" name="直接连接符 11"/>
+              <p:cNvCxnSpPr>
+                <a:stCxn id="8" idx="2"/>
+                <a:endCxn id="8" idx="0"/>
+              </p:cNvCxnSpPr>
+              <p:nvPr/>
+            </p:nvCxnSpPr>
+            <p:spPr>
+              <a:xfrm flipV="1">
+                <a:off x="3790950" y="2889250"/>
+                <a:ext cx="0" cy="215900"/>
+              </a:xfrm>
+              <a:prstGeom prst="line">
+                <a:avLst/>
+              </a:prstGeom>
+              <a:ln/>
+            </p:spPr>
+            <p:style>
+              <a:lnRef idx="2">
+                <a:schemeClr val="accent6">
+                  <a:shade val="50000"/>
+                </a:schemeClr>
+              </a:lnRef>
+              <a:fillRef idx="1">
+                <a:schemeClr val="accent6"/>
+              </a:fillRef>
+              <a:effectRef idx="0">
+                <a:schemeClr val="accent6"/>
+              </a:effectRef>
+              <a:fontRef idx="minor">
+                <a:schemeClr val="lt1"/>
+              </a:fontRef>
+            </p:style>
+          </p:cxnSp>
+        </p:grpSp>
+        <p:sp>
+          <p:nvSpPr>
+            <p:cNvPr id="23" name="上箭头 22"/>
+            <p:cNvSpPr/>
+            <p:nvPr/>
+          </p:nvSpPr>
+          <p:spPr>
+            <a:xfrm>
+              <a:off x="3733800" y="3416301"/>
+              <a:ext cx="139700" cy="107949"/>
+            </a:xfrm>
+            <a:prstGeom prst="upArrow">
+              <a:avLst/>
+            </a:prstGeom>
+            <a:solidFill>
+              <a:schemeClr val="accent1">
+                <a:alpha val="29000"/>
+              </a:schemeClr>
+            </a:solidFill>
+          </p:spPr>
+          <p:style>
+            <a:lnRef idx="2">
+              <a:schemeClr val="accent1">
+                <a:shade val="50000"/>
+              </a:schemeClr>
+            </a:lnRef>
+            <a:fillRef idx="1">
+              <a:schemeClr val="accent1"/>
+            </a:fillRef>
+            <a:effectRef idx="0">
+              <a:schemeClr val="accent1"/>
+            </a:effectRef>
+            <a:fontRef idx="minor">
+              <a:schemeClr val="lt1"/>
+            </a:fontRef>
+          </p:style>
+          <p:txBody>
+            <a:bodyPr rtlCol="0" anchor="ctr"/>
+            <a:lstStyle/>
+            <a:p>
+              <a:pPr algn="ctr"/>
+              <a:endParaRPr lang="zh-CN" altLang="en-US"/>
+            </a:p>
+          </p:txBody>
+        </p:sp>
+        <p:sp>
+          <p:nvSpPr>
+            <p:cNvPr id="24" name="上箭头 23"/>
+            <p:cNvSpPr/>
+            <p:nvPr/>
+          </p:nvSpPr>
+          <p:spPr>
+            <a:xfrm>
+              <a:off x="3733799" y="3012282"/>
+              <a:ext cx="139700" cy="107949"/>
+            </a:xfrm>
+            <a:prstGeom prst="upArrow">
+              <a:avLst/>
+            </a:prstGeom>
+            <a:solidFill>
+              <a:schemeClr val="accent1">
+                <a:alpha val="29000"/>
+              </a:schemeClr>
+            </a:solidFill>
+          </p:spPr>
+          <p:style>
+            <a:lnRef idx="2">
+              <a:schemeClr val="accent1">
+                <a:shade val="50000"/>
+              </a:schemeClr>
+            </a:lnRef>
+            <a:fillRef idx="1">
+              <a:schemeClr val="accent1"/>
+            </a:fillRef>
+            <a:effectRef idx="0">
+              <a:schemeClr val="accent1"/>
+            </a:effectRef>
+            <a:fontRef idx="minor">
+              <a:schemeClr val="lt1"/>
+            </a:fontRef>
+          </p:style>
+          <p:txBody>
+            <a:bodyPr rtlCol="0" anchor="ctr"/>
+            <a:lstStyle/>
+            <a:p>
+              <a:pPr algn="ctr"/>
+              <a:endParaRPr lang="zh-CN" altLang="en-US"/>
+            </a:p>
+          </p:txBody>
+        </p:sp>
+      </p:grpSp>
+    </p:spTree>
+    <p:extLst>
+      <p:ext uri="{BB962C8B-B14F-4D97-AF65-F5344CB8AC3E}">
+        <p14:creationId xmlns:p14="http://schemas.microsoft.com/office/powerpoint/2010/main" val="3685291485"/>
+      </p:ext>
+    </p:extLst>
+  </p:cSld>
+  <p:clrMapOvr>
+    <a:masterClrMapping/>
+  </p:clrMapOvr>
+</p:sld>
+</file>
+
+<file path=ppt/slides/slide13.xml><?xml version="1.0" encoding="utf-8"?>
+<p:sld xmlns:a="http://schemas.openxmlformats.org/drawingml/2006/main" xmlns:r="http://schemas.openxmlformats.org/officeDocument/2006/relationships" xmlns:p="http://schemas.openxmlformats.org/presentationml/2006/main">
+  <p:cSld>
+    <p:spTree>
+      <p:nvGrpSpPr>
+        <p:cNvPr id="1" name=""/>
+        <p:cNvGrpSpPr/>
+        <p:nvPr/>
+      </p:nvGrpSpPr>
+      <p:grpSpPr>
+        <a:xfrm>
+          <a:off x="0" y="0"/>
+          <a:ext cx="0" cy="0"/>
+          <a:chOff x="0" y="0"/>
+          <a:chExt cx="0" cy="0"/>
+        </a:xfrm>
+      </p:grpSpPr>
+      <p:grpSp>
+        <p:nvGrpSpPr>
+          <p:cNvPr id="94" name="组合 93"/>
+          <p:cNvGrpSpPr/>
+          <p:nvPr/>
+        </p:nvGrpSpPr>
+        <p:grpSpPr>
+          <a:xfrm>
+            <a:off x="246158" y="873461"/>
+            <a:ext cx="11294564" cy="5306839"/>
+            <a:chOff x="246158" y="873461"/>
+            <a:chExt cx="11294564" cy="5306839"/>
+          </a:xfrm>
+        </p:grpSpPr>
+        <p:sp>
+          <p:nvSpPr>
+            <p:cNvPr id="2" name="文本框 1"/>
+            <p:cNvSpPr txBox="1"/>
+            <p:nvPr/>
+          </p:nvSpPr>
+          <p:spPr>
+            <a:xfrm>
+              <a:off x="246158" y="873461"/>
+              <a:ext cx="2143463" cy="1754326"/>
+            </a:xfrm>
+            <a:prstGeom prst="rect">
+              <a:avLst/>
+            </a:prstGeom>
+            <a:noFill/>
+          </p:spPr>
+          <p:txBody>
+            <a:bodyPr wrap="square" rtlCol="0">
+              <a:spAutoFit/>
+            </a:bodyPr>
+            <a:lstStyle/>
+            <a:p>
+              <a:r>
+                <a:rPr lang="en-US" altLang="zh-CN" dirty="0" smtClean="0"/>
+                <a:t>…</a:t>
+              </a:r>
+            </a:p>
+            <a:p>
+              <a:r>
+                <a:rPr lang="en-US" altLang="zh-CN" dirty="0" err="1" smtClean="0">
+                  <a:solidFill>
+                    <a:srgbClr val="FF0000"/>
+                  </a:solidFill>
+                </a:rPr>
+                <a:t>l'aIk</a:t>
+              </a:r>
+              <a:r>
+                <a:rPr lang="en-US" altLang="zh-CN" dirty="0" smtClean="0">
+                  <a:solidFill>
+                    <a:srgbClr val="FF0000"/>
+                  </a:solidFill>
+                </a:rPr>
+                <a:t> </a:t>
+              </a:r>
+              <a:r>
+                <a:rPr lang="en-US" altLang="zh-CN" dirty="0" err="1">
+                  <a:solidFill>
+                    <a:srgbClr val="FF0000"/>
+                  </a:solidFill>
+                </a:rPr>
+                <a:t>d'u</a:t>
+              </a:r>
+              <a:r>
+                <a:rPr lang="en-US" altLang="zh-CN" dirty="0">
+                  <a:solidFill>
+                    <a:srgbClr val="FF0000"/>
+                  </a:solidFill>
+                </a:rPr>
+                <a:t>:</a:t>
+              </a:r>
+            </a:p>
+            <a:p>
+              <a:r>
+                <a:rPr lang="en-US" altLang="zh-CN" dirty="0" err="1" smtClean="0">
+                  <a:solidFill>
+                    <a:schemeClr val="accent1">
+                      <a:lumMod val="75000"/>
+                    </a:schemeClr>
+                  </a:solidFill>
+                </a:rPr>
+                <a:t>m'o</a:t>
+              </a:r>
+              <a:r>
+                <a:rPr lang="en-US" altLang="zh-CN" dirty="0">
+                  <a:solidFill>
+                    <a:schemeClr val="accent1">
+                      <a:lumMod val="75000"/>
+                    </a:schemeClr>
+                  </a:solidFill>
+                </a:rPr>
+                <a:t>@ </a:t>
+              </a:r>
+              <a:r>
+                <a:rPr lang="en-US" altLang="zh-CN" dirty="0" err="1">
+                  <a:solidFill>
+                    <a:schemeClr val="accent1">
+                      <a:lumMod val="75000"/>
+                    </a:schemeClr>
+                  </a:solidFill>
+                </a:rPr>
+                <a:t>l'aIk</a:t>
+              </a:r>
+              <a:r>
+                <a:rPr lang="en-US" altLang="zh-CN" dirty="0">
+                  <a:solidFill>
+                    <a:schemeClr val="accent1">
+                      <a:lumMod val="75000"/>
+                    </a:schemeClr>
+                  </a:solidFill>
+                </a:rPr>
+                <a:t> p'0l@n</a:t>
+              </a:r>
+            </a:p>
+            <a:p>
+              <a:r>
+                <a:rPr lang="en-US" altLang="zh-CN" dirty="0" smtClean="0">
+                  <a:solidFill>
+                    <a:srgbClr val="FF0000"/>
+                  </a:solidFill>
+                </a:rPr>
+                <a:t>,</a:t>
+              </a:r>
+              <a:r>
+                <a:rPr lang="en-US" altLang="zh-CN" dirty="0">
+                  <a:solidFill>
+                    <a:srgbClr val="FF0000"/>
+                  </a:solidFill>
+                </a:rPr>
+                <a:t>0n ,aU3 </a:t>
+              </a:r>
+              <a:r>
+                <a:rPr lang="en-US" altLang="zh-CN" dirty="0" err="1">
+                  <a:solidFill>
+                    <a:srgbClr val="FF0000"/>
+                  </a:solidFill>
+                </a:rPr>
+                <a:t>sk'Inz</a:t>
+              </a:r>
+              <a:endParaRPr lang="en-US" altLang="zh-CN" dirty="0">
+                <a:solidFill>
+                  <a:srgbClr val="FF0000"/>
+                </a:solidFill>
+              </a:endParaRPr>
+            </a:p>
+            <a:p>
+              <a:r>
+                <a:rPr lang="en-US" altLang="zh-CN" dirty="0" smtClean="0">
+                  <a:solidFill>
+                    <a:schemeClr val="accent1">
+                      <a:lumMod val="75000"/>
+                    </a:schemeClr>
+                  </a:solidFill>
+                </a:rPr>
+                <a:t>'and</a:t>
+              </a:r>
+              <a:endParaRPr lang="en-US" altLang="zh-CN" dirty="0">
+                <a:solidFill>
+                  <a:schemeClr val="accent1">
+                    <a:lumMod val="75000"/>
+                  </a:schemeClr>
+                </a:solidFill>
+              </a:endParaRPr>
+            </a:p>
+            <a:p>
+              <a:r>
+                <a:rPr lang="en-US" altLang="zh-CN" dirty="0" smtClean="0"/>
+                <a:t>…</a:t>
+              </a:r>
+              <a:endParaRPr lang="zh-CN" altLang="en-US" dirty="0"/>
+            </a:p>
+          </p:txBody>
+        </p:sp>
+        <p:grpSp>
+          <p:nvGrpSpPr>
+            <p:cNvPr id="3" name="组合 2"/>
+            <p:cNvGrpSpPr/>
+            <p:nvPr/>
+          </p:nvGrpSpPr>
+          <p:grpSpPr>
+            <a:xfrm>
+              <a:off x="3151991" y="2248917"/>
+              <a:ext cx="3722145" cy="3058915"/>
+              <a:chOff x="1275692" y="1113877"/>
+              <a:chExt cx="5669818" cy="4297915"/>
+            </a:xfrm>
+          </p:grpSpPr>
+          <p:sp>
+            <p:nvSpPr>
+              <p:cNvPr id="4" name="矩形 3"/>
+              <p:cNvSpPr/>
+              <p:nvPr/>
+            </p:nvSpPr>
+            <p:spPr>
+              <a:xfrm>
+                <a:off x="4409081" y="3095106"/>
+                <a:ext cx="680400" cy="331200"/>
+              </a:xfrm>
+              <a:prstGeom prst="rect">
+                <a:avLst/>
+              </a:prstGeom>
+            </p:spPr>
+            <p:style>
+              <a:lnRef idx="2">
+                <a:schemeClr val="accent1">
+                  <a:shade val="50000"/>
+                </a:schemeClr>
+              </a:lnRef>
+              <a:fillRef idx="1">
+                <a:schemeClr val="accent1"/>
+              </a:fillRef>
+              <a:effectRef idx="0">
+                <a:schemeClr val="accent1"/>
+              </a:effectRef>
+              <a:fontRef idx="minor">
+                <a:schemeClr val="lt1"/>
+              </a:fontRef>
+            </p:style>
+            <p:txBody>
+              <a:bodyPr rtlCol="0" anchor="ctr"/>
+              <a:lstStyle/>
+              <a:p>
+                <a:pPr algn="ctr"/>
+                <a:endParaRPr lang="zh-CN" altLang="en-US"/>
+              </a:p>
+            </p:txBody>
+          </p:sp>
+          <p:grpSp>
+            <p:nvGrpSpPr>
+              <p:cNvPr id="5" name="组合 4"/>
+              <p:cNvGrpSpPr/>
+              <p:nvPr/>
+            </p:nvGrpSpPr>
+            <p:grpSpPr>
+              <a:xfrm>
+                <a:off x="2693323" y="4572000"/>
+                <a:ext cx="4164282" cy="331200"/>
+                <a:chOff x="2693323" y="4572000"/>
+                <a:chExt cx="4164282" cy="331200"/>
+              </a:xfrm>
+            </p:grpSpPr>
+            <p:sp>
+              <p:nvSpPr>
+                <p:cNvPr id="20" name="矩形 19"/>
+                <p:cNvSpPr/>
+                <p:nvPr/>
+              </p:nvSpPr>
+              <p:spPr>
+                <a:xfrm>
+                  <a:off x="2693323" y="4572000"/>
+                  <a:ext cx="680400" cy="331200"/>
+                </a:xfrm>
+                <a:prstGeom prst="rect">
+                  <a:avLst/>
+                </a:prstGeom>
+              </p:spPr>
+              <p:style>
+                <a:lnRef idx="2">
+                  <a:schemeClr val="accent2">
+                    <a:shade val="50000"/>
+                  </a:schemeClr>
+                </a:lnRef>
+                <a:fillRef idx="1">
+                  <a:schemeClr val="accent2"/>
+                </a:fillRef>
+                <a:effectRef idx="0">
+                  <a:schemeClr val="accent2"/>
+                </a:effectRef>
+                <a:fontRef idx="minor">
+                  <a:schemeClr val="lt1"/>
+                </a:fontRef>
+              </p:style>
+              <p:txBody>
+                <a:bodyPr rtlCol="0" anchor="ctr"/>
+                <a:lstStyle/>
+                <a:p>
+                  <a:pPr algn="ctr"/>
+                  <a:endParaRPr lang="zh-CN" altLang="en-US"/>
+                </a:p>
+              </p:txBody>
+            </p:sp>
+            <p:sp>
+              <p:nvSpPr>
+                <p:cNvPr id="21" name="矩形 20"/>
+                <p:cNvSpPr/>
+                <p:nvPr/>
+              </p:nvSpPr>
+              <p:spPr>
+                <a:xfrm>
+                  <a:off x="6177205" y="4572000"/>
+                  <a:ext cx="680400" cy="331200"/>
+                </a:xfrm>
+                <a:prstGeom prst="rect">
+                  <a:avLst/>
+                </a:prstGeom>
+              </p:spPr>
+              <p:style>
+                <a:lnRef idx="2">
+                  <a:schemeClr val="accent1">
+                    <a:shade val="50000"/>
+                  </a:schemeClr>
+                </a:lnRef>
+                <a:fillRef idx="1">
+                  <a:schemeClr val="accent1"/>
+                </a:fillRef>
+                <a:effectRef idx="0">
+                  <a:schemeClr val="accent1"/>
+                </a:effectRef>
+                <a:fontRef idx="minor">
+                  <a:schemeClr val="lt1"/>
+                </a:fontRef>
+              </p:style>
+              <p:txBody>
+                <a:bodyPr rtlCol="0" anchor="ctr"/>
+                <a:lstStyle/>
+                <a:p>
+                  <a:pPr algn="ctr"/>
+                  <a:endParaRPr lang="zh-CN" altLang="en-US"/>
+                </a:p>
+              </p:txBody>
+            </p:sp>
+            <p:sp>
+              <p:nvSpPr>
+                <p:cNvPr id="22" name="矩形 21"/>
+                <p:cNvSpPr/>
+                <p:nvPr/>
+              </p:nvSpPr>
+              <p:spPr>
+                <a:xfrm>
+                  <a:off x="5015911" y="4572000"/>
+                  <a:ext cx="680400" cy="331200"/>
+                </a:xfrm>
+                <a:prstGeom prst="rect">
+                  <a:avLst/>
+                </a:prstGeom>
+              </p:spPr>
+              <p:style>
+                <a:lnRef idx="2">
+                  <a:schemeClr val="accent1">
+                    <a:shade val="50000"/>
+                  </a:schemeClr>
+                </a:lnRef>
+                <a:fillRef idx="1">
+                  <a:schemeClr val="accent1"/>
+                </a:fillRef>
+                <a:effectRef idx="0">
+                  <a:schemeClr val="accent1"/>
+                </a:effectRef>
+                <a:fontRef idx="minor">
+                  <a:schemeClr val="lt1"/>
+                </a:fontRef>
+              </p:style>
+              <p:txBody>
+                <a:bodyPr rtlCol="0" anchor="ctr"/>
+                <a:lstStyle/>
+                <a:p>
+                  <a:pPr algn="ctr"/>
+                  <a:endParaRPr lang="zh-CN" altLang="en-US"/>
+                </a:p>
+              </p:txBody>
+            </p:sp>
+            <p:sp>
+              <p:nvSpPr>
+                <p:cNvPr id="23" name="矩形 22"/>
+                <p:cNvSpPr/>
+                <p:nvPr/>
+              </p:nvSpPr>
+              <p:spPr>
+                <a:xfrm>
+                  <a:off x="3854617" y="4572000"/>
+                  <a:ext cx="680400" cy="331200"/>
+                </a:xfrm>
+                <a:prstGeom prst="rect">
+                  <a:avLst/>
+                </a:prstGeom>
+              </p:spPr>
+              <p:style>
+                <a:lnRef idx="2">
+                  <a:schemeClr val="accent1">
+                    <a:shade val="50000"/>
+                  </a:schemeClr>
+                </a:lnRef>
+                <a:fillRef idx="1">
+                  <a:schemeClr val="accent1"/>
+                </a:fillRef>
+                <a:effectRef idx="0">
+                  <a:schemeClr val="accent1"/>
+                </a:effectRef>
+                <a:fontRef idx="minor">
+                  <a:schemeClr val="lt1"/>
+                </a:fontRef>
+              </p:style>
+              <p:txBody>
+                <a:bodyPr rtlCol="0" anchor="ctr"/>
+                <a:lstStyle/>
+                <a:p>
+                  <a:pPr algn="ctr"/>
+                  <a:endParaRPr lang="zh-CN" altLang="en-US"/>
+                </a:p>
+              </p:txBody>
+            </p:sp>
+          </p:grpSp>
+          <p:sp>
+            <p:nvSpPr>
+              <p:cNvPr id="6" name="矩形 5"/>
+              <p:cNvSpPr/>
+              <p:nvPr/>
+            </p:nvSpPr>
+            <p:spPr>
+              <a:xfrm>
+                <a:off x="4409081" y="1618212"/>
+                <a:ext cx="680400" cy="331200"/>
+              </a:xfrm>
+              <a:prstGeom prst="rect">
+                <a:avLst/>
+              </a:prstGeom>
+            </p:spPr>
+            <p:style>
+              <a:lnRef idx="2">
+                <a:schemeClr val="accent1">
+                  <a:shade val="50000"/>
+                </a:schemeClr>
+              </a:lnRef>
+              <a:fillRef idx="1">
+                <a:schemeClr val="accent1"/>
+              </a:fillRef>
+              <a:effectRef idx="0">
+                <a:schemeClr val="accent1"/>
+              </a:effectRef>
+              <a:fontRef idx="minor">
+                <a:schemeClr val="lt1"/>
+              </a:fontRef>
+            </p:style>
+            <p:txBody>
+              <a:bodyPr rtlCol="0" anchor="ctr"/>
+              <a:lstStyle/>
+              <a:p>
+                <a:pPr algn="ctr"/>
+                <a:endParaRPr lang="zh-CN" altLang="en-US"/>
+              </a:p>
+            </p:txBody>
+          </p:sp>
+          <p:sp>
+            <p:nvSpPr>
+              <p:cNvPr id="7" name="文本框 6"/>
+              <p:cNvSpPr txBox="1"/>
+              <p:nvPr/>
+            </p:nvSpPr>
+            <p:spPr>
+              <a:xfrm>
+                <a:off x="2693323" y="5104015"/>
+                <a:ext cx="680400" cy="307777"/>
+              </a:xfrm>
+              <a:prstGeom prst="rect">
+                <a:avLst/>
+              </a:prstGeom>
+              <a:noFill/>
+            </p:spPr>
+            <p:txBody>
+              <a:bodyPr wrap="square" rtlCol="0">
+                <a:spAutoFit/>
+              </a:bodyPr>
+              <a:lstStyle/>
+              <a:p>
+                <a:pPr algn="ctr"/>
+                <a:r>
+                  <a:rPr lang="en-US" altLang="zh-CN" sz="1400" b="1" i="1" dirty="0" smtClean="0"/>
+                  <a:t>v</a:t>
+                </a:r>
+                <a:r>
+                  <a:rPr lang="en-US" altLang="zh-CN" sz="1400" b="1" i="1" baseline="-25000" dirty="0" smtClean="0"/>
+                  <a:t>r</a:t>
+                </a:r>
+                <a:endParaRPr lang="zh-CN" altLang="en-US" sz="1400" b="1" i="1" baseline="-25000" dirty="0"/>
+              </a:p>
+            </p:txBody>
+          </p:sp>
+          <p:sp>
+            <p:nvSpPr>
+              <p:cNvPr id="8" name="文本框 7"/>
+              <p:cNvSpPr txBox="1"/>
+              <p:nvPr/>
+            </p:nvSpPr>
+            <p:spPr>
+              <a:xfrm>
+                <a:off x="3766711" y="5104015"/>
+                <a:ext cx="856211" cy="307777"/>
+              </a:xfrm>
+              <a:prstGeom prst="rect">
+                <a:avLst/>
+              </a:prstGeom>
+              <a:noFill/>
+            </p:spPr>
+            <p:txBody>
+              <a:bodyPr wrap="square" rtlCol="0">
+                <a:spAutoFit/>
+              </a:bodyPr>
+              <a:lstStyle/>
+              <a:p>
+                <a:pPr algn="ctr"/>
+                <a:r>
+                  <a:rPr lang="en-US" altLang="zh-CN" sz="1400" b="1" dirty="0" smtClean="0"/>
+                  <a:t>l</a:t>
+                </a:r>
+                <a:endParaRPr lang="zh-CN" altLang="en-US" sz="1400" b="1" dirty="0"/>
+              </a:p>
+            </p:txBody>
+          </p:sp>
+          <p:sp>
+            <p:nvSpPr>
+              <p:cNvPr id="9" name="文本框 8"/>
+              <p:cNvSpPr txBox="1"/>
+              <p:nvPr/>
+            </p:nvSpPr>
+            <p:spPr>
+              <a:xfrm>
+                <a:off x="4928005" y="5104014"/>
+                <a:ext cx="856211" cy="307777"/>
+              </a:xfrm>
+              <a:prstGeom prst="rect">
+                <a:avLst/>
+              </a:prstGeom>
+              <a:noFill/>
+            </p:spPr>
+            <p:txBody>
+              <a:bodyPr wrap="square" rtlCol="0">
+                <a:spAutoFit/>
+              </a:bodyPr>
+              <a:lstStyle/>
+              <a:p>
+                <a:pPr algn="ctr"/>
+                <a:r>
+                  <a:rPr lang="en-US" altLang="zh-CN" sz="1400" b="1" dirty="0" smtClean="0"/>
+                  <a:t>‘</a:t>
+                </a:r>
+                <a:endParaRPr lang="zh-CN" altLang="en-US" sz="1400" b="1" dirty="0"/>
+              </a:p>
+            </p:txBody>
+          </p:sp>
+          <p:sp>
+            <p:nvSpPr>
+              <p:cNvPr id="10" name="文本框 9"/>
+              <p:cNvSpPr txBox="1"/>
+              <p:nvPr/>
+            </p:nvSpPr>
+            <p:spPr>
+              <a:xfrm>
+                <a:off x="6089299" y="5104013"/>
+                <a:ext cx="856211" cy="307777"/>
+              </a:xfrm>
+              <a:prstGeom prst="rect">
+                <a:avLst/>
+              </a:prstGeom>
+              <a:noFill/>
+            </p:spPr>
+            <p:txBody>
+              <a:bodyPr wrap="square" rtlCol="0">
+                <a:spAutoFit/>
+              </a:bodyPr>
+              <a:lstStyle/>
+              <a:p>
+                <a:pPr algn="ctr"/>
+                <a:r>
+                  <a:rPr lang="en-US" altLang="zh-CN" sz="1400" b="1" dirty="0" smtClean="0"/>
+                  <a:t>a</a:t>
+                </a:r>
+                <a:endParaRPr lang="zh-CN" altLang="en-US" sz="1400" b="1" dirty="0"/>
+              </a:p>
+            </p:txBody>
+          </p:sp>
+          <p:sp>
+            <p:nvSpPr>
+              <p:cNvPr id="11" name="文本框 10"/>
+              <p:cNvSpPr txBox="1"/>
+              <p:nvPr/>
+            </p:nvSpPr>
+            <p:spPr>
+              <a:xfrm>
+                <a:off x="4321175" y="1113877"/>
+                <a:ext cx="856211" cy="307777"/>
+              </a:xfrm>
+              <a:prstGeom prst="rect">
+                <a:avLst/>
+              </a:prstGeom>
+              <a:noFill/>
+            </p:spPr>
+            <p:txBody>
+              <a:bodyPr wrap="square" rtlCol="0">
+                <a:spAutoFit/>
+              </a:bodyPr>
+              <a:lstStyle/>
+              <a:p>
+                <a:pPr algn="ctr"/>
+                <a:r>
+                  <a:rPr lang="en-US" altLang="zh-CN" sz="1400" b="1" dirty="0" smtClean="0"/>
+                  <a:t>l</a:t>
+                </a:r>
+                <a:endParaRPr lang="zh-CN" altLang="en-US" sz="1400" b="1" dirty="0"/>
+              </a:p>
+            </p:txBody>
+          </p:sp>
+          <p:cxnSp>
+            <p:nvCxnSpPr>
+              <p:cNvPr id="12" name="直接箭头连接符 11"/>
+              <p:cNvCxnSpPr>
+                <a:stCxn id="20" idx="0"/>
+                <a:endCxn id="4" idx="2"/>
+              </p:cNvCxnSpPr>
+              <p:nvPr/>
+            </p:nvCxnSpPr>
+            <p:spPr>
+              <a:xfrm flipV="1">
+                <a:off x="3033523" y="3426306"/>
+                <a:ext cx="1715758" cy="1145694"/>
+              </a:xfrm>
+              <a:prstGeom prst="straightConnector1">
+                <a:avLst/>
+              </a:prstGeom>
+              <a:ln w="12700">
+                <a:tailEnd type="triangle"/>
+              </a:ln>
+            </p:spPr>
+            <p:style>
+              <a:lnRef idx="1">
+                <a:schemeClr val="accent1"/>
+              </a:lnRef>
+              <a:fillRef idx="0">
+                <a:schemeClr val="accent1"/>
+              </a:fillRef>
+              <a:effectRef idx="0">
+                <a:schemeClr val="accent1"/>
+              </a:effectRef>
+              <a:fontRef idx="minor">
+                <a:schemeClr val="tx1"/>
+              </a:fontRef>
+            </p:style>
+          </p:cxnSp>
+          <p:cxnSp>
+            <p:nvCxnSpPr>
+              <p:cNvPr id="13" name="直接箭头连接符 12"/>
+              <p:cNvCxnSpPr>
+                <a:stCxn id="23" idx="0"/>
+                <a:endCxn id="4" idx="2"/>
+              </p:cNvCxnSpPr>
+              <p:nvPr/>
+            </p:nvCxnSpPr>
+            <p:spPr>
+              <a:xfrm flipV="1">
+                <a:off x="4194817" y="3426306"/>
+                <a:ext cx="554464" cy="1145694"/>
+              </a:xfrm>
+              <a:prstGeom prst="straightConnector1">
+                <a:avLst/>
+              </a:prstGeom>
+              <a:ln w="12700">
+                <a:tailEnd type="triangle"/>
+              </a:ln>
+            </p:spPr>
+            <p:style>
+              <a:lnRef idx="1">
+                <a:schemeClr val="accent1"/>
+              </a:lnRef>
+              <a:fillRef idx="0">
+                <a:schemeClr val="accent1"/>
+              </a:fillRef>
+              <a:effectRef idx="0">
+                <a:schemeClr val="accent1"/>
+              </a:effectRef>
+              <a:fontRef idx="minor">
+                <a:schemeClr val="tx1"/>
+              </a:fontRef>
+            </p:style>
+          </p:cxnSp>
+          <p:cxnSp>
+            <p:nvCxnSpPr>
+              <p:cNvPr id="14" name="直接箭头连接符 13"/>
+              <p:cNvCxnSpPr>
+                <a:stCxn id="22" idx="0"/>
+                <a:endCxn id="4" idx="2"/>
+              </p:cNvCxnSpPr>
+              <p:nvPr/>
+            </p:nvCxnSpPr>
+            <p:spPr>
+              <a:xfrm flipH="1" flipV="1">
+                <a:off x="4749281" y="3426306"/>
+                <a:ext cx="606830" cy="1145694"/>
+              </a:xfrm>
+              <a:prstGeom prst="straightConnector1">
+                <a:avLst/>
+              </a:prstGeom>
+              <a:ln w="12700">
+                <a:tailEnd type="triangle"/>
+              </a:ln>
+            </p:spPr>
+            <p:style>
+              <a:lnRef idx="1">
+                <a:schemeClr val="accent1"/>
+              </a:lnRef>
+              <a:fillRef idx="0">
+                <a:schemeClr val="accent1"/>
+              </a:fillRef>
+              <a:effectRef idx="0">
+                <a:schemeClr val="accent1"/>
+              </a:effectRef>
+              <a:fontRef idx="minor">
+                <a:schemeClr val="tx1"/>
+              </a:fontRef>
+            </p:style>
+          </p:cxnSp>
+          <p:cxnSp>
+            <p:nvCxnSpPr>
+              <p:cNvPr id="15" name="直接箭头连接符 14"/>
+              <p:cNvCxnSpPr>
+                <a:stCxn id="21" idx="0"/>
+                <a:endCxn id="4" idx="2"/>
+              </p:cNvCxnSpPr>
+              <p:nvPr/>
+            </p:nvCxnSpPr>
+            <p:spPr>
+              <a:xfrm flipH="1" flipV="1">
+                <a:off x="4749281" y="3426306"/>
+                <a:ext cx="1768124" cy="1145694"/>
+              </a:xfrm>
+              <a:prstGeom prst="straightConnector1">
+                <a:avLst/>
+              </a:prstGeom>
+              <a:ln w="12700">
+                <a:tailEnd type="triangle"/>
+              </a:ln>
+            </p:spPr>
+            <p:style>
+              <a:lnRef idx="1">
+                <a:schemeClr val="accent1"/>
+              </a:lnRef>
+              <a:fillRef idx="0">
+                <a:schemeClr val="accent1"/>
+              </a:fillRef>
+              <a:effectRef idx="0">
+                <a:schemeClr val="accent1"/>
+              </a:effectRef>
+              <a:fontRef idx="minor">
+                <a:schemeClr val="tx1"/>
+              </a:fontRef>
+            </p:style>
+          </p:cxnSp>
+          <p:cxnSp>
+            <p:nvCxnSpPr>
+              <p:cNvPr id="16" name="直接箭头连接符 15"/>
+              <p:cNvCxnSpPr>
+                <a:stCxn id="4" idx="0"/>
+                <a:endCxn id="6" idx="2"/>
+              </p:cNvCxnSpPr>
+              <p:nvPr/>
+            </p:nvCxnSpPr>
+            <p:spPr>
+              <a:xfrm flipV="1">
+                <a:off x="4749281" y="1949412"/>
+                <a:ext cx="0" cy="1145694"/>
+              </a:xfrm>
+              <a:prstGeom prst="straightConnector1">
+                <a:avLst/>
+              </a:prstGeom>
+              <a:ln w="12700">
+                <a:tailEnd type="triangle"/>
+              </a:ln>
+            </p:spPr>
+            <p:style>
+              <a:lnRef idx="1">
+                <a:schemeClr val="accent1"/>
+              </a:lnRef>
+              <a:fillRef idx="0">
+                <a:schemeClr val="accent1"/>
+              </a:fillRef>
+              <a:effectRef idx="0">
+                <a:schemeClr val="accent1"/>
+              </a:effectRef>
+              <a:fontRef idx="minor">
+                <a:schemeClr val="tx1"/>
+              </a:fontRef>
+            </p:style>
+          </p:cxnSp>
+          <p:sp>
+            <p:nvSpPr>
+              <p:cNvPr id="17" name="文本框 16"/>
+              <p:cNvSpPr txBox="1"/>
+              <p:nvPr/>
+            </p:nvSpPr>
+            <p:spPr>
+              <a:xfrm>
+                <a:off x="1275692" y="1618214"/>
+                <a:ext cx="1417631" cy="432441"/>
+              </a:xfrm>
+              <a:prstGeom prst="rect">
+                <a:avLst/>
+              </a:prstGeom>
+              <a:noFill/>
+            </p:spPr>
+            <p:txBody>
+              <a:bodyPr wrap="square" rtlCol="0">
+                <a:spAutoFit/>
+              </a:bodyPr>
+              <a:lstStyle/>
+              <a:p>
+                <a:pPr algn="ctr"/>
+                <a:r>
+                  <a:rPr lang="en-US" altLang="zh-CN" sz="1400" b="1" dirty="0" smtClean="0"/>
+                  <a:t>OUTPUT</a:t>
+                </a:r>
+                <a:endParaRPr lang="zh-CN" altLang="en-US" sz="1400" b="1" dirty="0"/>
+              </a:p>
+            </p:txBody>
+          </p:sp>
+          <p:sp>
+            <p:nvSpPr>
+              <p:cNvPr id="18" name="文本框 17"/>
+              <p:cNvSpPr txBox="1"/>
+              <p:nvPr/>
+            </p:nvSpPr>
+            <p:spPr>
+              <a:xfrm>
+                <a:off x="1275692" y="3106818"/>
+                <a:ext cx="1972095" cy="432441"/>
+              </a:xfrm>
+              <a:prstGeom prst="rect">
+                <a:avLst/>
+              </a:prstGeom>
+              <a:noFill/>
+            </p:spPr>
+            <p:txBody>
+              <a:bodyPr wrap="square" rtlCol="0">
+                <a:spAutoFit/>
+              </a:bodyPr>
+              <a:lstStyle/>
+              <a:p>
+                <a:pPr algn="ctr"/>
+                <a:r>
+                  <a:rPr lang="en-US" altLang="zh-CN" sz="1400" b="1" dirty="0" smtClean="0"/>
+                  <a:t>PROJECTION</a:t>
+                </a:r>
+                <a:endParaRPr lang="zh-CN" altLang="en-US" sz="1400" b="1" dirty="0"/>
+              </a:p>
+            </p:txBody>
+          </p:sp>
+          <p:sp>
+            <p:nvSpPr>
+              <p:cNvPr id="19" name="文本框 18"/>
+              <p:cNvSpPr txBox="1"/>
+              <p:nvPr/>
+            </p:nvSpPr>
+            <p:spPr>
+              <a:xfrm>
+                <a:off x="1275692" y="4583712"/>
+                <a:ext cx="1203367" cy="432441"/>
+              </a:xfrm>
+              <a:prstGeom prst="rect">
+                <a:avLst/>
+              </a:prstGeom>
+              <a:noFill/>
+            </p:spPr>
+            <p:txBody>
+              <a:bodyPr wrap="square" rtlCol="0">
+                <a:spAutoFit/>
+              </a:bodyPr>
+              <a:lstStyle/>
+              <a:p>
+                <a:pPr algn="ctr"/>
+                <a:r>
+                  <a:rPr lang="en-US" altLang="zh-CN" sz="1400" b="1" dirty="0" smtClean="0"/>
+                  <a:t>INPUT</a:t>
+                </a:r>
+                <a:endParaRPr lang="zh-CN" altLang="en-US" sz="1400" b="1" dirty="0"/>
+              </a:p>
+            </p:txBody>
+          </p:sp>
+        </p:grpSp>
+        <p:sp>
+          <p:nvSpPr>
+            <p:cNvPr id="24" name="文本框 23"/>
+            <p:cNvSpPr txBox="1"/>
+            <p:nvPr/>
+          </p:nvSpPr>
+          <p:spPr>
+            <a:xfrm>
+              <a:off x="246160" y="4928964"/>
+              <a:ext cx="2143462" cy="1200329"/>
+            </a:xfrm>
+            <a:prstGeom prst="rect">
+              <a:avLst/>
+            </a:prstGeom>
+            <a:noFill/>
+          </p:spPr>
+          <p:txBody>
+            <a:bodyPr wrap="square" rtlCol="0">
+              <a:spAutoFit/>
+            </a:bodyPr>
+            <a:lstStyle/>
+            <a:p>
+              <a:r>
+                <a:rPr lang="en-US" altLang="zh-CN" dirty="0" smtClean="0">
+                  <a:solidFill>
+                    <a:srgbClr val="FF0000"/>
+                  </a:solidFill>
+                </a:rPr>
+                <a:t>…</a:t>
+              </a:r>
+            </a:p>
+            <a:p>
+              <a:r>
+                <a:rPr lang="en-US" altLang="zh-CN" dirty="0" err="1" smtClean="0">
+                  <a:solidFill>
+                    <a:srgbClr val="FF0000"/>
+                  </a:solidFill>
+                </a:rPr>
+                <a:t>l'aIk</a:t>
+              </a:r>
+              <a:r>
+                <a:rPr lang="en-US" altLang="zh-CN" dirty="0" smtClean="0">
+                  <a:solidFill>
+                    <a:srgbClr val="FF0000"/>
+                  </a:solidFill>
+                </a:rPr>
+                <a:t> </a:t>
+              </a:r>
+              <a:r>
+                <a:rPr lang="en-US" altLang="zh-CN" dirty="0" err="1">
+                  <a:solidFill>
+                    <a:srgbClr val="FF0000"/>
+                  </a:solidFill>
+                </a:rPr>
+                <a:t>d'u</a:t>
+              </a:r>
+              <a:r>
+                <a:rPr lang="en-US" altLang="zh-CN" dirty="0">
+                  <a:solidFill>
+                    <a:srgbClr val="FF0000"/>
+                  </a:solidFill>
+                </a:rPr>
+                <a:t>:</a:t>
+              </a:r>
+            </a:p>
+            <a:p>
+              <a:r>
+                <a:rPr lang="en-US" altLang="zh-CN" dirty="0" smtClean="0">
+                  <a:solidFill>
+                    <a:srgbClr val="FF0000"/>
+                  </a:solidFill>
+                </a:rPr>
+                <a:t>,</a:t>
+              </a:r>
+              <a:r>
+                <a:rPr lang="en-US" altLang="zh-CN" dirty="0">
+                  <a:solidFill>
+                    <a:srgbClr val="FF0000"/>
+                  </a:solidFill>
+                </a:rPr>
+                <a:t>0n ,aU3 </a:t>
+              </a:r>
+              <a:r>
+                <a:rPr lang="en-US" altLang="zh-CN" dirty="0" err="1">
+                  <a:solidFill>
+                    <a:srgbClr val="FF0000"/>
+                  </a:solidFill>
+                </a:rPr>
+                <a:t>sk'Inz</a:t>
+              </a:r>
+              <a:endParaRPr lang="en-US" altLang="zh-CN" dirty="0">
+                <a:solidFill>
+                  <a:srgbClr val="FF0000"/>
+                </a:solidFill>
+              </a:endParaRPr>
+            </a:p>
+            <a:p>
+              <a:r>
+                <a:rPr lang="en-US" altLang="zh-CN" dirty="0" smtClean="0">
+                  <a:solidFill>
+                    <a:srgbClr val="FF0000"/>
+                  </a:solidFill>
+                </a:rPr>
+                <a:t>…</a:t>
+              </a:r>
+              <a:endParaRPr lang="zh-CN" altLang="en-US" dirty="0">
+                <a:solidFill>
+                  <a:srgbClr val="FF0000"/>
+                </a:solidFill>
+              </a:endParaRPr>
+            </a:p>
+          </p:txBody>
+        </p:sp>
+        <p:sp>
+          <p:nvSpPr>
+            <p:cNvPr id="25" name="文本框 24"/>
+            <p:cNvSpPr txBox="1"/>
+            <p:nvPr/>
+          </p:nvSpPr>
+          <p:spPr>
+            <a:xfrm>
+              <a:off x="246159" y="3178211"/>
+              <a:ext cx="2143462" cy="1200329"/>
+            </a:xfrm>
+            <a:prstGeom prst="rect">
+              <a:avLst/>
+            </a:prstGeom>
+            <a:noFill/>
+          </p:spPr>
+          <p:txBody>
+            <a:bodyPr wrap="square" rtlCol="0">
+              <a:spAutoFit/>
+            </a:bodyPr>
+            <a:lstStyle/>
+            <a:p>
+              <a:r>
+                <a:rPr lang="en-US" altLang="zh-CN" dirty="0" smtClean="0">
+                  <a:solidFill>
+                    <a:schemeClr val="accent1">
+                      <a:lumMod val="75000"/>
+                    </a:schemeClr>
+                  </a:solidFill>
+                </a:rPr>
+                <a:t>…</a:t>
+              </a:r>
+            </a:p>
+            <a:p>
+              <a:r>
+                <a:rPr lang="en-US" altLang="zh-CN" dirty="0" err="1" smtClean="0">
+                  <a:solidFill>
+                    <a:schemeClr val="accent1">
+                      <a:lumMod val="75000"/>
+                    </a:schemeClr>
+                  </a:solidFill>
+                </a:rPr>
+                <a:t>m'o</a:t>
+              </a:r>
+              <a:r>
+                <a:rPr lang="en-US" altLang="zh-CN" dirty="0">
+                  <a:solidFill>
+                    <a:schemeClr val="accent1">
+                      <a:lumMod val="75000"/>
+                    </a:schemeClr>
+                  </a:solidFill>
+                </a:rPr>
+                <a:t>@ </a:t>
+              </a:r>
+              <a:r>
+                <a:rPr lang="en-US" altLang="zh-CN" dirty="0" err="1">
+                  <a:solidFill>
+                    <a:schemeClr val="accent1">
+                      <a:lumMod val="75000"/>
+                    </a:schemeClr>
+                  </a:solidFill>
+                </a:rPr>
+                <a:t>l'aIk</a:t>
+              </a:r>
+              <a:r>
+                <a:rPr lang="en-US" altLang="zh-CN" dirty="0">
+                  <a:solidFill>
+                    <a:schemeClr val="accent1">
+                      <a:lumMod val="75000"/>
+                    </a:schemeClr>
+                  </a:solidFill>
+                </a:rPr>
+                <a:t> p'0l@n</a:t>
+              </a:r>
+            </a:p>
+            <a:p>
+              <a:r>
+                <a:rPr lang="en-US" altLang="zh-CN" dirty="0" smtClean="0">
+                  <a:solidFill>
+                    <a:schemeClr val="accent1">
+                      <a:lumMod val="75000"/>
+                    </a:schemeClr>
+                  </a:solidFill>
+                </a:rPr>
+                <a:t>'and</a:t>
+              </a:r>
+              <a:endParaRPr lang="en-US" altLang="zh-CN" dirty="0">
+                <a:solidFill>
+                  <a:schemeClr val="accent1">
+                    <a:lumMod val="75000"/>
+                  </a:schemeClr>
+                </a:solidFill>
+              </a:endParaRPr>
+            </a:p>
+            <a:p>
+              <a:r>
+                <a:rPr lang="en-US" altLang="zh-CN" dirty="0" smtClean="0">
+                  <a:solidFill>
+                    <a:schemeClr val="accent1">
+                      <a:lumMod val="75000"/>
+                    </a:schemeClr>
+                  </a:solidFill>
+                </a:rPr>
+                <a:t>…</a:t>
+              </a:r>
+              <a:endParaRPr lang="zh-CN" altLang="en-US" dirty="0">
+                <a:solidFill>
+                  <a:schemeClr val="accent1">
+                    <a:lumMod val="75000"/>
+                  </a:schemeClr>
+                </a:solidFill>
+              </a:endParaRPr>
+            </a:p>
+          </p:txBody>
+        </p:sp>
+        <p:sp>
+          <p:nvSpPr>
+            <p:cNvPr id="40" name="圆角矩形 39"/>
+            <p:cNvSpPr/>
+            <p:nvPr/>
+          </p:nvSpPr>
+          <p:spPr>
+            <a:xfrm>
+              <a:off x="3151991" y="1070656"/>
+              <a:ext cx="3840480" cy="5109643"/>
+            </a:xfrm>
+            <a:prstGeom prst="roundRect">
+              <a:avLst/>
+            </a:prstGeom>
+            <a:noFill/>
+            <a:ln w="28575"/>
+          </p:spPr>
+          <p:style>
+            <a:lnRef idx="2">
+              <a:schemeClr val="accent1">
+                <a:shade val="50000"/>
+              </a:schemeClr>
+            </a:lnRef>
+            <a:fillRef idx="1">
+              <a:schemeClr val="accent1"/>
+            </a:fillRef>
+            <a:effectRef idx="0">
+              <a:schemeClr val="accent1"/>
+            </a:effectRef>
+            <a:fontRef idx="minor">
+              <a:schemeClr val="lt1"/>
+            </a:fontRef>
+          </p:style>
+          <p:txBody>
+            <a:bodyPr rtlCol="0" anchor="ctr"/>
+            <a:lstStyle/>
+            <a:p>
+              <a:pPr algn="ctr"/>
+              <a:endParaRPr lang="zh-CN" altLang="en-US"/>
+            </a:p>
+          </p:txBody>
+        </p:sp>
+        <p:sp>
+          <p:nvSpPr>
+            <p:cNvPr id="52" name="矩形 51"/>
+            <p:cNvSpPr/>
+            <p:nvPr/>
+          </p:nvSpPr>
+          <p:spPr>
+            <a:xfrm>
+              <a:off x="7992932" y="4820369"/>
+              <a:ext cx="204395" cy="1359931"/>
+            </a:xfrm>
+            <a:prstGeom prst="rect">
+              <a:avLst/>
+            </a:prstGeom>
+            <a:solidFill>
+              <a:srgbClr val="FF5050"/>
+            </a:solidFill>
+            <a:ln>
+              <a:solidFill>
+                <a:srgbClr val="C00000"/>
+              </a:solidFill>
+            </a:ln>
+          </p:spPr>
+          <p:style>
+            <a:lnRef idx="2">
+              <a:schemeClr val="accent1">
+                <a:shade val="50000"/>
+              </a:schemeClr>
+            </a:lnRef>
+            <a:fillRef idx="1">
+              <a:schemeClr val="accent1"/>
+            </a:fillRef>
+            <a:effectRef idx="0">
+              <a:schemeClr val="accent1"/>
+            </a:effectRef>
+            <a:fontRef idx="minor">
+              <a:schemeClr val="lt1"/>
+            </a:fontRef>
+          </p:style>
+          <p:txBody>
+            <a:bodyPr rtlCol="0" anchor="ctr"/>
+            <a:lstStyle/>
+            <a:p>
+              <a:pPr algn="ctr"/>
+              <a:endParaRPr lang="zh-CN" altLang="en-US"/>
+            </a:p>
+          </p:txBody>
+        </p:sp>
+        <p:sp>
+          <p:nvSpPr>
+            <p:cNvPr id="53" name="矩形 52"/>
+            <p:cNvSpPr/>
+            <p:nvPr/>
+          </p:nvSpPr>
+          <p:spPr>
+            <a:xfrm>
+              <a:off x="7992932" y="3093524"/>
+              <a:ext cx="204395" cy="1359931"/>
+            </a:xfrm>
+            <a:prstGeom prst="rect">
+              <a:avLst/>
+            </a:prstGeom>
+          </p:spPr>
+          <p:style>
+            <a:lnRef idx="2">
+              <a:schemeClr val="accent1">
+                <a:shade val="50000"/>
+              </a:schemeClr>
+            </a:lnRef>
+            <a:fillRef idx="1">
+              <a:schemeClr val="accent1"/>
+            </a:fillRef>
+            <a:effectRef idx="0">
+              <a:schemeClr val="accent1"/>
+            </a:effectRef>
+            <a:fontRef idx="minor">
+              <a:schemeClr val="lt1"/>
+            </a:fontRef>
+          </p:style>
+          <p:txBody>
+            <a:bodyPr rtlCol="0" anchor="ctr"/>
+            <a:lstStyle/>
+            <a:p>
+              <a:pPr algn="ctr"/>
+              <a:endParaRPr lang="zh-CN" altLang="en-US"/>
+            </a:p>
+          </p:txBody>
+        </p:sp>
+        <p:sp>
+          <p:nvSpPr>
+            <p:cNvPr id="55" name="矩形 54"/>
+            <p:cNvSpPr/>
+            <p:nvPr/>
+          </p:nvSpPr>
+          <p:spPr>
+            <a:xfrm>
+              <a:off x="8658294" y="3389025"/>
+              <a:ext cx="462579" cy="2495774"/>
+            </a:xfrm>
+            <a:prstGeom prst="rect">
+              <a:avLst/>
+            </a:prstGeom>
+          </p:spPr>
+          <p:style>
+            <a:lnRef idx="2">
+              <a:schemeClr val="accent2">
+                <a:shade val="50000"/>
+              </a:schemeClr>
+            </a:lnRef>
+            <a:fillRef idx="1">
+              <a:schemeClr val="accent2"/>
+            </a:fillRef>
+            <a:effectRef idx="0">
+              <a:schemeClr val="accent2"/>
+            </a:effectRef>
+            <a:fontRef idx="minor">
+              <a:schemeClr val="lt1"/>
+            </a:fontRef>
+          </p:style>
+          <p:txBody>
+            <a:bodyPr lIns="0" tIns="0" rIns="0" bIns="0" rtlCol="0" anchor="ctr">
+              <a:scene3d>
+                <a:camera prst="orthographicFront">
+                  <a:rot lat="0" lon="0" rev="16200000"/>
+                </a:camera>
+                <a:lightRig rig="threePt" dir="t"/>
+              </a:scene3d>
+            </a:bodyPr>
+            <a:lstStyle/>
+            <a:p>
+              <a:pPr algn="ctr"/>
+              <a:endParaRPr lang="zh-CN" altLang="en-US" dirty="0"/>
+            </a:p>
+          </p:txBody>
+        </p:sp>
+        <p:sp>
+          <p:nvSpPr>
+            <p:cNvPr id="61" name="右箭头 60"/>
+            <p:cNvSpPr/>
+            <p:nvPr/>
+          </p:nvSpPr>
+          <p:spPr>
+            <a:xfrm>
+              <a:off x="8294146" y="3667334"/>
+              <a:ext cx="236668" cy="221689"/>
+            </a:xfrm>
+            <a:prstGeom prst="rightArrow">
+              <a:avLst/>
+            </a:prstGeom>
+            <a:solidFill>
+              <a:schemeClr val="accent2">
+                <a:alpha val="29000"/>
+              </a:schemeClr>
+            </a:solidFill>
+          </p:spPr>
+          <p:style>
+            <a:lnRef idx="2">
+              <a:schemeClr val="accent2">
+                <a:shade val="50000"/>
+              </a:schemeClr>
+            </a:lnRef>
+            <a:fillRef idx="1">
+              <a:schemeClr val="accent2"/>
+            </a:fillRef>
+            <a:effectRef idx="0">
+              <a:schemeClr val="accent2"/>
+            </a:effectRef>
+            <a:fontRef idx="minor">
+              <a:schemeClr val="lt1"/>
+            </a:fontRef>
+          </p:style>
+          <p:txBody>
+            <a:bodyPr rtlCol="0" anchor="ctr"/>
+            <a:lstStyle/>
+            <a:p>
+              <a:pPr algn="ctr"/>
+              <a:endParaRPr lang="zh-CN" altLang="en-US"/>
+            </a:p>
+          </p:txBody>
+        </p:sp>
+        <p:sp>
+          <p:nvSpPr>
+            <p:cNvPr id="62" name="右箭头 61"/>
+            <p:cNvSpPr/>
+            <p:nvPr/>
+          </p:nvSpPr>
+          <p:spPr>
+            <a:xfrm>
+              <a:off x="8292534" y="5389489"/>
+              <a:ext cx="236668" cy="221689"/>
+            </a:xfrm>
+            <a:prstGeom prst="rightArrow">
+              <a:avLst/>
+            </a:prstGeom>
+            <a:solidFill>
+              <a:schemeClr val="accent2">
+                <a:alpha val="29000"/>
+              </a:schemeClr>
+            </a:solidFill>
+          </p:spPr>
+          <p:style>
+            <a:lnRef idx="2">
+              <a:schemeClr val="accent2">
+                <a:shade val="50000"/>
+              </a:schemeClr>
+            </a:lnRef>
+            <a:fillRef idx="1">
+              <a:schemeClr val="accent2"/>
+            </a:fillRef>
+            <a:effectRef idx="0">
+              <a:schemeClr val="accent2"/>
+            </a:effectRef>
+            <a:fontRef idx="minor">
+              <a:schemeClr val="lt1"/>
+            </a:fontRef>
+          </p:style>
+          <p:txBody>
+            <a:bodyPr rtlCol="0" anchor="ctr"/>
+            <a:lstStyle/>
+            <a:p>
+              <a:pPr algn="ctr"/>
+              <a:endParaRPr lang="zh-CN" altLang="en-US"/>
+            </a:p>
+          </p:txBody>
+        </p:sp>
+        <p:sp>
+          <p:nvSpPr>
+            <p:cNvPr id="51" name="矩形 50"/>
+            <p:cNvSpPr/>
+            <p:nvPr/>
+          </p:nvSpPr>
+          <p:spPr>
+            <a:xfrm>
+              <a:off x="9489131" y="1070657"/>
+              <a:ext cx="204395" cy="1359931"/>
+            </a:xfrm>
+            <a:prstGeom prst="rect">
+              <a:avLst/>
+            </a:prstGeom>
+            <a:solidFill>
+              <a:srgbClr val="CC3399"/>
+            </a:solidFill>
+            <a:ln>
+              <a:solidFill>
+                <a:srgbClr val="990099"/>
+              </a:solidFill>
+            </a:ln>
+          </p:spPr>
+          <p:style>
+            <a:lnRef idx="2">
+              <a:schemeClr val="accent1">
+                <a:shade val="50000"/>
+              </a:schemeClr>
+            </a:lnRef>
+            <a:fillRef idx="1">
+              <a:schemeClr val="accent1"/>
+            </a:fillRef>
+            <a:effectRef idx="0">
+              <a:schemeClr val="accent1"/>
+            </a:effectRef>
+            <a:fontRef idx="minor">
+              <a:schemeClr val="lt1"/>
+            </a:fontRef>
+          </p:style>
+          <p:txBody>
+            <a:bodyPr rtlCol="0" anchor="ctr"/>
+            <a:lstStyle/>
+            <a:p>
+              <a:pPr algn="ctr"/>
+              <a:endParaRPr lang="zh-CN" altLang="en-US"/>
+            </a:p>
+          </p:txBody>
+        </p:sp>
+        <p:sp>
+          <p:nvSpPr>
+            <p:cNvPr id="64" name="矩形 63"/>
+            <p:cNvSpPr/>
+            <p:nvPr/>
+          </p:nvSpPr>
+          <p:spPr>
+            <a:xfrm>
+              <a:off x="9489131" y="3956946"/>
+              <a:ext cx="204395" cy="1359931"/>
+            </a:xfrm>
+            <a:prstGeom prst="rect">
+              <a:avLst/>
+            </a:prstGeom>
+            <a:solidFill>
+              <a:srgbClr val="CC3399"/>
+            </a:solidFill>
+            <a:ln>
+              <a:solidFill>
+                <a:srgbClr val="990099"/>
+              </a:solidFill>
+            </a:ln>
+          </p:spPr>
+          <p:style>
+            <a:lnRef idx="2">
+              <a:schemeClr val="accent1">
+                <a:shade val="50000"/>
+              </a:schemeClr>
+            </a:lnRef>
+            <a:fillRef idx="1">
+              <a:schemeClr val="accent1"/>
+            </a:fillRef>
+            <a:effectRef idx="0">
+              <a:schemeClr val="accent1"/>
+            </a:effectRef>
+            <a:fontRef idx="minor">
+              <a:schemeClr val="lt1"/>
+            </a:fontRef>
+          </p:style>
+          <p:txBody>
+            <a:bodyPr rtlCol="0" anchor="ctr"/>
+            <a:lstStyle/>
+            <a:p>
+              <a:pPr algn="ctr"/>
+              <a:endParaRPr lang="zh-CN" altLang="en-US"/>
+            </a:p>
+          </p:txBody>
+        </p:sp>
+        <p:sp>
+          <p:nvSpPr>
+            <p:cNvPr id="65" name="右箭头 64"/>
+            <p:cNvSpPr/>
+            <p:nvPr/>
+          </p:nvSpPr>
+          <p:spPr>
+            <a:xfrm>
+              <a:off x="9186668" y="4526066"/>
+              <a:ext cx="236668" cy="221689"/>
+            </a:xfrm>
+            <a:prstGeom prst="rightArrow">
+              <a:avLst/>
+            </a:prstGeom>
+            <a:solidFill>
+              <a:schemeClr val="accent2">
+                <a:alpha val="29000"/>
+              </a:schemeClr>
+            </a:solidFill>
+          </p:spPr>
+          <p:style>
+            <a:lnRef idx="2">
+              <a:schemeClr val="accent2">
+                <a:shade val="50000"/>
+              </a:schemeClr>
+            </a:lnRef>
+            <a:fillRef idx="1">
+              <a:schemeClr val="accent2"/>
+            </a:fillRef>
+            <a:effectRef idx="0">
+              <a:schemeClr val="accent2"/>
+            </a:effectRef>
+            <a:fontRef idx="minor">
+              <a:schemeClr val="lt1"/>
+            </a:fontRef>
+          </p:style>
+          <p:txBody>
+            <a:bodyPr rtlCol="0" anchor="ctr"/>
+            <a:lstStyle/>
+            <a:p>
+              <a:pPr algn="ctr"/>
+              <a:endParaRPr lang="zh-CN" altLang="en-US"/>
+            </a:p>
+          </p:txBody>
+        </p:sp>
+        <p:sp>
+          <p:nvSpPr>
+            <p:cNvPr id="72" name="矩形 71"/>
+            <p:cNvSpPr/>
+            <p:nvPr/>
+          </p:nvSpPr>
+          <p:spPr>
+            <a:xfrm>
+              <a:off x="10273288" y="1490010"/>
+              <a:ext cx="462579" cy="3407514"/>
+            </a:xfrm>
+            <a:prstGeom prst="rect">
+              <a:avLst/>
+            </a:prstGeom>
+          </p:spPr>
+          <p:style>
+            <a:lnRef idx="2">
+              <a:schemeClr val="accent2">
+                <a:shade val="50000"/>
+              </a:schemeClr>
+            </a:lnRef>
+            <a:fillRef idx="1">
+              <a:schemeClr val="accent2"/>
+            </a:fillRef>
+            <a:effectRef idx="0">
+              <a:schemeClr val="accent2"/>
+            </a:effectRef>
+            <a:fontRef idx="minor">
+              <a:schemeClr val="lt1"/>
+            </a:fontRef>
+          </p:style>
+          <p:txBody>
+            <a:bodyPr rtlCol="0" anchor="ctr"/>
+            <a:lstStyle/>
+            <a:p>
+              <a:pPr algn="ctr"/>
+              <a:endParaRPr lang="zh-CN" altLang="en-US"/>
+            </a:p>
+          </p:txBody>
+        </p:sp>
+        <p:sp>
+          <p:nvSpPr>
+            <p:cNvPr id="74" name="右箭头 73"/>
+            <p:cNvSpPr/>
+            <p:nvPr/>
+          </p:nvSpPr>
+          <p:spPr>
+            <a:xfrm>
+              <a:off x="10917763" y="3082922"/>
+              <a:ext cx="236668" cy="221689"/>
+            </a:xfrm>
+            <a:prstGeom prst="rightArrow">
+              <a:avLst/>
+            </a:prstGeom>
+            <a:solidFill>
+              <a:schemeClr val="accent2">
+                <a:alpha val="29000"/>
+              </a:schemeClr>
+            </a:solidFill>
+          </p:spPr>
+          <p:style>
+            <a:lnRef idx="2">
+              <a:schemeClr val="accent2">
+                <a:shade val="50000"/>
+              </a:schemeClr>
+            </a:lnRef>
+            <a:fillRef idx="1">
+              <a:schemeClr val="accent2"/>
+            </a:fillRef>
+            <a:effectRef idx="0">
+              <a:schemeClr val="accent2"/>
+            </a:effectRef>
+            <a:fontRef idx="minor">
+              <a:schemeClr val="lt1"/>
+            </a:fontRef>
+          </p:style>
+          <p:txBody>
+            <a:bodyPr rtlCol="0" anchor="ctr"/>
+            <a:lstStyle/>
+            <a:p>
+              <a:pPr algn="ctr"/>
+              <a:endParaRPr lang="zh-CN" altLang="en-US"/>
+            </a:p>
+          </p:txBody>
+        </p:sp>
+        <p:sp>
+          <p:nvSpPr>
+            <p:cNvPr id="75" name="右箭头 74"/>
+            <p:cNvSpPr/>
+            <p:nvPr/>
+          </p:nvSpPr>
+          <p:spPr>
+            <a:xfrm>
+              <a:off x="9905631" y="4526066"/>
+              <a:ext cx="236668" cy="221689"/>
+            </a:xfrm>
+            <a:prstGeom prst="rightArrow">
+              <a:avLst/>
+            </a:prstGeom>
+            <a:solidFill>
+              <a:schemeClr val="accent2">
+                <a:alpha val="29000"/>
+              </a:schemeClr>
+            </a:solidFill>
+          </p:spPr>
+          <p:style>
+            <a:lnRef idx="2">
+              <a:schemeClr val="accent2">
+                <a:shade val="50000"/>
+              </a:schemeClr>
+            </a:lnRef>
+            <a:fillRef idx="1">
+              <a:schemeClr val="accent2"/>
+            </a:fillRef>
+            <a:effectRef idx="0">
+              <a:schemeClr val="accent2"/>
+            </a:effectRef>
+            <a:fontRef idx="minor">
+              <a:schemeClr val="lt1"/>
+            </a:fontRef>
+          </p:style>
+          <p:txBody>
+            <a:bodyPr rtlCol="0" anchor="ctr"/>
+            <a:lstStyle/>
+            <a:p>
+              <a:pPr algn="ctr"/>
+              <a:endParaRPr lang="zh-CN" altLang="en-US"/>
+            </a:p>
+          </p:txBody>
+        </p:sp>
+        <p:sp>
+          <p:nvSpPr>
+            <p:cNvPr id="76" name="右箭头 75"/>
+            <p:cNvSpPr/>
+            <p:nvPr/>
+          </p:nvSpPr>
+          <p:spPr>
+            <a:xfrm>
+              <a:off x="9905631" y="1641910"/>
+              <a:ext cx="236668" cy="221689"/>
+            </a:xfrm>
+            <a:prstGeom prst="rightArrow">
+              <a:avLst/>
+            </a:prstGeom>
+            <a:solidFill>
+              <a:schemeClr val="accent2">
+                <a:alpha val="29000"/>
+              </a:schemeClr>
+            </a:solidFill>
+          </p:spPr>
+          <p:style>
+            <a:lnRef idx="2">
+              <a:schemeClr val="accent2">
+                <a:shade val="50000"/>
+              </a:schemeClr>
+            </a:lnRef>
+            <a:fillRef idx="1">
+              <a:schemeClr val="accent2"/>
+            </a:fillRef>
+            <a:effectRef idx="0">
+              <a:schemeClr val="accent2"/>
+            </a:effectRef>
+            <a:fontRef idx="minor">
+              <a:schemeClr val="lt1"/>
+            </a:fontRef>
+          </p:style>
+          <p:txBody>
+            <a:bodyPr rtlCol="0" anchor="ctr"/>
+            <a:lstStyle/>
+            <a:p>
+              <a:pPr algn="ctr"/>
+              <a:endParaRPr lang="zh-CN" altLang="en-US"/>
+            </a:p>
+          </p:txBody>
+        </p:sp>
+        <p:sp>
+          <p:nvSpPr>
+            <p:cNvPr id="78" name="矩形 77"/>
+            <p:cNvSpPr/>
+            <p:nvPr/>
+          </p:nvSpPr>
+          <p:spPr>
+            <a:xfrm>
+              <a:off x="11336327" y="2513800"/>
+              <a:ext cx="204395" cy="1359931"/>
+            </a:xfrm>
+            <a:prstGeom prst="rect">
+              <a:avLst/>
+            </a:prstGeom>
+            <a:solidFill>
+              <a:schemeClr val="tx1">
+                <a:lumMod val="50000"/>
+                <a:lumOff val="50000"/>
+              </a:schemeClr>
+            </a:solidFill>
+            <a:ln>
+              <a:solidFill>
+                <a:schemeClr val="tx1"/>
+              </a:solidFill>
+            </a:ln>
+          </p:spPr>
+          <p:style>
+            <a:lnRef idx="2">
+              <a:schemeClr val="accent1">
+                <a:shade val="50000"/>
+              </a:schemeClr>
+            </a:lnRef>
+            <a:fillRef idx="1">
+              <a:schemeClr val="accent1"/>
+            </a:fillRef>
+            <a:effectRef idx="0">
+              <a:schemeClr val="accent1"/>
+            </a:effectRef>
+            <a:fontRef idx="minor">
+              <a:schemeClr val="lt1"/>
+            </a:fontRef>
+          </p:style>
+          <p:txBody>
+            <a:bodyPr rtlCol="0" anchor="ctr"/>
+            <a:lstStyle/>
+            <a:p>
+              <a:pPr algn="ctr"/>
+              <a:endParaRPr lang="zh-CN" altLang="en-US"/>
+            </a:p>
+          </p:txBody>
+        </p:sp>
+        <p:sp>
+          <p:nvSpPr>
+            <p:cNvPr id="79" name="圆角矩形 78"/>
+            <p:cNvSpPr/>
+            <p:nvPr/>
+          </p:nvSpPr>
+          <p:spPr>
+            <a:xfrm>
+              <a:off x="246158" y="873461"/>
+              <a:ext cx="1969917" cy="1754103"/>
+            </a:xfrm>
+            <a:prstGeom prst="roundRect">
+              <a:avLst/>
+            </a:prstGeom>
+            <a:noFill/>
+            <a:ln>
+              <a:solidFill>
+                <a:schemeClr val="tx1"/>
+              </a:solidFill>
+              <a:prstDash val="lgDash"/>
+            </a:ln>
+          </p:spPr>
+          <p:style>
+            <a:lnRef idx="2">
+              <a:schemeClr val="accent1">
+                <a:shade val="50000"/>
+              </a:schemeClr>
+            </a:lnRef>
+            <a:fillRef idx="1">
+              <a:schemeClr val="accent1"/>
+            </a:fillRef>
+            <a:effectRef idx="0">
+              <a:schemeClr val="accent1"/>
+            </a:effectRef>
+            <a:fontRef idx="minor">
+              <a:schemeClr val="lt1"/>
+            </a:fontRef>
+          </p:style>
+          <p:txBody>
+            <a:bodyPr rtlCol="0" anchor="ctr"/>
+            <a:lstStyle/>
+            <a:p>
+              <a:pPr algn="ctr"/>
+              <a:endParaRPr lang="zh-CN" altLang="en-US"/>
+            </a:p>
+          </p:txBody>
+        </p:sp>
+        <p:sp>
+          <p:nvSpPr>
+            <p:cNvPr id="80" name="圆角矩形 79"/>
+            <p:cNvSpPr/>
+            <p:nvPr/>
+          </p:nvSpPr>
+          <p:spPr>
+            <a:xfrm>
+              <a:off x="249175" y="3178211"/>
+              <a:ext cx="1969917" cy="1200329"/>
+            </a:xfrm>
+            <a:prstGeom prst="roundRect">
+              <a:avLst/>
+            </a:prstGeom>
+            <a:noFill/>
+            <a:ln>
+              <a:solidFill>
+                <a:schemeClr val="accent1">
+                  <a:lumMod val="75000"/>
+                </a:schemeClr>
+              </a:solidFill>
+              <a:prstDash val="lgDash"/>
+            </a:ln>
+          </p:spPr>
+          <p:style>
+            <a:lnRef idx="2">
+              <a:schemeClr val="accent1">
+                <a:shade val="50000"/>
+              </a:schemeClr>
+            </a:lnRef>
+            <a:fillRef idx="1">
+              <a:schemeClr val="accent1"/>
+            </a:fillRef>
+            <a:effectRef idx="0">
+              <a:schemeClr val="accent1"/>
+            </a:effectRef>
+            <a:fontRef idx="minor">
+              <a:schemeClr val="lt1"/>
+            </a:fontRef>
+          </p:style>
+          <p:txBody>
+            <a:bodyPr rtlCol="0" anchor="ctr"/>
+            <a:lstStyle/>
+            <a:p>
+              <a:pPr algn="ctr"/>
+              <a:endParaRPr lang="zh-CN" altLang="en-US"/>
+            </a:p>
+          </p:txBody>
+        </p:sp>
+        <p:sp>
+          <p:nvSpPr>
+            <p:cNvPr id="81" name="圆角矩形 80"/>
+            <p:cNvSpPr/>
+            <p:nvPr/>
+          </p:nvSpPr>
+          <p:spPr>
+            <a:xfrm>
+              <a:off x="252402" y="4897524"/>
+              <a:ext cx="1969917" cy="1231769"/>
+            </a:xfrm>
+            <a:prstGeom prst="roundRect">
+              <a:avLst/>
+            </a:prstGeom>
+            <a:noFill/>
+            <a:ln>
+              <a:solidFill>
+                <a:srgbClr val="FF0000"/>
+              </a:solidFill>
+              <a:prstDash val="lgDash"/>
+            </a:ln>
+          </p:spPr>
+          <p:style>
+            <a:lnRef idx="2">
+              <a:schemeClr val="accent1">
+                <a:shade val="50000"/>
+              </a:schemeClr>
+            </a:lnRef>
+            <a:fillRef idx="1">
+              <a:schemeClr val="accent1"/>
+            </a:fillRef>
+            <a:effectRef idx="0">
+              <a:schemeClr val="accent1"/>
+            </a:effectRef>
+            <a:fontRef idx="minor">
+              <a:schemeClr val="lt1"/>
+            </a:fontRef>
+          </p:style>
+          <p:txBody>
+            <a:bodyPr rtlCol="0" anchor="ctr"/>
+            <a:lstStyle/>
+            <a:p>
+              <a:pPr algn="ctr"/>
+              <a:endParaRPr lang="zh-CN" altLang="en-US"/>
+            </a:p>
+          </p:txBody>
+        </p:sp>
+        <p:sp>
+          <p:nvSpPr>
+            <p:cNvPr id="83" name="右箭头 82"/>
+            <p:cNvSpPr/>
+            <p:nvPr/>
+          </p:nvSpPr>
+          <p:spPr>
+            <a:xfrm>
+              <a:off x="2474259" y="1639778"/>
+              <a:ext cx="516534" cy="218814"/>
+            </a:xfrm>
+            <a:prstGeom prst="rightArrow">
+              <a:avLst/>
+            </a:prstGeom>
+            <a:solidFill>
+              <a:srgbClr val="CC3399"/>
+            </a:solidFill>
+            <a:ln>
+              <a:solidFill>
+                <a:srgbClr val="990099"/>
+              </a:solidFill>
+            </a:ln>
+          </p:spPr>
+          <p:style>
+            <a:lnRef idx="2">
+              <a:schemeClr val="accent1">
+                <a:shade val="50000"/>
+              </a:schemeClr>
+            </a:lnRef>
+            <a:fillRef idx="1">
+              <a:schemeClr val="accent1"/>
+            </a:fillRef>
+            <a:effectRef idx="0">
+              <a:schemeClr val="accent1"/>
+            </a:effectRef>
+            <a:fontRef idx="minor">
+              <a:schemeClr val="lt1"/>
+            </a:fontRef>
+          </p:style>
+          <p:txBody>
+            <a:bodyPr rtlCol="0" anchor="ctr"/>
+            <a:lstStyle/>
+            <a:p>
+              <a:pPr algn="ctr"/>
+              <a:endParaRPr lang="zh-CN" altLang="en-US"/>
+            </a:p>
+          </p:txBody>
+        </p:sp>
+        <p:sp>
+          <p:nvSpPr>
+            <p:cNvPr id="84" name="右箭头 83"/>
+            <p:cNvSpPr/>
+            <p:nvPr/>
+          </p:nvSpPr>
+          <p:spPr>
+            <a:xfrm>
+              <a:off x="2474259" y="3672476"/>
+              <a:ext cx="510428" cy="201255"/>
+            </a:xfrm>
+            <a:prstGeom prst="rightArrow">
+              <a:avLst/>
+            </a:prstGeom>
+          </p:spPr>
+          <p:style>
+            <a:lnRef idx="2">
+              <a:schemeClr val="accent1">
+                <a:shade val="50000"/>
+              </a:schemeClr>
+            </a:lnRef>
+            <a:fillRef idx="1">
+              <a:schemeClr val="accent1"/>
+            </a:fillRef>
+            <a:effectRef idx="0">
+              <a:schemeClr val="accent1"/>
+            </a:effectRef>
+            <a:fontRef idx="minor">
+              <a:schemeClr val="lt1"/>
+            </a:fontRef>
+          </p:style>
+          <p:txBody>
+            <a:bodyPr rtlCol="0" anchor="ctr"/>
+            <a:lstStyle/>
+            <a:p>
+              <a:pPr algn="ctr"/>
+              <a:endParaRPr lang="zh-CN" altLang="en-US"/>
+            </a:p>
+          </p:txBody>
+        </p:sp>
+        <p:sp>
+          <p:nvSpPr>
+            <p:cNvPr id="85" name="右箭头 84"/>
+            <p:cNvSpPr/>
+            <p:nvPr/>
+          </p:nvSpPr>
+          <p:spPr>
+            <a:xfrm>
+              <a:off x="2470976" y="5389489"/>
+              <a:ext cx="513711" cy="221688"/>
+            </a:xfrm>
+            <a:prstGeom prst="rightArrow">
+              <a:avLst/>
+            </a:prstGeom>
+            <a:solidFill>
+              <a:srgbClr val="FF5050"/>
+            </a:solidFill>
+            <a:ln>
+              <a:solidFill>
+                <a:srgbClr val="FF0000"/>
+              </a:solidFill>
+            </a:ln>
+          </p:spPr>
+          <p:style>
+            <a:lnRef idx="2">
+              <a:schemeClr val="accent1">
+                <a:shade val="50000"/>
+              </a:schemeClr>
+            </a:lnRef>
+            <a:fillRef idx="1">
+              <a:schemeClr val="accent1"/>
+            </a:fillRef>
+            <a:effectRef idx="0">
+              <a:schemeClr val="accent1"/>
+            </a:effectRef>
+            <a:fontRef idx="minor">
+              <a:schemeClr val="lt1"/>
+            </a:fontRef>
+          </p:style>
+          <p:txBody>
+            <a:bodyPr rtlCol="0" anchor="ctr"/>
+            <a:lstStyle/>
+            <a:p>
+              <a:pPr algn="ctr"/>
+              <a:endParaRPr lang="zh-CN" altLang="en-US"/>
+            </a:p>
+          </p:txBody>
+        </p:sp>
+        <p:sp>
+          <p:nvSpPr>
+            <p:cNvPr id="86" name="右箭头 85"/>
+            <p:cNvSpPr/>
+            <p:nvPr/>
+          </p:nvSpPr>
+          <p:spPr>
+            <a:xfrm>
+              <a:off x="7172855" y="3667334"/>
+              <a:ext cx="561892" cy="206397"/>
+            </a:xfrm>
+            <a:prstGeom prst="rightArrow">
+              <a:avLst/>
+            </a:prstGeom>
+          </p:spPr>
+          <p:style>
+            <a:lnRef idx="2">
+              <a:schemeClr val="accent1">
+                <a:shade val="50000"/>
+              </a:schemeClr>
+            </a:lnRef>
+            <a:fillRef idx="1">
+              <a:schemeClr val="accent1"/>
+            </a:fillRef>
+            <a:effectRef idx="0">
+              <a:schemeClr val="accent1"/>
+            </a:effectRef>
+            <a:fontRef idx="minor">
+              <a:schemeClr val="lt1"/>
+            </a:fontRef>
+          </p:style>
+          <p:txBody>
+            <a:bodyPr rtlCol="0" anchor="ctr"/>
+            <a:lstStyle/>
+            <a:p>
+              <a:pPr algn="ctr"/>
+              <a:endParaRPr lang="zh-CN" altLang="en-US"/>
+            </a:p>
+          </p:txBody>
+        </p:sp>
+        <p:sp>
+          <p:nvSpPr>
+            <p:cNvPr id="87" name="右箭头 86"/>
+            <p:cNvSpPr/>
+            <p:nvPr/>
+          </p:nvSpPr>
+          <p:spPr>
+            <a:xfrm>
+              <a:off x="7172854" y="5389487"/>
+              <a:ext cx="561894" cy="221690"/>
+            </a:xfrm>
+            <a:prstGeom prst="rightArrow">
+              <a:avLst/>
+            </a:prstGeom>
+            <a:solidFill>
+              <a:srgbClr val="FF5050"/>
+            </a:solidFill>
+            <a:ln>
+              <a:solidFill>
+                <a:srgbClr val="FF0000"/>
+              </a:solidFill>
+            </a:ln>
+          </p:spPr>
+          <p:style>
+            <a:lnRef idx="2">
+              <a:schemeClr val="accent1">
+                <a:shade val="50000"/>
+              </a:schemeClr>
+            </a:lnRef>
+            <a:fillRef idx="1">
+              <a:schemeClr val="accent1"/>
+            </a:fillRef>
+            <a:effectRef idx="0">
+              <a:schemeClr val="accent1"/>
+            </a:effectRef>
+            <a:fontRef idx="minor">
+              <a:schemeClr val="lt1"/>
+            </a:fontRef>
+          </p:style>
+          <p:txBody>
+            <a:bodyPr rtlCol="0" anchor="ctr"/>
+            <a:lstStyle/>
+            <a:p>
+              <a:pPr algn="ctr"/>
+              <a:endParaRPr lang="zh-CN" altLang="en-US"/>
+            </a:p>
+          </p:txBody>
+        </p:sp>
+        <p:sp>
+          <p:nvSpPr>
+            <p:cNvPr id="89" name="右箭头 88"/>
+            <p:cNvSpPr/>
+            <p:nvPr/>
+          </p:nvSpPr>
+          <p:spPr>
+            <a:xfrm>
+              <a:off x="7174367" y="1636902"/>
+              <a:ext cx="2132868" cy="221690"/>
+            </a:xfrm>
+            <a:prstGeom prst="rightArrow">
+              <a:avLst/>
+            </a:prstGeom>
+            <a:solidFill>
+              <a:srgbClr val="CC3399"/>
+            </a:solidFill>
+            <a:ln>
+              <a:solidFill>
+                <a:srgbClr val="990099"/>
+              </a:solidFill>
+            </a:ln>
+          </p:spPr>
+          <p:style>
+            <a:lnRef idx="2">
+              <a:schemeClr val="accent1">
+                <a:shade val="50000"/>
+              </a:schemeClr>
+            </a:lnRef>
+            <a:fillRef idx="1">
+              <a:schemeClr val="accent1"/>
+            </a:fillRef>
+            <a:effectRef idx="0">
+              <a:schemeClr val="accent1"/>
+            </a:effectRef>
+            <a:fontRef idx="minor">
+              <a:schemeClr val="lt1"/>
+            </a:fontRef>
+          </p:style>
+          <p:txBody>
+            <a:bodyPr rtlCol="0" anchor="ctr"/>
+            <a:lstStyle/>
+            <a:p>
+              <a:pPr algn="ctr"/>
+              <a:endParaRPr lang="zh-CN" altLang="en-US"/>
+            </a:p>
+          </p:txBody>
+        </p:sp>
+        <p:sp>
+          <p:nvSpPr>
+            <p:cNvPr id="91" name="文本框 90"/>
+            <p:cNvSpPr txBox="1"/>
+            <p:nvPr/>
+          </p:nvSpPr>
+          <p:spPr>
+            <a:xfrm rot="5400000">
+              <a:off x="7680910" y="4448651"/>
+              <a:ext cx="2433099" cy="376517"/>
+            </a:xfrm>
+            <a:prstGeom prst="rect">
+              <a:avLst/>
+            </a:prstGeom>
+            <a:noFill/>
+          </p:spPr>
+          <p:txBody>
+            <a:bodyPr wrap="square" rtlCol="0">
+              <a:spAutoFit/>
+            </a:bodyPr>
+            <a:lstStyle/>
+            <a:p>
+              <a:pPr algn="ctr"/>
+              <a:r>
+                <a:rPr lang="en-US" altLang="zh-CN" dirty="0" smtClean="0"/>
+                <a:t>Attention</a:t>
+              </a:r>
+              <a:endParaRPr lang="zh-CN" altLang="en-US" dirty="0"/>
+            </a:p>
+          </p:txBody>
+        </p:sp>
+        <p:sp>
+          <p:nvSpPr>
+            <p:cNvPr id="92" name="文本框 91"/>
+            <p:cNvSpPr txBox="1"/>
+            <p:nvPr/>
+          </p:nvSpPr>
+          <p:spPr>
+            <a:xfrm rot="5400000">
+              <a:off x="9288027" y="3005506"/>
+              <a:ext cx="2433099" cy="376517"/>
+            </a:xfrm>
+            <a:prstGeom prst="rect">
+              <a:avLst/>
+            </a:prstGeom>
+            <a:noFill/>
+          </p:spPr>
+          <p:txBody>
+            <a:bodyPr wrap="square" rtlCol="0">
+              <a:spAutoFit/>
+            </a:bodyPr>
+            <a:lstStyle/>
+            <a:p>
+              <a:pPr algn="ctr"/>
+              <a:r>
+                <a:rPr lang="en-US" altLang="zh-CN" dirty="0" smtClean="0"/>
+                <a:t>Attention</a:t>
+              </a:r>
+              <a:endParaRPr lang="zh-CN" altLang="en-US" dirty="0"/>
+            </a:p>
+          </p:txBody>
+        </p:sp>
+      </p:grpSp>
+    </p:spTree>
+    <p:extLst>
+      <p:ext uri="{BB962C8B-B14F-4D97-AF65-F5344CB8AC3E}">
+        <p14:creationId xmlns:p14="http://schemas.microsoft.com/office/powerpoint/2010/main" val="2239547984"/>
+      </p:ext>
+    </p:extLst>
+  </p:cSld>
+  <p:clrMapOvr>
+    <a:masterClrMapping/>
+  </p:clrMapOvr>
+</p:sld>
+</file>
+
+<file path=ppt/slides/slide2.xml><?xml version="1.0" encoding="utf-8"?>
+<p:sld xmlns:a="http://schemas.openxmlformats.org/drawingml/2006/main" xmlns:r="http://schemas.openxmlformats.org/officeDocument/2006/relationships" xmlns:p="http://schemas.openxmlformats.org/presentationml/2006/main">
+  <p:cSld>
+    <p:spTree>
+      <p:nvGrpSpPr>
+        <p:cNvPr id="1" name=""/>
+        <p:cNvGrpSpPr/>
+        <p:nvPr/>
+      </p:nvGrpSpPr>
+      <p:grpSpPr>
+        <a:xfrm>
+          <a:off x="0" y="0"/>
+          <a:ext cx="0" cy="0"/>
+          <a:chOff x="0" y="0"/>
+          <a:chExt cx="0" cy="0"/>
+        </a:xfrm>
+      </p:grpSpPr>
+      <p:sp>
+        <p:nvSpPr>
+          <p:cNvPr id="8" name="矩形 7"/>
+          <p:cNvSpPr/>
+          <p:nvPr/>
+        </p:nvSpPr>
+        <p:spPr>
+          <a:xfrm>
+            <a:off x="11263745" y="-889462"/>
+            <a:ext cx="332509" cy="681644"/>
+          </a:xfrm>
+          <a:prstGeom prst="rect">
+            <a:avLst/>
+          </a:prstGeom>
+        </p:spPr>
+        <p:style>
+          <a:lnRef idx="2">
+            <a:schemeClr val="accent1">
+              <a:shade val="50000"/>
+            </a:schemeClr>
+          </a:lnRef>
+          <a:fillRef idx="1">
+            <a:schemeClr val="accent1"/>
+          </a:fillRef>
+          <a:effectRef idx="0">
+            <a:schemeClr val="accent1"/>
+          </a:effectRef>
+          <a:fontRef idx="minor">
+            <a:schemeClr val="lt1"/>
+          </a:fontRef>
+        </p:style>
+        <p:txBody>
+          <a:bodyPr rtlCol="0" anchor="ctr"/>
+          <a:lstStyle/>
+          <a:p>
+            <a:pPr algn="ctr"/>
+            <a:endParaRPr lang="zh-CN" altLang="en-US"/>
+          </a:p>
+        </p:txBody>
+      </p:sp>
+      <p:sp>
+        <p:nvSpPr>
+          <p:cNvPr id="9" name="矩形 8"/>
+          <p:cNvSpPr/>
+          <p:nvPr/>
+        </p:nvSpPr>
+        <p:spPr>
+          <a:xfrm>
+            <a:off x="4175760" y="6150726"/>
+            <a:ext cx="332509" cy="681644"/>
+          </a:xfrm>
+          <a:prstGeom prst="rect">
+            <a:avLst/>
+          </a:prstGeom>
+        </p:spPr>
+        <p:style>
+          <a:lnRef idx="2">
+            <a:schemeClr val="accent1">
+              <a:shade val="50000"/>
+            </a:schemeClr>
+          </a:lnRef>
+          <a:fillRef idx="1">
+            <a:schemeClr val="accent1"/>
+          </a:fillRef>
+          <a:effectRef idx="0">
+            <a:schemeClr val="accent1"/>
+          </a:effectRef>
+          <a:fontRef idx="minor">
+            <a:schemeClr val="lt1"/>
+          </a:fontRef>
+        </p:style>
+        <p:txBody>
+          <a:bodyPr rtlCol="0" anchor="ctr"/>
+          <a:lstStyle/>
+          <a:p>
+            <a:pPr algn="ctr"/>
+            <a:endParaRPr lang="zh-CN" altLang="en-US"/>
+          </a:p>
+        </p:txBody>
+      </p:sp>
+      <p:sp>
+        <p:nvSpPr>
+          <p:cNvPr id="10" name="矩形 9"/>
+          <p:cNvSpPr/>
+          <p:nvPr/>
+        </p:nvSpPr>
+        <p:spPr>
+          <a:xfrm>
+            <a:off x="5383875" y="6150726"/>
+            <a:ext cx="332509" cy="681644"/>
+          </a:xfrm>
+          <a:prstGeom prst="rect">
+            <a:avLst/>
+          </a:prstGeom>
+        </p:spPr>
+        <p:style>
+          <a:lnRef idx="2">
+            <a:schemeClr val="accent1">
+              <a:shade val="50000"/>
+            </a:schemeClr>
+          </a:lnRef>
+          <a:fillRef idx="1">
+            <a:schemeClr val="accent1"/>
+          </a:fillRef>
+          <a:effectRef idx="0">
+            <a:schemeClr val="accent1"/>
+          </a:effectRef>
+          <a:fontRef idx="minor">
+            <a:schemeClr val="lt1"/>
+          </a:fontRef>
+        </p:style>
+        <p:txBody>
+          <a:bodyPr rtlCol="0" anchor="ctr"/>
+          <a:lstStyle/>
+          <a:p>
+            <a:pPr algn="ctr"/>
+            <a:endParaRPr lang="zh-CN" altLang="en-US"/>
+          </a:p>
+        </p:txBody>
+      </p:sp>
+      <p:sp>
+        <p:nvSpPr>
+          <p:cNvPr id="11" name="矩形 10"/>
+          <p:cNvSpPr/>
+          <p:nvPr/>
+        </p:nvSpPr>
+        <p:spPr>
+          <a:xfrm>
+            <a:off x="11720945" y="-432262"/>
+            <a:ext cx="332509" cy="681644"/>
+          </a:xfrm>
+          <a:prstGeom prst="rect">
+            <a:avLst/>
+          </a:prstGeom>
+        </p:spPr>
+        <p:style>
+          <a:lnRef idx="2">
+            <a:schemeClr val="accent1">
+              <a:shade val="50000"/>
+            </a:schemeClr>
+          </a:lnRef>
+          <a:fillRef idx="1">
+            <a:schemeClr val="accent1"/>
+          </a:fillRef>
+          <a:effectRef idx="0">
+            <a:schemeClr val="accent1"/>
+          </a:effectRef>
+          <a:fontRef idx="minor">
+            <a:schemeClr val="lt1"/>
+          </a:fontRef>
+        </p:style>
+        <p:txBody>
+          <a:bodyPr rtlCol="0" anchor="ctr"/>
+          <a:lstStyle/>
+          <a:p>
+            <a:pPr algn="ctr"/>
+            <a:endParaRPr lang="zh-CN" altLang="en-US"/>
+          </a:p>
+        </p:txBody>
+      </p:sp>
+      <p:sp>
+        <p:nvSpPr>
+          <p:cNvPr id="12" name="矩形 11"/>
+          <p:cNvSpPr/>
+          <p:nvPr/>
+        </p:nvSpPr>
+        <p:spPr>
+          <a:xfrm>
+            <a:off x="11873345" y="-279862"/>
+            <a:ext cx="332509" cy="681644"/>
+          </a:xfrm>
+          <a:prstGeom prst="rect">
+            <a:avLst/>
+          </a:prstGeom>
+        </p:spPr>
+        <p:style>
+          <a:lnRef idx="2">
+            <a:schemeClr val="accent1">
+              <a:shade val="50000"/>
+            </a:schemeClr>
+          </a:lnRef>
+          <a:fillRef idx="1">
+            <a:schemeClr val="accent1"/>
+          </a:fillRef>
+          <a:effectRef idx="0">
+            <a:schemeClr val="accent1"/>
+          </a:effectRef>
+          <a:fontRef idx="minor">
+            <a:schemeClr val="lt1"/>
+          </a:fontRef>
+        </p:style>
+        <p:txBody>
+          <a:bodyPr rtlCol="0" anchor="ctr"/>
+          <a:lstStyle/>
+          <a:p>
+            <a:pPr algn="ctr"/>
+            <a:endParaRPr lang="zh-CN" altLang="en-US"/>
+          </a:p>
+        </p:txBody>
+      </p:sp>
+      <p:sp>
+        <p:nvSpPr>
+          <p:cNvPr id="13" name="矩形 12"/>
+          <p:cNvSpPr/>
+          <p:nvPr/>
+        </p:nvSpPr>
+        <p:spPr>
+          <a:xfrm>
+            <a:off x="12025745" y="-127462"/>
+            <a:ext cx="332509" cy="681644"/>
+          </a:xfrm>
+          <a:prstGeom prst="rect">
+            <a:avLst/>
+          </a:prstGeom>
+        </p:spPr>
+        <p:style>
+          <a:lnRef idx="2">
+            <a:schemeClr val="accent1">
+              <a:shade val="50000"/>
+            </a:schemeClr>
+          </a:lnRef>
+          <a:fillRef idx="1">
+            <a:schemeClr val="accent1"/>
+          </a:fillRef>
+          <a:effectRef idx="0">
+            <a:schemeClr val="accent1"/>
+          </a:effectRef>
+          <a:fontRef idx="minor">
+            <a:schemeClr val="lt1"/>
+          </a:fontRef>
+        </p:style>
+        <p:txBody>
+          <a:bodyPr rtlCol="0" anchor="ctr"/>
+          <a:lstStyle/>
+          <a:p>
+            <a:pPr algn="ctr"/>
+            <a:endParaRPr lang="zh-CN" altLang="en-US"/>
+          </a:p>
+        </p:txBody>
+      </p:sp>
+      <p:grpSp>
+        <p:nvGrpSpPr>
+          <p:cNvPr id="39" name="组合 38"/>
+          <p:cNvGrpSpPr/>
+          <p:nvPr/>
+        </p:nvGrpSpPr>
+        <p:grpSpPr>
+          <a:xfrm>
+            <a:off x="1587729" y="688752"/>
+            <a:ext cx="4984866" cy="4907100"/>
+            <a:chOff x="1587729" y="688752"/>
+            <a:chExt cx="4984866" cy="4907100"/>
+          </a:xfrm>
+        </p:grpSpPr>
+        <p:grpSp>
+          <p:nvGrpSpPr>
+            <p:cNvPr id="14" name="组合 13"/>
+            <p:cNvGrpSpPr/>
+            <p:nvPr/>
+          </p:nvGrpSpPr>
+          <p:grpSpPr>
+            <a:xfrm>
+              <a:off x="2593569" y="1221971"/>
+              <a:ext cx="332511" cy="4373881"/>
+              <a:chOff x="2593569" y="1221971"/>
+              <a:chExt cx="332511" cy="4373881"/>
+            </a:xfrm>
+          </p:grpSpPr>
+          <p:sp>
+            <p:nvSpPr>
+              <p:cNvPr id="2" name="矩形 1"/>
+              <p:cNvSpPr/>
+              <p:nvPr/>
+            </p:nvSpPr>
+            <p:spPr>
+              <a:xfrm>
+                <a:off x="2593571" y="1221971"/>
+                <a:ext cx="332509" cy="681644"/>
+              </a:xfrm>
+              <a:prstGeom prst="rect">
+                <a:avLst/>
+              </a:prstGeom>
+            </p:spPr>
+            <p:style>
+              <a:lnRef idx="2">
+                <a:schemeClr val="accent1">
+                  <a:shade val="50000"/>
+                </a:schemeClr>
+              </a:lnRef>
+              <a:fillRef idx="1">
+                <a:schemeClr val="accent1"/>
+              </a:fillRef>
+              <a:effectRef idx="0">
+                <a:schemeClr val="accent1"/>
+              </a:effectRef>
+              <a:fontRef idx="minor">
+                <a:schemeClr val="lt1"/>
+              </a:fontRef>
+            </p:style>
+            <p:txBody>
+              <a:bodyPr rtlCol="0" anchor="ctr"/>
+              <a:lstStyle/>
+              <a:p>
+                <a:pPr algn="ctr"/>
+                <a:endParaRPr lang="zh-CN" altLang="en-US" sz="1400" b="1"/>
+              </a:p>
+            </p:txBody>
+          </p:sp>
+          <p:sp>
+            <p:nvSpPr>
+              <p:cNvPr id="3" name="矩形 2"/>
+              <p:cNvSpPr/>
+              <p:nvPr/>
+            </p:nvSpPr>
+            <p:spPr>
+              <a:xfrm>
+                <a:off x="2593570" y="2172393"/>
+                <a:ext cx="332509" cy="681644"/>
+              </a:xfrm>
+              <a:prstGeom prst="rect">
+                <a:avLst/>
+              </a:prstGeom>
+            </p:spPr>
+            <p:style>
+              <a:lnRef idx="2">
+                <a:schemeClr val="accent1">
+                  <a:shade val="50000"/>
+                </a:schemeClr>
+              </a:lnRef>
+              <a:fillRef idx="1">
+                <a:schemeClr val="accent1"/>
+              </a:fillRef>
+              <a:effectRef idx="0">
+                <a:schemeClr val="accent1"/>
+              </a:effectRef>
+              <a:fontRef idx="minor">
+                <a:schemeClr val="lt1"/>
+              </a:fontRef>
+            </p:style>
+            <p:txBody>
+              <a:bodyPr rtlCol="0" anchor="ctr"/>
+              <a:lstStyle/>
+              <a:p>
+                <a:pPr algn="ctr"/>
+                <a:endParaRPr lang="zh-CN" altLang="en-US" sz="1400" b="1"/>
+              </a:p>
+            </p:txBody>
+          </p:sp>
+          <p:sp>
+            <p:nvSpPr>
+              <p:cNvPr id="4" name="矩形 3"/>
+              <p:cNvSpPr/>
+              <p:nvPr/>
+            </p:nvSpPr>
+            <p:spPr>
+              <a:xfrm>
+                <a:off x="2593569" y="3962400"/>
+                <a:ext cx="332509" cy="681644"/>
+              </a:xfrm>
+              <a:prstGeom prst="rect">
+                <a:avLst/>
+              </a:prstGeom>
+            </p:spPr>
+            <p:style>
+              <a:lnRef idx="2">
+                <a:schemeClr val="accent1">
+                  <a:shade val="50000"/>
+                </a:schemeClr>
+              </a:lnRef>
+              <a:fillRef idx="1">
+                <a:schemeClr val="accent1"/>
+              </a:fillRef>
+              <a:effectRef idx="0">
+                <a:schemeClr val="accent1"/>
+              </a:effectRef>
+              <a:fontRef idx="minor">
+                <a:schemeClr val="lt1"/>
+              </a:fontRef>
+            </p:style>
+            <p:txBody>
+              <a:bodyPr rtlCol="0" anchor="ctr"/>
+              <a:lstStyle/>
+              <a:p>
+                <a:pPr algn="ctr"/>
+                <a:endParaRPr lang="zh-CN" altLang="en-US" sz="1400" b="1"/>
+              </a:p>
+            </p:txBody>
+          </p:sp>
+          <p:sp>
+            <p:nvSpPr>
+              <p:cNvPr id="5" name="矩形 4"/>
+              <p:cNvSpPr/>
+              <p:nvPr/>
+            </p:nvSpPr>
+            <p:spPr>
+              <a:xfrm>
+                <a:off x="2593569" y="4914208"/>
+                <a:ext cx="332509" cy="681644"/>
+              </a:xfrm>
+              <a:prstGeom prst="rect">
+                <a:avLst/>
+              </a:prstGeom>
+            </p:spPr>
+            <p:style>
+              <a:lnRef idx="2">
+                <a:schemeClr val="accent1">
+                  <a:shade val="50000"/>
+                </a:schemeClr>
+              </a:lnRef>
+              <a:fillRef idx="1">
+                <a:schemeClr val="accent1"/>
+              </a:fillRef>
+              <a:effectRef idx="0">
+                <a:schemeClr val="accent1"/>
+              </a:effectRef>
+              <a:fontRef idx="minor">
+                <a:schemeClr val="lt1"/>
+              </a:fontRef>
+            </p:style>
+            <p:txBody>
+              <a:bodyPr rtlCol="0" anchor="ctr"/>
+              <a:lstStyle/>
+              <a:p>
+                <a:pPr algn="ctr"/>
+                <a:endParaRPr lang="zh-CN" altLang="en-US" sz="1400" b="1"/>
+              </a:p>
+            </p:txBody>
+          </p:sp>
+        </p:grpSp>
+        <p:sp>
+          <p:nvSpPr>
+            <p:cNvPr id="6" name="矩形 5"/>
+            <p:cNvSpPr/>
+            <p:nvPr/>
+          </p:nvSpPr>
+          <p:spPr>
+            <a:xfrm>
+              <a:off x="4175760" y="3068089"/>
+              <a:ext cx="332509" cy="681644"/>
+            </a:xfrm>
+            <a:prstGeom prst="rect">
+              <a:avLst/>
+            </a:prstGeom>
+          </p:spPr>
+          <p:style>
+            <a:lnRef idx="2">
+              <a:schemeClr val="accent1">
+                <a:shade val="50000"/>
+              </a:schemeClr>
+            </a:lnRef>
+            <a:fillRef idx="1">
+              <a:schemeClr val="accent1"/>
+            </a:fillRef>
+            <a:effectRef idx="0">
+              <a:schemeClr val="accent1"/>
+            </a:effectRef>
+            <a:fontRef idx="minor">
+              <a:schemeClr val="lt1"/>
+            </a:fontRef>
+          </p:style>
+          <p:txBody>
+            <a:bodyPr rtlCol="0" anchor="ctr"/>
+            <a:lstStyle/>
+            <a:p>
+              <a:pPr algn="ctr"/>
+              <a:endParaRPr lang="zh-CN" altLang="en-US" sz="1400" b="1"/>
+            </a:p>
+          </p:txBody>
+        </p:sp>
+        <p:sp>
+          <p:nvSpPr>
+            <p:cNvPr id="7" name="矩形 6"/>
+            <p:cNvSpPr/>
+            <p:nvPr/>
+          </p:nvSpPr>
+          <p:spPr>
+            <a:xfrm>
+              <a:off x="5383877" y="3068089"/>
+              <a:ext cx="332509" cy="681644"/>
+            </a:xfrm>
+            <a:prstGeom prst="rect">
+              <a:avLst/>
+            </a:prstGeom>
+          </p:spPr>
+          <p:style>
+            <a:lnRef idx="2">
+              <a:schemeClr val="accent1">
+                <a:shade val="50000"/>
+              </a:schemeClr>
+            </a:lnRef>
+            <a:fillRef idx="1">
+              <a:schemeClr val="accent1"/>
+            </a:fillRef>
+            <a:effectRef idx="0">
+              <a:schemeClr val="accent1"/>
+            </a:effectRef>
+            <a:fontRef idx="minor">
+              <a:schemeClr val="lt1"/>
+            </a:fontRef>
+          </p:style>
+          <p:txBody>
+            <a:bodyPr rtlCol="0" anchor="ctr"/>
+            <a:lstStyle/>
+            <a:p>
+              <a:pPr algn="ctr"/>
+              <a:endParaRPr lang="zh-CN" altLang="en-US" sz="1400" b="1"/>
+            </a:p>
+          </p:txBody>
+        </p:sp>
+        <p:sp>
+          <p:nvSpPr>
+            <p:cNvPr id="15" name="文本框 14"/>
+            <p:cNvSpPr txBox="1"/>
+            <p:nvPr/>
+          </p:nvSpPr>
+          <p:spPr>
+            <a:xfrm>
+              <a:off x="1587730" y="1424293"/>
+              <a:ext cx="856211" cy="307777"/>
+            </a:xfrm>
+            <a:prstGeom prst="rect">
+              <a:avLst/>
+            </a:prstGeom>
+            <a:noFill/>
+          </p:spPr>
+          <p:txBody>
+            <a:bodyPr wrap="square" rtlCol="0">
+              <a:spAutoFit/>
+            </a:bodyPr>
+            <a:lstStyle/>
+            <a:p>
+              <a:pPr algn="ctr"/>
+              <a:r>
+                <a:rPr lang="en-US" altLang="zh-CN" sz="1400" b="1" dirty="0" smtClean="0"/>
+                <a:t>W(t-2)</a:t>
+              </a:r>
+              <a:endParaRPr lang="zh-CN" altLang="en-US" sz="1400" b="1" dirty="0"/>
+            </a:p>
+          </p:txBody>
+        </p:sp>
+        <p:sp>
+          <p:nvSpPr>
+            <p:cNvPr id="16" name="文本框 15"/>
+            <p:cNvSpPr txBox="1"/>
+            <p:nvPr/>
+          </p:nvSpPr>
+          <p:spPr>
+            <a:xfrm>
+              <a:off x="5093621" y="688752"/>
+              <a:ext cx="913015" cy="307777"/>
+            </a:xfrm>
+            <a:prstGeom prst="rect">
+              <a:avLst/>
+            </a:prstGeom>
+            <a:noFill/>
+          </p:spPr>
+          <p:txBody>
+            <a:bodyPr wrap="square" rtlCol="0">
+              <a:spAutoFit/>
+            </a:bodyPr>
+            <a:lstStyle/>
+            <a:p>
+              <a:pPr algn="ctr"/>
+              <a:r>
+                <a:rPr lang="en-US" altLang="zh-CN" sz="1400" b="1" dirty="0" smtClean="0"/>
+                <a:t>OUTPUT</a:t>
+              </a:r>
+              <a:endParaRPr lang="zh-CN" altLang="en-US" sz="1400" b="1" dirty="0"/>
+            </a:p>
+          </p:txBody>
+        </p:sp>
+        <p:sp>
+          <p:nvSpPr>
+            <p:cNvPr id="17" name="文本框 16"/>
+            <p:cNvSpPr txBox="1"/>
+            <p:nvPr/>
+          </p:nvSpPr>
+          <p:spPr>
+            <a:xfrm>
+              <a:off x="1587729" y="5116530"/>
+              <a:ext cx="856211" cy="307777"/>
+            </a:xfrm>
+            <a:prstGeom prst="rect">
+              <a:avLst/>
+            </a:prstGeom>
+            <a:noFill/>
+          </p:spPr>
+          <p:txBody>
+            <a:bodyPr wrap="square" rtlCol="0">
+              <a:spAutoFit/>
+            </a:bodyPr>
+            <a:lstStyle/>
+            <a:p>
+              <a:pPr algn="ctr"/>
+              <a:r>
+                <a:rPr lang="en-US" altLang="zh-CN" sz="1400" b="1" dirty="0" smtClean="0"/>
+                <a:t>W(t+2)</a:t>
+              </a:r>
+              <a:endParaRPr lang="zh-CN" altLang="en-US" sz="1400" b="1" dirty="0"/>
+            </a:p>
+          </p:txBody>
+        </p:sp>
+        <p:sp>
+          <p:nvSpPr>
+            <p:cNvPr id="18" name="文本框 17"/>
+            <p:cNvSpPr txBox="1"/>
+            <p:nvPr/>
+          </p:nvSpPr>
+          <p:spPr>
+            <a:xfrm>
+              <a:off x="1587729" y="4164722"/>
+              <a:ext cx="856211" cy="307777"/>
+            </a:xfrm>
+            <a:prstGeom prst="rect">
+              <a:avLst/>
+            </a:prstGeom>
+            <a:noFill/>
+          </p:spPr>
+          <p:txBody>
+            <a:bodyPr wrap="square" rtlCol="0">
+              <a:spAutoFit/>
+            </a:bodyPr>
+            <a:lstStyle/>
+            <a:p>
+              <a:pPr algn="ctr"/>
+              <a:r>
+                <a:rPr lang="en-US" altLang="zh-CN" sz="1400" b="1" dirty="0" smtClean="0"/>
+                <a:t>W(t+1)</a:t>
+              </a:r>
+              <a:endParaRPr lang="zh-CN" altLang="en-US" sz="1400" b="1" dirty="0"/>
+            </a:p>
+          </p:txBody>
+        </p:sp>
+        <p:sp>
+          <p:nvSpPr>
+            <p:cNvPr id="19" name="文本框 18"/>
+            <p:cNvSpPr txBox="1"/>
+            <p:nvPr/>
+          </p:nvSpPr>
+          <p:spPr>
+            <a:xfrm>
+              <a:off x="1587729" y="2376101"/>
+              <a:ext cx="856211" cy="307777"/>
+            </a:xfrm>
+            <a:prstGeom prst="rect">
+              <a:avLst/>
+            </a:prstGeom>
+            <a:noFill/>
+          </p:spPr>
+          <p:txBody>
+            <a:bodyPr wrap="square" rtlCol="0">
+              <a:spAutoFit/>
+            </a:bodyPr>
+            <a:lstStyle/>
+            <a:p>
+              <a:pPr algn="ctr"/>
+              <a:r>
+                <a:rPr lang="en-US" altLang="zh-CN" sz="1400" b="1" dirty="0" smtClean="0"/>
+                <a:t>W(t-1)</a:t>
+              </a:r>
+              <a:endParaRPr lang="zh-CN" altLang="en-US" sz="1400" b="1" dirty="0"/>
+            </a:p>
+          </p:txBody>
+        </p:sp>
+        <p:cxnSp>
+          <p:nvCxnSpPr>
+            <p:cNvPr id="21" name="直接箭头连接符 20"/>
+            <p:cNvCxnSpPr>
+              <a:stCxn id="2" idx="3"/>
+              <a:endCxn id="6" idx="1"/>
+            </p:cNvCxnSpPr>
+            <p:nvPr/>
+          </p:nvCxnSpPr>
+          <p:spPr>
+            <a:xfrm>
+              <a:off x="2926080" y="1562793"/>
+              <a:ext cx="1249680" cy="1846118"/>
+            </a:xfrm>
+            <a:prstGeom prst="straightConnector1">
+              <a:avLst/>
+            </a:prstGeom>
+            <a:ln w="12700">
+              <a:tailEnd type="triangle"/>
+            </a:ln>
+          </p:spPr>
+          <p:style>
+            <a:lnRef idx="1">
+              <a:schemeClr val="accent1"/>
+            </a:lnRef>
+            <a:fillRef idx="0">
+              <a:schemeClr val="accent1"/>
+            </a:fillRef>
+            <a:effectRef idx="0">
+              <a:schemeClr val="accent1"/>
+            </a:effectRef>
+            <a:fontRef idx="minor">
+              <a:schemeClr val="tx1"/>
+            </a:fontRef>
+          </p:style>
+        </p:cxnSp>
+        <p:cxnSp>
+          <p:nvCxnSpPr>
+            <p:cNvPr id="23" name="直接箭头连接符 22"/>
+            <p:cNvCxnSpPr>
+              <a:stCxn id="3" idx="3"/>
+              <a:endCxn id="6" idx="1"/>
+            </p:cNvCxnSpPr>
+            <p:nvPr/>
+          </p:nvCxnSpPr>
+          <p:spPr>
+            <a:xfrm>
+              <a:off x="2926079" y="2513215"/>
+              <a:ext cx="1249681" cy="895696"/>
+            </a:xfrm>
+            <a:prstGeom prst="straightConnector1">
+              <a:avLst/>
+            </a:prstGeom>
+            <a:ln w="12700">
+              <a:tailEnd type="triangle"/>
+            </a:ln>
+          </p:spPr>
+          <p:style>
+            <a:lnRef idx="1">
+              <a:schemeClr val="accent1"/>
+            </a:lnRef>
+            <a:fillRef idx="0">
+              <a:schemeClr val="accent1"/>
+            </a:fillRef>
+            <a:effectRef idx="0">
+              <a:schemeClr val="accent1"/>
+            </a:effectRef>
+            <a:fontRef idx="minor">
+              <a:schemeClr val="tx1"/>
+            </a:fontRef>
+          </p:style>
+        </p:cxnSp>
+        <p:cxnSp>
+          <p:nvCxnSpPr>
+            <p:cNvPr id="25" name="直接箭头连接符 24"/>
+            <p:cNvCxnSpPr>
+              <a:stCxn id="4" idx="3"/>
+              <a:endCxn id="6" idx="1"/>
+            </p:cNvCxnSpPr>
+            <p:nvPr/>
+          </p:nvCxnSpPr>
+          <p:spPr>
+            <a:xfrm flipV="1">
+              <a:off x="2926078" y="3408911"/>
+              <a:ext cx="1249682" cy="894311"/>
+            </a:xfrm>
+            <a:prstGeom prst="straightConnector1">
+              <a:avLst/>
+            </a:prstGeom>
+            <a:ln w="12700">
+              <a:tailEnd type="triangle"/>
+            </a:ln>
+          </p:spPr>
+          <p:style>
+            <a:lnRef idx="1">
+              <a:schemeClr val="accent1"/>
+            </a:lnRef>
+            <a:fillRef idx="0">
+              <a:schemeClr val="accent1"/>
+            </a:fillRef>
+            <a:effectRef idx="0">
+              <a:schemeClr val="accent1"/>
+            </a:effectRef>
+            <a:fontRef idx="minor">
+              <a:schemeClr val="tx1"/>
+            </a:fontRef>
+          </p:style>
+        </p:cxnSp>
+        <p:cxnSp>
+          <p:nvCxnSpPr>
+            <p:cNvPr id="27" name="直接箭头连接符 26"/>
+            <p:cNvCxnSpPr>
+              <a:stCxn id="5" idx="3"/>
+              <a:endCxn id="6" idx="1"/>
+            </p:cNvCxnSpPr>
+            <p:nvPr/>
+          </p:nvCxnSpPr>
+          <p:spPr>
+            <a:xfrm flipV="1">
+              <a:off x="2926078" y="3408911"/>
+              <a:ext cx="1249682" cy="1846119"/>
+            </a:xfrm>
+            <a:prstGeom prst="straightConnector1">
+              <a:avLst/>
+            </a:prstGeom>
+            <a:ln w="12700">
+              <a:tailEnd type="triangle"/>
+            </a:ln>
+          </p:spPr>
+          <p:style>
+            <a:lnRef idx="1">
+              <a:schemeClr val="accent1"/>
+            </a:lnRef>
+            <a:fillRef idx="0">
+              <a:schemeClr val="accent1"/>
+            </a:fillRef>
+            <a:effectRef idx="0">
+              <a:schemeClr val="accent1"/>
+            </a:effectRef>
+            <a:fontRef idx="minor">
+              <a:schemeClr val="tx1"/>
+            </a:fontRef>
+          </p:style>
+        </p:cxnSp>
+        <p:cxnSp>
+          <p:nvCxnSpPr>
+            <p:cNvPr id="29" name="直接箭头连接符 28"/>
+            <p:cNvCxnSpPr>
+              <a:stCxn id="6" idx="3"/>
+              <a:endCxn id="7" idx="1"/>
+            </p:cNvCxnSpPr>
+            <p:nvPr/>
+          </p:nvCxnSpPr>
+          <p:spPr>
+            <a:xfrm>
+              <a:off x="4508269" y="3408911"/>
+              <a:ext cx="875608" cy="0"/>
+            </a:xfrm>
+            <a:prstGeom prst="straightConnector1">
+              <a:avLst/>
+            </a:prstGeom>
+            <a:ln w="12700">
+              <a:tailEnd type="triangle"/>
+            </a:ln>
+          </p:spPr>
+          <p:style>
+            <a:lnRef idx="1">
+              <a:schemeClr val="accent1"/>
+            </a:lnRef>
+            <a:fillRef idx="0">
+              <a:schemeClr val="accent1"/>
+            </a:fillRef>
+            <a:effectRef idx="0">
+              <a:schemeClr val="accent1"/>
+            </a:effectRef>
+            <a:fontRef idx="minor">
+              <a:schemeClr val="tx1"/>
+            </a:fontRef>
+          </p:style>
+        </p:cxnSp>
+        <p:sp>
+          <p:nvSpPr>
+            <p:cNvPr id="30" name="文本框 29"/>
+            <p:cNvSpPr txBox="1"/>
+            <p:nvPr/>
+          </p:nvSpPr>
+          <p:spPr>
+            <a:xfrm>
+              <a:off x="3711286" y="688752"/>
+              <a:ext cx="1261455" cy="307777"/>
+            </a:xfrm>
+            <a:prstGeom prst="rect">
+              <a:avLst/>
+            </a:prstGeom>
+            <a:noFill/>
+          </p:spPr>
+          <p:txBody>
+            <a:bodyPr wrap="square" rtlCol="0">
+              <a:spAutoFit/>
+            </a:bodyPr>
+            <a:lstStyle/>
+            <a:p>
+              <a:pPr algn="ctr"/>
+              <a:r>
+                <a:rPr lang="en-US" altLang="zh-CN" sz="1400" b="1" dirty="0" smtClean="0"/>
+                <a:t>PROJECTION</a:t>
+              </a:r>
+              <a:endParaRPr lang="zh-CN" altLang="en-US" sz="1400" b="1" dirty="0"/>
+            </a:p>
+          </p:txBody>
+        </p:sp>
+        <p:sp>
+          <p:nvSpPr>
+            <p:cNvPr id="31" name="文本框 30"/>
+            <p:cNvSpPr txBox="1"/>
+            <p:nvPr/>
+          </p:nvSpPr>
+          <p:spPr>
+            <a:xfrm>
+              <a:off x="2331717" y="688754"/>
+              <a:ext cx="856211" cy="307777"/>
+            </a:xfrm>
+            <a:prstGeom prst="rect">
+              <a:avLst/>
+            </a:prstGeom>
+            <a:noFill/>
+          </p:spPr>
+          <p:txBody>
+            <a:bodyPr wrap="square" rtlCol="0">
+              <a:spAutoFit/>
+            </a:bodyPr>
+            <a:lstStyle/>
+            <a:p>
+              <a:pPr algn="ctr"/>
+              <a:r>
+                <a:rPr lang="en-US" altLang="zh-CN" sz="1400" b="1" dirty="0" smtClean="0"/>
+                <a:t>INPUT</a:t>
+              </a:r>
+              <a:endParaRPr lang="zh-CN" altLang="en-US" sz="1400" b="1" dirty="0"/>
+            </a:p>
+          </p:txBody>
+        </p:sp>
+        <p:sp>
+          <p:nvSpPr>
+            <p:cNvPr id="32" name="文本框 31"/>
+            <p:cNvSpPr txBox="1"/>
+            <p:nvPr/>
+          </p:nvSpPr>
+          <p:spPr>
+            <a:xfrm>
+              <a:off x="3789911" y="2743246"/>
+              <a:ext cx="1104206" cy="307777"/>
+            </a:xfrm>
+            <a:prstGeom prst="rect">
+              <a:avLst/>
+            </a:prstGeom>
+            <a:noFill/>
+          </p:spPr>
+          <p:txBody>
+            <a:bodyPr wrap="square" rtlCol="0">
+              <a:spAutoFit/>
+            </a:bodyPr>
+            <a:lstStyle/>
+            <a:p>
+              <a:pPr algn="ctr"/>
+              <a:r>
+                <a:rPr lang="en-US" altLang="zh-CN" sz="1400" b="1" dirty="0" smtClean="0"/>
+                <a:t>SUM</a:t>
+              </a:r>
+              <a:endParaRPr lang="zh-CN" altLang="en-US" sz="1400" b="1" dirty="0"/>
+            </a:p>
+          </p:txBody>
+        </p:sp>
+        <p:sp>
+          <p:nvSpPr>
+            <p:cNvPr id="33" name="文本框 32"/>
+            <p:cNvSpPr txBox="1"/>
+            <p:nvPr/>
+          </p:nvSpPr>
+          <p:spPr>
+            <a:xfrm>
+              <a:off x="5716384" y="3270411"/>
+              <a:ext cx="856211" cy="307777"/>
+            </a:xfrm>
+            <a:prstGeom prst="rect">
+              <a:avLst/>
+            </a:prstGeom>
+            <a:noFill/>
+          </p:spPr>
+          <p:txBody>
+            <a:bodyPr wrap="square" rtlCol="0">
+              <a:spAutoFit/>
+            </a:bodyPr>
+            <a:lstStyle/>
+            <a:p>
+              <a:pPr algn="ctr"/>
+              <a:r>
+                <a:rPr lang="en-US" altLang="zh-CN" sz="1400" b="1" dirty="0" smtClean="0"/>
+                <a:t>W(t)</a:t>
+              </a:r>
+              <a:endParaRPr lang="zh-CN" altLang="en-US" sz="1400" b="1" dirty="0"/>
+            </a:p>
+          </p:txBody>
+        </p:sp>
+      </p:grpSp>
+      <p:sp>
+        <p:nvSpPr>
+          <p:cNvPr id="34" name="文本框 33"/>
+          <p:cNvSpPr txBox="1"/>
+          <p:nvPr/>
+        </p:nvSpPr>
+        <p:spPr>
+          <a:xfrm>
+            <a:off x="9642071" y="5054975"/>
+            <a:ext cx="1104206" cy="338554"/>
+          </a:xfrm>
+          <a:prstGeom prst="rect">
+            <a:avLst/>
+          </a:prstGeom>
+          <a:noFill/>
+        </p:spPr>
+        <p:txBody>
+          <a:bodyPr wrap="square" rtlCol="0">
+            <a:spAutoFit/>
+          </a:bodyPr>
+          <a:lstStyle/>
+          <a:p>
+            <a:pPr algn="ctr"/>
+            <a:r>
+              <a:rPr lang="en-US" altLang="zh-CN" sz="1600" b="1" dirty="0" smtClean="0"/>
+              <a:t>CBOW</a:t>
+            </a:r>
+            <a:endParaRPr lang="zh-CN" altLang="en-US" sz="1600" b="1" dirty="0"/>
+          </a:p>
+        </p:txBody>
+      </p:sp>
+      <p:sp>
+        <p:nvSpPr>
+          <p:cNvPr id="36" name="矩形 35"/>
+          <p:cNvSpPr/>
+          <p:nvPr/>
+        </p:nvSpPr>
+        <p:spPr>
+          <a:xfrm>
+            <a:off x="2593567" y="6150726"/>
+            <a:ext cx="332509" cy="681644"/>
+          </a:xfrm>
+          <a:prstGeom prst="rect">
+            <a:avLst/>
+          </a:prstGeom>
+        </p:spPr>
+        <p:style>
+          <a:lnRef idx="2">
+            <a:schemeClr val="accent1">
+              <a:shade val="50000"/>
+            </a:schemeClr>
+          </a:lnRef>
+          <a:fillRef idx="1">
+            <a:schemeClr val="accent1"/>
+          </a:fillRef>
+          <a:effectRef idx="0">
+            <a:schemeClr val="accent1"/>
+          </a:effectRef>
+          <a:fontRef idx="minor">
+            <a:schemeClr val="lt1"/>
+          </a:fontRef>
+        </p:style>
+        <p:txBody>
+          <a:bodyPr rtlCol="0" anchor="ctr"/>
+          <a:lstStyle/>
+          <a:p>
+            <a:pPr algn="ctr"/>
+            <a:endParaRPr lang="zh-CN" altLang="en-US"/>
+          </a:p>
+        </p:txBody>
+      </p:sp>
+    </p:spTree>
+    <p:extLst>
+      <p:ext uri="{BB962C8B-B14F-4D97-AF65-F5344CB8AC3E}">
+        <p14:creationId xmlns:p14="http://schemas.microsoft.com/office/powerpoint/2010/main" val="3399377323"/>
+      </p:ext>
+    </p:extLst>
+  </p:cSld>
+  <p:clrMapOvr>
+    <a:masterClrMapping/>
+  </p:clrMapOvr>
+</p:sld>
+</file>
+
+<file path=ppt/slides/slide3.xml><?xml version="1.0" encoding="utf-8"?>
+<p:sld xmlns:a="http://schemas.openxmlformats.org/drawingml/2006/main" xmlns:r="http://schemas.openxmlformats.org/officeDocument/2006/relationships" xmlns:p="http://schemas.openxmlformats.org/presentationml/2006/main">
+  <p:cSld>
+    <p:spTree>
+      <p:nvGrpSpPr>
+        <p:cNvPr id="1" name=""/>
+        <p:cNvGrpSpPr/>
+        <p:nvPr/>
+      </p:nvGrpSpPr>
+      <p:grpSpPr>
+        <a:xfrm>
+          <a:off x="0" y="0"/>
+          <a:ext cx="0" cy="0"/>
+          <a:chOff x="0" y="0"/>
+          <a:chExt cx="0" cy="0"/>
+        </a:xfrm>
+      </p:grpSpPr>
+      <p:grpSp>
+        <p:nvGrpSpPr>
+          <p:cNvPr id="41" name="组合 40"/>
+          <p:cNvGrpSpPr/>
+          <p:nvPr/>
+        </p:nvGrpSpPr>
+        <p:grpSpPr>
+          <a:xfrm>
+            <a:off x="4028897" y="652342"/>
+            <a:ext cx="4987643" cy="4910259"/>
+            <a:chOff x="4028897" y="652342"/>
+            <a:chExt cx="4987643" cy="4910259"/>
+          </a:xfrm>
+        </p:grpSpPr>
+        <p:sp>
+          <p:nvSpPr>
+            <p:cNvPr id="2" name="矩形 1"/>
+            <p:cNvSpPr/>
+            <p:nvPr/>
+          </p:nvSpPr>
+          <p:spPr>
+            <a:xfrm>
+              <a:off x="6093225" y="3034838"/>
+              <a:ext cx="332509" cy="681644"/>
+            </a:xfrm>
+            <a:prstGeom prst="rect">
+              <a:avLst/>
+            </a:prstGeom>
+          </p:spPr>
+          <p:style>
+            <a:lnRef idx="2">
+              <a:schemeClr val="accent1">
+                <a:shade val="50000"/>
+              </a:schemeClr>
+            </a:lnRef>
+            <a:fillRef idx="1">
+              <a:schemeClr val="accent1"/>
+            </a:fillRef>
+            <a:effectRef idx="0">
+              <a:schemeClr val="accent1"/>
+            </a:effectRef>
+            <a:fontRef idx="minor">
+              <a:schemeClr val="lt1"/>
+            </a:fontRef>
+          </p:style>
+          <p:txBody>
+            <a:bodyPr rtlCol="0" anchor="ctr"/>
+            <a:lstStyle/>
+            <a:p>
+              <a:pPr algn="ctr"/>
+              <a:endParaRPr lang="zh-CN" altLang="en-US" sz="1400" b="1"/>
+            </a:p>
+          </p:txBody>
+        </p:sp>
+        <p:sp>
+          <p:nvSpPr>
+            <p:cNvPr id="4" name="矩形 3"/>
+            <p:cNvSpPr/>
+            <p:nvPr/>
+          </p:nvSpPr>
+          <p:spPr>
+            <a:xfrm>
+              <a:off x="4885110" y="3034838"/>
+              <a:ext cx="332509" cy="681644"/>
+            </a:xfrm>
+            <a:prstGeom prst="rect">
+              <a:avLst/>
+            </a:prstGeom>
+          </p:spPr>
+          <p:style>
+            <a:lnRef idx="2">
+              <a:schemeClr val="accent1">
+                <a:shade val="50000"/>
+              </a:schemeClr>
+            </a:lnRef>
+            <a:fillRef idx="1">
+              <a:schemeClr val="accent1"/>
+            </a:fillRef>
+            <a:effectRef idx="0">
+              <a:schemeClr val="accent1"/>
+            </a:effectRef>
+            <a:fontRef idx="minor">
+              <a:schemeClr val="lt1"/>
+            </a:fontRef>
+          </p:style>
+          <p:txBody>
+            <a:bodyPr rtlCol="0" anchor="ctr"/>
+            <a:lstStyle/>
+            <a:p>
+              <a:pPr algn="ctr"/>
+              <a:endParaRPr lang="zh-CN" altLang="en-US" sz="1400" b="1"/>
+            </a:p>
+          </p:txBody>
+        </p:sp>
+        <p:grpSp>
+          <p:nvGrpSpPr>
+            <p:cNvPr id="11" name="组合 10"/>
+            <p:cNvGrpSpPr/>
+            <p:nvPr/>
+          </p:nvGrpSpPr>
+          <p:grpSpPr>
+            <a:xfrm>
+              <a:off x="7675417" y="1188720"/>
+              <a:ext cx="332511" cy="4373881"/>
+              <a:chOff x="7675417" y="1188720"/>
+              <a:chExt cx="332511" cy="4373881"/>
+            </a:xfrm>
+          </p:grpSpPr>
+          <p:sp>
+            <p:nvSpPr>
+              <p:cNvPr id="7" name="矩形 6"/>
+              <p:cNvSpPr/>
+              <p:nvPr/>
+            </p:nvSpPr>
+            <p:spPr>
+              <a:xfrm>
+                <a:off x="7675419" y="1188720"/>
+                <a:ext cx="332509" cy="681644"/>
+              </a:xfrm>
+              <a:prstGeom prst="rect">
+                <a:avLst/>
+              </a:prstGeom>
+            </p:spPr>
+            <p:style>
+              <a:lnRef idx="2">
+                <a:schemeClr val="accent1">
+                  <a:shade val="50000"/>
+                </a:schemeClr>
+              </a:lnRef>
+              <a:fillRef idx="1">
+                <a:schemeClr val="accent1"/>
+              </a:fillRef>
+              <a:effectRef idx="0">
+                <a:schemeClr val="accent1"/>
+              </a:effectRef>
+              <a:fontRef idx="minor">
+                <a:schemeClr val="lt1"/>
+              </a:fontRef>
+            </p:style>
+            <p:txBody>
+              <a:bodyPr rtlCol="0" anchor="ctr"/>
+              <a:lstStyle/>
+              <a:p>
+                <a:pPr algn="ctr"/>
+                <a:endParaRPr lang="zh-CN" altLang="en-US" sz="1400" b="1"/>
+              </a:p>
+            </p:txBody>
+          </p:sp>
+          <p:sp>
+            <p:nvSpPr>
+              <p:cNvPr id="8" name="矩形 7"/>
+              <p:cNvSpPr/>
+              <p:nvPr/>
+            </p:nvSpPr>
+            <p:spPr>
+              <a:xfrm>
+                <a:off x="7675418" y="2139142"/>
+                <a:ext cx="332509" cy="681644"/>
+              </a:xfrm>
+              <a:prstGeom prst="rect">
+                <a:avLst/>
+              </a:prstGeom>
+            </p:spPr>
+            <p:style>
+              <a:lnRef idx="2">
+                <a:schemeClr val="accent1">
+                  <a:shade val="50000"/>
+                </a:schemeClr>
+              </a:lnRef>
+              <a:fillRef idx="1">
+                <a:schemeClr val="accent1"/>
+              </a:fillRef>
+              <a:effectRef idx="0">
+                <a:schemeClr val="accent1"/>
+              </a:effectRef>
+              <a:fontRef idx="minor">
+                <a:schemeClr val="lt1"/>
+              </a:fontRef>
+            </p:style>
+            <p:txBody>
+              <a:bodyPr rtlCol="0" anchor="ctr"/>
+              <a:lstStyle/>
+              <a:p>
+                <a:pPr algn="ctr"/>
+                <a:endParaRPr lang="zh-CN" altLang="en-US" sz="1400" b="1"/>
+              </a:p>
+            </p:txBody>
+          </p:sp>
+          <p:sp>
+            <p:nvSpPr>
+              <p:cNvPr id="9" name="矩形 8"/>
+              <p:cNvSpPr/>
+              <p:nvPr/>
+            </p:nvSpPr>
+            <p:spPr>
+              <a:xfrm>
+                <a:off x="7675417" y="3929149"/>
+                <a:ext cx="332509" cy="681644"/>
+              </a:xfrm>
+              <a:prstGeom prst="rect">
+                <a:avLst/>
+              </a:prstGeom>
+            </p:spPr>
+            <p:style>
+              <a:lnRef idx="2">
+                <a:schemeClr val="accent1">
+                  <a:shade val="50000"/>
+                </a:schemeClr>
+              </a:lnRef>
+              <a:fillRef idx="1">
+                <a:schemeClr val="accent1"/>
+              </a:fillRef>
+              <a:effectRef idx="0">
+                <a:schemeClr val="accent1"/>
+              </a:effectRef>
+              <a:fontRef idx="minor">
+                <a:schemeClr val="lt1"/>
+              </a:fontRef>
+            </p:style>
+            <p:txBody>
+              <a:bodyPr rtlCol="0" anchor="ctr"/>
+              <a:lstStyle/>
+              <a:p>
+                <a:pPr algn="ctr"/>
+                <a:endParaRPr lang="zh-CN" altLang="en-US" sz="1400" b="1"/>
+              </a:p>
+            </p:txBody>
+          </p:sp>
+          <p:sp>
+            <p:nvSpPr>
+              <p:cNvPr id="10" name="矩形 9"/>
+              <p:cNvSpPr/>
+              <p:nvPr/>
+            </p:nvSpPr>
+            <p:spPr>
+              <a:xfrm>
+                <a:off x="7675417" y="4880957"/>
+                <a:ext cx="332509" cy="681644"/>
+              </a:xfrm>
+              <a:prstGeom prst="rect">
+                <a:avLst/>
+              </a:prstGeom>
+            </p:spPr>
+            <p:style>
+              <a:lnRef idx="2">
+                <a:schemeClr val="accent1">
+                  <a:shade val="50000"/>
+                </a:schemeClr>
+              </a:lnRef>
+              <a:fillRef idx="1">
+                <a:schemeClr val="accent1"/>
+              </a:fillRef>
+              <a:effectRef idx="0">
+                <a:schemeClr val="accent1"/>
+              </a:effectRef>
+              <a:fontRef idx="minor">
+                <a:schemeClr val="lt1"/>
+              </a:fontRef>
+            </p:style>
+            <p:txBody>
+              <a:bodyPr rtlCol="0" anchor="ctr"/>
+              <a:lstStyle/>
+              <a:p>
+                <a:pPr algn="ctr"/>
+                <a:endParaRPr lang="zh-CN" altLang="en-US" sz="1400" b="1"/>
+              </a:p>
+            </p:txBody>
+          </p:sp>
+        </p:grpSp>
+        <p:cxnSp>
+          <p:nvCxnSpPr>
+            <p:cNvPr id="12" name="直接箭头连接符 11"/>
+            <p:cNvCxnSpPr>
+              <a:stCxn id="2" idx="3"/>
+              <a:endCxn id="10" idx="1"/>
+            </p:cNvCxnSpPr>
+            <p:nvPr/>
+          </p:nvCxnSpPr>
+          <p:spPr>
+            <a:xfrm>
+              <a:off x="6425734" y="3375660"/>
+              <a:ext cx="1249683" cy="1846119"/>
+            </a:xfrm>
+            <a:prstGeom prst="straightConnector1">
+              <a:avLst/>
+            </a:prstGeom>
+            <a:ln w="12700">
+              <a:tailEnd type="triangle"/>
+            </a:ln>
+          </p:spPr>
+          <p:style>
+            <a:lnRef idx="1">
+              <a:schemeClr val="accent1"/>
+            </a:lnRef>
+            <a:fillRef idx="0">
+              <a:schemeClr val="accent1"/>
+            </a:fillRef>
+            <a:effectRef idx="0">
+              <a:schemeClr val="accent1"/>
+            </a:effectRef>
+            <a:fontRef idx="minor">
+              <a:schemeClr val="tx1"/>
+            </a:fontRef>
+          </p:style>
+        </p:cxnSp>
+        <p:cxnSp>
+          <p:nvCxnSpPr>
+            <p:cNvPr id="14" name="直接箭头连接符 13"/>
+            <p:cNvCxnSpPr>
+              <a:stCxn id="2" idx="3"/>
+              <a:endCxn id="9" idx="1"/>
+            </p:cNvCxnSpPr>
+            <p:nvPr/>
+          </p:nvCxnSpPr>
+          <p:spPr>
+            <a:xfrm>
+              <a:off x="6425734" y="3375660"/>
+              <a:ext cx="1249683" cy="894311"/>
+            </a:xfrm>
+            <a:prstGeom prst="straightConnector1">
+              <a:avLst/>
+            </a:prstGeom>
+            <a:ln w="12700">
+              <a:tailEnd type="triangle"/>
+            </a:ln>
+          </p:spPr>
+          <p:style>
+            <a:lnRef idx="1">
+              <a:schemeClr val="accent1"/>
+            </a:lnRef>
+            <a:fillRef idx="0">
+              <a:schemeClr val="accent1"/>
+            </a:fillRef>
+            <a:effectRef idx="0">
+              <a:schemeClr val="accent1"/>
+            </a:effectRef>
+            <a:fontRef idx="minor">
+              <a:schemeClr val="tx1"/>
+            </a:fontRef>
+          </p:style>
+        </p:cxnSp>
+        <p:cxnSp>
+          <p:nvCxnSpPr>
+            <p:cNvPr id="15" name="直接箭头连接符 14"/>
+            <p:cNvCxnSpPr>
+              <a:stCxn id="2" idx="3"/>
+              <a:endCxn id="8" idx="1"/>
+            </p:cNvCxnSpPr>
+            <p:nvPr/>
+          </p:nvCxnSpPr>
+          <p:spPr>
+            <a:xfrm flipV="1">
+              <a:off x="6425734" y="2479964"/>
+              <a:ext cx="1249684" cy="895696"/>
+            </a:xfrm>
+            <a:prstGeom prst="straightConnector1">
+              <a:avLst/>
+            </a:prstGeom>
+            <a:ln w="12700">
+              <a:tailEnd type="triangle"/>
+            </a:ln>
+          </p:spPr>
+          <p:style>
+            <a:lnRef idx="1">
+              <a:schemeClr val="accent1"/>
+            </a:lnRef>
+            <a:fillRef idx="0">
+              <a:schemeClr val="accent1"/>
+            </a:fillRef>
+            <a:effectRef idx="0">
+              <a:schemeClr val="accent1"/>
+            </a:effectRef>
+            <a:fontRef idx="minor">
+              <a:schemeClr val="tx1"/>
+            </a:fontRef>
+          </p:style>
+        </p:cxnSp>
+        <p:cxnSp>
+          <p:nvCxnSpPr>
+            <p:cNvPr id="16" name="直接箭头连接符 15"/>
+            <p:cNvCxnSpPr>
+              <a:stCxn id="2" idx="3"/>
+              <a:endCxn id="7" idx="1"/>
+            </p:cNvCxnSpPr>
+            <p:nvPr/>
+          </p:nvCxnSpPr>
+          <p:spPr>
+            <a:xfrm flipV="1">
+              <a:off x="6425734" y="1529542"/>
+              <a:ext cx="1249685" cy="1846118"/>
+            </a:xfrm>
+            <a:prstGeom prst="straightConnector1">
+              <a:avLst/>
+            </a:prstGeom>
+            <a:ln w="12700">
+              <a:tailEnd type="triangle"/>
+            </a:ln>
+          </p:spPr>
+          <p:style>
+            <a:lnRef idx="1">
+              <a:schemeClr val="accent1"/>
+            </a:lnRef>
+            <a:fillRef idx="0">
+              <a:schemeClr val="accent1"/>
+            </a:fillRef>
+            <a:effectRef idx="0">
+              <a:schemeClr val="accent1"/>
+            </a:effectRef>
+            <a:fontRef idx="minor">
+              <a:schemeClr val="tx1"/>
+            </a:fontRef>
+          </p:style>
+        </p:cxnSp>
+        <p:cxnSp>
+          <p:nvCxnSpPr>
+            <p:cNvPr id="17" name="直接箭头连接符 16"/>
+            <p:cNvCxnSpPr>
+              <a:stCxn id="4" idx="3"/>
+              <a:endCxn id="2" idx="1"/>
+            </p:cNvCxnSpPr>
+            <p:nvPr/>
+          </p:nvCxnSpPr>
+          <p:spPr>
+            <a:xfrm>
+              <a:off x="5217619" y="3375660"/>
+              <a:ext cx="875606" cy="0"/>
+            </a:xfrm>
+            <a:prstGeom prst="straightConnector1">
+              <a:avLst/>
+            </a:prstGeom>
+            <a:ln w="12700">
+              <a:tailEnd type="triangle"/>
+            </a:ln>
+          </p:spPr>
+          <p:style>
+            <a:lnRef idx="1">
+              <a:schemeClr val="accent1"/>
+            </a:lnRef>
+            <a:fillRef idx="0">
+              <a:schemeClr val="accent1"/>
+            </a:fillRef>
+            <a:effectRef idx="0">
+              <a:schemeClr val="accent1"/>
+            </a:effectRef>
+            <a:fontRef idx="minor">
+              <a:schemeClr val="tx1"/>
+            </a:fontRef>
+          </p:style>
+        </p:cxnSp>
+        <p:sp>
+          <p:nvSpPr>
+            <p:cNvPr id="28" name="文本框 27"/>
+            <p:cNvSpPr txBox="1"/>
+            <p:nvPr/>
+          </p:nvSpPr>
+          <p:spPr>
+            <a:xfrm>
+              <a:off x="8160329" y="1391042"/>
+              <a:ext cx="856211" cy="307777"/>
+            </a:xfrm>
+            <a:prstGeom prst="rect">
+              <a:avLst/>
+            </a:prstGeom>
+            <a:noFill/>
+          </p:spPr>
+          <p:txBody>
+            <a:bodyPr wrap="square" rtlCol="0">
+              <a:spAutoFit/>
+            </a:bodyPr>
+            <a:lstStyle/>
+            <a:p>
+              <a:pPr algn="ctr"/>
+              <a:r>
+                <a:rPr lang="en-US" altLang="zh-CN" sz="1400" b="1" dirty="0" smtClean="0"/>
+                <a:t>W(t-2)</a:t>
+              </a:r>
+              <a:endParaRPr lang="zh-CN" altLang="en-US" sz="1400" b="1" dirty="0"/>
+            </a:p>
+          </p:txBody>
+        </p:sp>
+        <p:sp>
+          <p:nvSpPr>
+            <p:cNvPr id="29" name="文本框 28"/>
+            <p:cNvSpPr txBox="1"/>
+            <p:nvPr/>
+          </p:nvSpPr>
+          <p:spPr>
+            <a:xfrm>
+              <a:off x="8160328" y="5083279"/>
+              <a:ext cx="856211" cy="307777"/>
+            </a:xfrm>
+            <a:prstGeom prst="rect">
+              <a:avLst/>
+            </a:prstGeom>
+            <a:noFill/>
+          </p:spPr>
+          <p:txBody>
+            <a:bodyPr wrap="square" rtlCol="0">
+              <a:spAutoFit/>
+            </a:bodyPr>
+            <a:lstStyle/>
+            <a:p>
+              <a:pPr algn="ctr"/>
+              <a:r>
+                <a:rPr lang="en-US" altLang="zh-CN" sz="1400" b="1" dirty="0" smtClean="0"/>
+                <a:t>W(t+2)</a:t>
+              </a:r>
+              <a:endParaRPr lang="zh-CN" altLang="en-US" sz="1400" b="1" dirty="0"/>
+            </a:p>
+          </p:txBody>
+        </p:sp>
+        <p:sp>
+          <p:nvSpPr>
+            <p:cNvPr id="30" name="文本框 29"/>
+            <p:cNvSpPr txBox="1"/>
+            <p:nvPr/>
+          </p:nvSpPr>
+          <p:spPr>
+            <a:xfrm>
+              <a:off x="8160328" y="4131471"/>
+              <a:ext cx="856211" cy="307777"/>
+            </a:xfrm>
+            <a:prstGeom prst="rect">
+              <a:avLst/>
+            </a:prstGeom>
+            <a:noFill/>
+          </p:spPr>
+          <p:txBody>
+            <a:bodyPr wrap="square" rtlCol="0">
+              <a:spAutoFit/>
+            </a:bodyPr>
+            <a:lstStyle/>
+            <a:p>
+              <a:pPr algn="ctr"/>
+              <a:r>
+                <a:rPr lang="en-US" altLang="zh-CN" sz="1400" b="1" dirty="0" smtClean="0"/>
+                <a:t>W(t+1)</a:t>
+              </a:r>
+              <a:endParaRPr lang="zh-CN" altLang="en-US" sz="1400" b="1" dirty="0"/>
+            </a:p>
+          </p:txBody>
+        </p:sp>
+        <p:sp>
+          <p:nvSpPr>
+            <p:cNvPr id="31" name="文本框 30"/>
+            <p:cNvSpPr txBox="1"/>
+            <p:nvPr/>
+          </p:nvSpPr>
+          <p:spPr>
+            <a:xfrm>
+              <a:off x="8160328" y="2342850"/>
+              <a:ext cx="856211" cy="307777"/>
+            </a:xfrm>
+            <a:prstGeom prst="rect">
+              <a:avLst/>
+            </a:prstGeom>
+            <a:noFill/>
+          </p:spPr>
+          <p:txBody>
+            <a:bodyPr wrap="square" rtlCol="0">
+              <a:spAutoFit/>
+            </a:bodyPr>
+            <a:lstStyle/>
+            <a:p>
+              <a:pPr algn="ctr"/>
+              <a:r>
+                <a:rPr lang="en-US" altLang="zh-CN" sz="1400" b="1" dirty="0" smtClean="0"/>
+                <a:t>W(t-1)</a:t>
+              </a:r>
+              <a:endParaRPr lang="zh-CN" altLang="en-US" sz="1400" b="1" dirty="0"/>
+            </a:p>
+          </p:txBody>
+        </p:sp>
+        <p:sp>
+          <p:nvSpPr>
+            <p:cNvPr id="32" name="文本框 31"/>
+            <p:cNvSpPr txBox="1"/>
+            <p:nvPr/>
+          </p:nvSpPr>
+          <p:spPr>
+            <a:xfrm>
+              <a:off x="4028897" y="3237160"/>
+              <a:ext cx="856211" cy="307777"/>
+            </a:xfrm>
+            <a:prstGeom prst="rect">
+              <a:avLst/>
+            </a:prstGeom>
+            <a:noFill/>
+          </p:spPr>
+          <p:txBody>
+            <a:bodyPr wrap="square" rtlCol="0">
+              <a:spAutoFit/>
+            </a:bodyPr>
+            <a:lstStyle/>
+            <a:p>
+              <a:pPr algn="ctr"/>
+              <a:r>
+                <a:rPr lang="en-US" altLang="zh-CN" sz="1400" b="1" dirty="0" smtClean="0"/>
+                <a:t>W(t)</a:t>
+              </a:r>
+              <a:endParaRPr lang="zh-CN" altLang="en-US" sz="1400" b="1" dirty="0"/>
+            </a:p>
+          </p:txBody>
+        </p:sp>
+        <p:sp>
+          <p:nvSpPr>
+            <p:cNvPr id="33" name="文本框 32"/>
+            <p:cNvSpPr txBox="1"/>
+            <p:nvPr/>
+          </p:nvSpPr>
+          <p:spPr>
+            <a:xfrm>
+              <a:off x="7393477" y="652342"/>
+              <a:ext cx="896387" cy="307777"/>
+            </a:xfrm>
+            <a:prstGeom prst="rect">
+              <a:avLst/>
+            </a:prstGeom>
+            <a:noFill/>
+          </p:spPr>
+          <p:txBody>
+            <a:bodyPr wrap="square" rtlCol="0">
+              <a:spAutoFit/>
+            </a:bodyPr>
+            <a:lstStyle/>
+            <a:p>
+              <a:pPr algn="ctr"/>
+              <a:r>
+                <a:rPr lang="en-US" altLang="zh-CN" sz="1400" b="1" dirty="0" smtClean="0"/>
+                <a:t>OUTPUT</a:t>
+              </a:r>
+              <a:endParaRPr lang="zh-CN" altLang="en-US" sz="1400" b="1" dirty="0"/>
+            </a:p>
+          </p:txBody>
+        </p:sp>
+        <p:sp>
+          <p:nvSpPr>
+            <p:cNvPr id="34" name="文本框 33"/>
+            <p:cNvSpPr txBox="1"/>
+            <p:nvPr/>
+          </p:nvSpPr>
+          <p:spPr>
+            <a:xfrm>
+              <a:off x="5626844" y="652342"/>
+              <a:ext cx="1265269" cy="307777"/>
+            </a:xfrm>
+            <a:prstGeom prst="rect">
+              <a:avLst/>
+            </a:prstGeom>
+            <a:noFill/>
+          </p:spPr>
+          <p:txBody>
+            <a:bodyPr wrap="square" rtlCol="0">
+              <a:spAutoFit/>
+            </a:bodyPr>
+            <a:lstStyle/>
+            <a:p>
+              <a:pPr algn="ctr"/>
+              <a:r>
+                <a:rPr lang="en-US" altLang="zh-CN" sz="1400" b="1" dirty="0" smtClean="0"/>
+                <a:t>PROJECTION</a:t>
+              </a:r>
+              <a:endParaRPr lang="zh-CN" altLang="en-US" sz="1400" b="1" dirty="0"/>
+            </a:p>
+          </p:txBody>
+        </p:sp>
+        <p:sp>
+          <p:nvSpPr>
+            <p:cNvPr id="35" name="文本框 34"/>
+            <p:cNvSpPr txBox="1"/>
+            <p:nvPr/>
+          </p:nvSpPr>
+          <p:spPr>
+            <a:xfrm>
+              <a:off x="4623258" y="652342"/>
+              <a:ext cx="856211" cy="307777"/>
+            </a:xfrm>
+            <a:prstGeom prst="rect">
+              <a:avLst/>
+            </a:prstGeom>
+            <a:noFill/>
+          </p:spPr>
+          <p:txBody>
+            <a:bodyPr wrap="square" rtlCol="0">
+              <a:spAutoFit/>
+            </a:bodyPr>
+            <a:lstStyle/>
+            <a:p>
+              <a:pPr algn="ctr"/>
+              <a:r>
+                <a:rPr lang="en-US" altLang="zh-CN" sz="1400" b="1" dirty="0" smtClean="0"/>
+                <a:t>INPUT</a:t>
+              </a:r>
+              <a:endParaRPr lang="zh-CN" altLang="en-US" sz="1400" b="1" dirty="0"/>
+            </a:p>
+          </p:txBody>
+        </p:sp>
+      </p:grpSp>
+    </p:spTree>
+    <p:extLst>
+      <p:ext uri="{BB962C8B-B14F-4D97-AF65-F5344CB8AC3E}">
+        <p14:creationId xmlns:p14="http://schemas.microsoft.com/office/powerpoint/2010/main" val="4148197190"/>
+      </p:ext>
+    </p:extLst>
+  </p:cSld>
+  <p:clrMapOvr>
+    <a:masterClrMapping/>
+  </p:clrMapOvr>
+</p:sld>
+</file>
+
+<file path=ppt/slides/slide4.xml><?xml version="1.0" encoding="utf-8"?>
+<p:sld xmlns:a="http://schemas.openxmlformats.org/drawingml/2006/main" xmlns:r="http://schemas.openxmlformats.org/officeDocument/2006/relationships" xmlns:p="http://schemas.openxmlformats.org/presentationml/2006/main">
+  <p:cSld>
+    <p:spTree>
+      <p:nvGrpSpPr>
+        <p:cNvPr id="1" name=""/>
+        <p:cNvGrpSpPr/>
+        <p:nvPr/>
+      </p:nvGrpSpPr>
+      <p:grpSpPr>
+        <a:xfrm>
+          <a:off x="0" y="0"/>
+          <a:ext cx="0" cy="0"/>
+          <a:chOff x="0" y="0"/>
+          <a:chExt cx="0" cy="0"/>
+        </a:xfrm>
+      </p:grpSpPr>
+      <p:grpSp>
+        <p:nvGrpSpPr>
+          <p:cNvPr id="32" name="组合 31"/>
+          <p:cNvGrpSpPr/>
+          <p:nvPr/>
+        </p:nvGrpSpPr>
+        <p:grpSpPr>
+          <a:xfrm>
+            <a:off x="1275692" y="1113877"/>
+            <a:ext cx="5669818" cy="4297915"/>
+            <a:chOff x="1275692" y="1113877"/>
+            <a:chExt cx="5669818" cy="4297915"/>
+          </a:xfrm>
+        </p:grpSpPr>
+        <p:sp>
+          <p:nvSpPr>
+            <p:cNvPr id="6" name="矩形 5"/>
+            <p:cNvSpPr/>
+            <p:nvPr/>
+          </p:nvSpPr>
+          <p:spPr>
+            <a:xfrm>
+              <a:off x="4409081" y="3095106"/>
+              <a:ext cx="680400" cy="331200"/>
+            </a:xfrm>
+            <a:prstGeom prst="rect">
+              <a:avLst/>
+            </a:prstGeom>
+          </p:spPr>
+          <p:style>
+            <a:lnRef idx="2">
+              <a:schemeClr val="accent1">
+                <a:shade val="50000"/>
+              </a:schemeClr>
+            </a:lnRef>
+            <a:fillRef idx="1">
+              <a:schemeClr val="accent1"/>
+            </a:fillRef>
+            <a:effectRef idx="0">
+              <a:schemeClr val="accent1"/>
+            </a:effectRef>
+            <a:fontRef idx="minor">
+              <a:schemeClr val="lt1"/>
+            </a:fontRef>
+          </p:style>
+          <p:txBody>
+            <a:bodyPr rtlCol="0" anchor="ctr"/>
+            <a:lstStyle/>
+            <a:p>
+              <a:pPr algn="ctr"/>
+              <a:endParaRPr lang="zh-CN" altLang="en-US"/>
+            </a:p>
+          </p:txBody>
+        </p:sp>
+        <p:grpSp>
+          <p:nvGrpSpPr>
+            <p:cNvPr id="2" name="组合 1"/>
+            <p:cNvGrpSpPr/>
+            <p:nvPr/>
+          </p:nvGrpSpPr>
+          <p:grpSpPr>
+            <a:xfrm>
+              <a:off x="2693323" y="4572000"/>
+              <a:ext cx="4164282" cy="331200"/>
+              <a:chOff x="2693323" y="4572000"/>
+              <a:chExt cx="4164282" cy="331200"/>
+            </a:xfrm>
+          </p:grpSpPr>
+          <p:sp>
+            <p:nvSpPr>
+              <p:cNvPr id="5" name="矩形 4"/>
+              <p:cNvSpPr/>
+              <p:nvPr/>
+            </p:nvSpPr>
+            <p:spPr>
+              <a:xfrm>
+                <a:off x="2693323" y="4572000"/>
+                <a:ext cx="680400" cy="331200"/>
+              </a:xfrm>
+              <a:prstGeom prst="rect">
+                <a:avLst/>
+              </a:prstGeom>
+            </p:spPr>
+            <p:style>
+              <a:lnRef idx="2">
+                <a:schemeClr val="accent2">
+                  <a:shade val="50000"/>
+                </a:schemeClr>
+              </a:lnRef>
+              <a:fillRef idx="1">
+                <a:schemeClr val="accent2"/>
+              </a:fillRef>
+              <a:effectRef idx="0">
+                <a:schemeClr val="accent2"/>
+              </a:effectRef>
+              <a:fontRef idx="minor">
+                <a:schemeClr val="lt1"/>
+              </a:fontRef>
+            </p:style>
+            <p:txBody>
+              <a:bodyPr rtlCol="0" anchor="ctr"/>
+              <a:lstStyle/>
+              <a:p>
+                <a:pPr algn="ctr"/>
+                <a:endParaRPr lang="zh-CN" altLang="en-US"/>
+              </a:p>
+            </p:txBody>
+          </p:sp>
+          <p:sp>
+            <p:nvSpPr>
+              <p:cNvPr id="7" name="矩形 6"/>
+              <p:cNvSpPr/>
+              <p:nvPr/>
+            </p:nvSpPr>
+            <p:spPr>
+              <a:xfrm>
+                <a:off x="6177205" y="4572000"/>
+                <a:ext cx="680400" cy="331200"/>
+              </a:xfrm>
+              <a:prstGeom prst="rect">
+                <a:avLst/>
+              </a:prstGeom>
+            </p:spPr>
+            <p:style>
+              <a:lnRef idx="2">
+                <a:schemeClr val="accent1">
+                  <a:shade val="50000"/>
+                </a:schemeClr>
+              </a:lnRef>
+              <a:fillRef idx="1">
+                <a:schemeClr val="accent1"/>
+              </a:fillRef>
+              <a:effectRef idx="0">
+                <a:schemeClr val="accent1"/>
+              </a:effectRef>
+              <a:fontRef idx="minor">
+                <a:schemeClr val="lt1"/>
+              </a:fontRef>
+            </p:style>
+            <p:txBody>
+              <a:bodyPr rtlCol="0" anchor="ctr"/>
+              <a:lstStyle/>
+              <a:p>
+                <a:pPr algn="ctr"/>
+                <a:endParaRPr lang="zh-CN" altLang="en-US"/>
+              </a:p>
+            </p:txBody>
+          </p:sp>
+          <p:sp>
+            <p:nvSpPr>
+              <p:cNvPr id="8" name="矩形 7"/>
+              <p:cNvSpPr/>
+              <p:nvPr/>
+            </p:nvSpPr>
+            <p:spPr>
+              <a:xfrm>
+                <a:off x="5015911" y="4572000"/>
+                <a:ext cx="680400" cy="331200"/>
+              </a:xfrm>
+              <a:prstGeom prst="rect">
+                <a:avLst/>
+              </a:prstGeom>
+            </p:spPr>
+            <p:style>
+              <a:lnRef idx="2">
+                <a:schemeClr val="accent1">
+                  <a:shade val="50000"/>
+                </a:schemeClr>
+              </a:lnRef>
+              <a:fillRef idx="1">
+                <a:schemeClr val="accent1"/>
+              </a:fillRef>
+              <a:effectRef idx="0">
+                <a:schemeClr val="accent1"/>
+              </a:effectRef>
+              <a:fontRef idx="minor">
+                <a:schemeClr val="lt1"/>
+              </a:fontRef>
+            </p:style>
+            <p:txBody>
+              <a:bodyPr rtlCol="0" anchor="ctr"/>
+              <a:lstStyle/>
+              <a:p>
+                <a:pPr algn="ctr"/>
+                <a:endParaRPr lang="zh-CN" altLang="en-US"/>
+              </a:p>
+            </p:txBody>
+          </p:sp>
+          <p:sp>
+            <p:nvSpPr>
+              <p:cNvPr id="9" name="矩形 8"/>
+              <p:cNvSpPr/>
+              <p:nvPr/>
+            </p:nvSpPr>
+            <p:spPr>
+              <a:xfrm>
+                <a:off x="3854617" y="4572000"/>
+                <a:ext cx="680400" cy="331200"/>
+              </a:xfrm>
+              <a:prstGeom prst="rect">
+                <a:avLst/>
+              </a:prstGeom>
+            </p:spPr>
+            <p:style>
+              <a:lnRef idx="2">
+                <a:schemeClr val="accent1">
+                  <a:shade val="50000"/>
+                </a:schemeClr>
+              </a:lnRef>
+              <a:fillRef idx="1">
+                <a:schemeClr val="accent1"/>
+              </a:fillRef>
+              <a:effectRef idx="0">
+                <a:schemeClr val="accent1"/>
+              </a:effectRef>
+              <a:fontRef idx="minor">
+                <a:schemeClr val="lt1"/>
+              </a:fontRef>
+            </p:style>
+            <p:txBody>
+              <a:bodyPr rtlCol="0" anchor="ctr"/>
+              <a:lstStyle/>
+              <a:p>
+                <a:pPr algn="ctr"/>
+                <a:endParaRPr lang="zh-CN" altLang="en-US"/>
+              </a:p>
+            </p:txBody>
+          </p:sp>
+        </p:grpSp>
+        <p:sp>
+          <p:nvSpPr>
+            <p:cNvPr id="10" name="矩形 9"/>
+            <p:cNvSpPr/>
+            <p:nvPr/>
+          </p:nvSpPr>
+          <p:spPr>
+            <a:xfrm>
+              <a:off x="4409081" y="1618212"/>
+              <a:ext cx="680400" cy="331200"/>
+            </a:xfrm>
+            <a:prstGeom prst="rect">
+              <a:avLst/>
+            </a:prstGeom>
+          </p:spPr>
+          <p:style>
+            <a:lnRef idx="2">
+              <a:schemeClr val="accent1">
+                <a:shade val="50000"/>
+              </a:schemeClr>
+            </a:lnRef>
+            <a:fillRef idx="1">
+              <a:schemeClr val="accent1"/>
+            </a:fillRef>
+            <a:effectRef idx="0">
+              <a:schemeClr val="accent1"/>
+            </a:effectRef>
+            <a:fontRef idx="minor">
+              <a:schemeClr val="lt1"/>
+            </a:fontRef>
+          </p:style>
+          <p:txBody>
+            <a:bodyPr rtlCol="0" anchor="ctr"/>
+            <a:lstStyle/>
+            <a:p>
+              <a:pPr algn="ctr"/>
+              <a:endParaRPr lang="zh-CN" altLang="en-US"/>
+            </a:p>
+          </p:txBody>
+        </p:sp>
+        <p:sp>
+          <p:nvSpPr>
+            <p:cNvPr id="3" name="文本框 2"/>
+            <p:cNvSpPr txBox="1"/>
+            <p:nvPr/>
+          </p:nvSpPr>
+          <p:spPr>
+            <a:xfrm>
+              <a:off x="2693323" y="5104015"/>
+              <a:ext cx="680400" cy="307777"/>
+            </a:xfrm>
+            <a:prstGeom prst="rect">
+              <a:avLst/>
+            </a:prstGeom>
+            <a:noFill/>
+          </p:spPr>
+          <p:txBody>
+            <a:bodyPr wrap="square" rtlCol="0">
+              <a:spAutoFit/>
+            </a:bodyPr>
+            <a:lstStyle/>
+            <a:p>
+              <a:pPr algn="ctr"/>
+              <a:r>
+                <a:rPr lang="en-US" altLang="zh-CN" sz="1400" b="1" dirty="0" smtClean="0"/>
+                <a:t>d</a:t>
+              </a:r>
+              <a:endParaRPr lang="zh-CN" altLang="en-US" sz="1400" b="1" dirty="0"/>
+            </a:p>
+          </p:txBody>
+        </p:sp>
+        <p:sp>
+          <p:nvSpPr>
+            <p:cNvPr id="16" name="文本框 15"/>
+            <p:cNvSpPr txBox="1"/>
+            <p:nvPr/>
+          </p:nvSpPr>
+          <p:spPr>
+            <a:xfrm>
+              <a:off x="3766711" y="5104015"/>
+              <a:ext cx="856211" cy="307777"/>
+            </a:xfrm>
+            <a:prstGeom prst="rect">
+              <a:avLst/>
+            </a:prstGeom>
+            <a:noFill/>
+          </p:spPr>
+          <p:txBody>
+            <a:bodyPr wrap="square" rtlCol="0">
+              <a:spAutoFit/>
+            </a:bodyPr>
+            <a:lstStyle/>
+            <a:p>
+              <a:pPr algn="ctr"/>
+              <a:r>
+                <a:rPr lang="en-US" altLang="zh-CN" sz="1400" b="1" dirty="0" smtClean="0"/>
+                <a:t>W(</a:t>
+              </a:r>
+              <a:r>
+                <a:rPr lang="en-US" altLang="zh-CN" sz="1400" b="1" dirty="0" err="1" smtClean="0"/>
+                <a:t>i</a:t>
+              </a:r>
+              <a:r>
+                <a:rPr lang="en-US" altLang="zh-CN" sz="1400" b="1" dirty="0" smtClean="0"/>
+                <a:t>)</a:t>
+              </a:r>
+              <a:endParaRPr lang="zh-CN" altLang="en-US" sz="1400" b="1" dirty="0"/>
+            </a:p>
+          </p:txBody>
+        </p:sp>
+        <p:sp>
+          <p:nvSpPr>
+            <p:cNvPr id="17" name="文本框 16"/>
+            <p:cNvSpPr txBox="1"/>
+            <p:nvPr/>
+          </p:nvSpPr>
+          <p:spPr>
+            <a:xfrm>
+              <a:off x="4928005" y="5104014"/>
+              <a:ext cx="856211" cy="307777"/>
+            </a:xfrm>
+            <a:prstGeom prst="rect">
+              <a:avLst/>
+            </a:prstGeom>
+            <a:noFill/>
+          </p:spPr>
+          <p:txBody>
+            <a:bodyPr wrap="square" rtlCol="0">
+              <a:spAutoFit/>
+            </a:bodyPr>
+            <a:lstStyle/>
+            <a:p>
+              <a:pPr algn="ctr"/>
+              <a:r>
+                <a:rPr lang="en-US" altLang="zh-CN" sz="1400" b="1" dirty="0" smtClean="0"/>
+                <a:t>W(i+1)</a:t>
+              </a:r>
+              <a:endParaRPr lang="zh-CN" altLang="en-US" sz="1400" b="1" dirty="0"/>
+            </a:p>
+          </p:txBody>
+        </p:sp>
+        <p:sp>
+          <p:nvSpPr>
+            <p:cNvPr id="18" name="文本框 17"/>
+            <p:cNvSpPr txBox="1"/>
+            <p:nvPr/>
+          </p:nvSpPr>
+          <p:spPr>
+            <a:xfrm>
+              <a:off x="6089299" y="5104013"/>
+              <a:ext cx="856211" cy="307777"/>
+            </a:xfrm>
+            <a:prstGeom prst="rect">
+              <a:avLst/>
+            </a:prstGeom>
+            <a:noFill/>
+          </p:spPr>
+          <p:txBody>
+            <a:bodyPr wrap="square" rtlCol="0">
+              <a:spAutoFit/>
+            </a:bodyPr>
+            <a:lstStyle/>
+            <a:p>
+              <a:pPr algn="ctr"/>
+              <a:r>
+                <a:rPr lang="en-US" altLang="zh-CN" sz="1400" b="1" dirty="0" smtClean="0"/>
+                <a:t>W(i+2)</a:t>
+              </a:r>
+              <a:endParaRPr lang="zh-CN" altLang="en-US" sz="1400" b="1" dirty="0"/>
+            </a:p>
+          </p:txBody>
+        </p:sp>
+        <p:sp>
+          <p:nvSpPr>
+            <p:cNvPr id="19" name="文本框 18"/>
+            <p:cNvSpPr txBox="1"/>
+            <p:nvPr/>
+          </p:nvSpPr>
+          <p:spPr>
+            <a:xfrm>
+              <a:off x="4321175" y="1113877"/>
+              <a:ext cx="856211" cy="307777"/>
+            </a:xfrm>
+            <a:prstGeom prst="rect">
+              <a:avLst/>
+            </a:prstGeom>
+            <a:noFill/>
+          </p:spPr>
+          <p:txBody>
+            <a:bodyPr wrap="square" rtlCol="0">
+              <a:spAutoFit/>
+            </a:bodyPr>
+            <a:lstStyle/>
+            <a:p>
+              <a:pPr algn="ctr"/>
+              <a:r>
+                <a:rPr lang="en-US" altLang="zh-CN" sz="1400" b="1" dirty="0" smtClean="0"/>
+                <a:t>W(i+3)</a:t>
+              </a:r>
+              <a:endParaRPr lang="zh-CN" altLang="en-US" sz="1400" b="1" dirty="0"/>
+            </a:p>
+          </p:txBody>
+        </p:sp>
+        <p:cxnSp>
+          <p:nvCxnSpPr>
+            <p:cNvPr id="20" name="直接箭头连接符 19"/>
+            <p:cNvCxnSpPr>
+              <a:stCxn id="5" idx="0"/>
+              <a:endCxn id="6" idx="2"/>
+            </p:cNvCxnSpPr>
+            <p:nvPr/>
+          </p:nvCxnSpPr>
+          <p:spPr>
+            <a:xfrm flipV="1">
+              <a:off x="3033523" y="3426306"/>
+              <a:ext cx="1715758" cy="1145694"/>
+            </a:xfrm>
+            <a:prstGeom prst="straightConnector1">
+              <a:avLst/>
+            </a:prstGeom>
+            <a:ln w="12700">
+              <a:tailEnd type="triangle"/>
+            </a:ln>
+          </p:spPr>
+          <p:style>
+            <a:lnRef idx="1">
+              <a:schemeClr val="accent1"/>
+            </a:lnRef>
+            <a:fillRef idx="0">
+              <a:schemeClr val="accent1"/>
+            </a:fillRef>
+            <a:effectRef idx="0">
+              <a:schemeClr val="accent1"/>
+            </a:effectRef>
+            <a:fontRef idx="minor">
+              <a:schemeClr val="tx1"/>
+            </a:fontRef>
+          </p:style>
+        </p:cxnSp>
+        <p:cxnSp>
+          <p:nvCxnSpPr>
+            <p:cNvPr id="22" name="直接箭头连接符 21"/>
+            <p:cNvCxnSpPr>
+              <a:stCxn id="9" idx="0"/>
+              <a:endCxn id="6" idx="2"/>
+            </p:cNvCxnSpPr>
+            <p:nvPr/>
+          </p:nvCxnSpPr>
+          <p:spPr>
+            <a:xfrm flipV="1">
+              <a:off x="4194817" y="3426306"/>
+              <a:ext cx="554464" cy="1145694"/>
+            </a:xfrm>
+            <a:prstGeom prst="straightConnector1">
+              <a:avLst/>
+            </a:prstGeom>
+            <a:ln w="12700">
+              <a:tailEnd type="triangle"/>
+            </a:ln>
+          </p:spPr>
+          <p:style>
+            <a:lnRef idx="1">
+              <a:schemeClr val="accent1"/>
+            </a:lnRef>
+            <a:fillRef idx="0">
+              <a:schemeClr val="accent1"/>
+            </a:fillRef>
+            <a:effectRef idx="0">
+              <a:schemeClr val="accent1"/>
+            </a:effectRef>
+            <a:fontRef idx="minor">
+              <a:schemeClr val="tx1"/>
+            </a:fontRef>
+          </p:style>
+        </p:cxnSp>
+        <p:cxnSp>
+          <p:nvCxnSpPr>
+            <p:cNvPr id="24" name="直接箭头连接符 23"/>
+            <p:cNvCxnSpPr>
+              <a:stCxn id="8" idx="0"/>
+              <a:endCxn id="6" idx="2"/>
+            </p:cNvCxnSpPr>
+            <p:nvPr/>
+          </p:nvCxnSpPr>
+          <p:spPr>
+            <a:xfrm flipH="1" flipV="1">
+              <a:off x="4749281" y="3426306"/>
+              <a:ext cx="606830" cy="1145694"/>
+            </a:xfrm>
+            <a:prstGeom prst="straightConnector1">
+              <a:avLst/>
+            </a:prstGeom>
+            <a:ln w="12700">
+              <a:tailEnd type="triangle"/>
+            </a:ln>
+          </p:spPr>
+          <p:style>
+            <a:lnRef idx="1">
+              <a:schemeClr val="accent1"/>
+            </a:lnRef>
+            <a:fillRef idx="0">
+              <a:schemeClr val="accent1"/>
+            </a:fillRef>
+            <a:effectRef idx="0">
+              <a:schemeClr val="accent1"/>
+            </a:effectRef>
+            <a:fontRef idx="minor">
+              <a:schemeClr val="tx1"/>
+            </a:fontRef>
+          </p:style>
+        </p:cxnSp>
+        <p:cxnSp>
+          <p:nvCxnSpPr>
+            <p:cNvPr id="26" name="直接箭头连接符 25"/>
+            <p:cNvCxnSpPr>
+              <a:stCxn id="7" idx="0"/>
+              <a:endCxn id="6" idx="2"/>
+            </p:cNvCxnSpPr>
+            <p:nvPr/>
+          </p:nvCxnSpPr>
+          <p:spPr>
+            <a:xfrm flipH="1" flipV="1">
+              <a:off x="4749281" y="3426306"/>
+              <a:ext cx="1768124" cy="1145694"/>
+            </a:xfrm>
+            <a:prstGeom prst="straightConnector1">
+              <a:avLst/>
+            </a:prstGeom>
+            <a:ln w="12700">
+              <a:tailEnd type="triangle"/>
+            </a:ln>
+          </p:spPr>
+          <p:style>
+            <a:lnRef idx="1">
+              <a:schemeClr val="accent1"/>
+            </a:lnRef>
+            <a:fillRef idx="0">
+              <a:schemeClr val="accent1"/>
+            </a:fillRef>
+            <a:effectRef idx="0">
+              <a:schemeClr val="accent1"/>
+            </a:effectRef>
+            <a:fontRef idx="minor">
+              <a:schemeClr val="tx1"/>
+            </a:fontRef>
+          </p:style>
+        </p:cxnSp>
+        <p:cxnSp>
+          <p:nvCxnSpPr>
+            <p:cNvPr id="28" name="直接箭头连接符 27"/>
+            <p:cNvCxnSpPr>
+              <a:stCxn id="6" idx="0"/>
+              <a:endCxn id="10" idx="2"/>
+            </p:cNvCxnSpPr>
+            <p:nvPr/>
+          </p:nvCxnSpPr>
+          <p:spPr>
+            <a:xfrm flipV="1">
+              <a:off x="4749281" y="1949412"/>
+              <a:ext cx="0" cy="1145694"/>
+            </a:xfrm>
+            <a:prstGeom prst="straightConnector1">
+              <a:avLst/>
+            </a:prstGeom>
+            <a:ln w="12700">
+              <a:tailEnd type="triangle"/>
+            </a:ln>
+          </p:spPr>
+          <p:style>
+            <a:lnRef idx="1">
+              <a:schemeClr val="accent1"/>
+            </a:lnRef>
+            <a:fillRef idx="0">
+              <a:schemeClr val="accent1"/>
+            </a:fillRef>
+            <a:effectRef idx="0">
+              <a:schemeClr val="accent1"/>
+            </a:effectRef>
+            <a:fontRef idx="minor">
+              <a:schemeClr val="tx1"/>
+            </a:fontRef>
+          </p:style>
+        </p:cxnSp>
+        <p:sp>
+          <p:nvSpPr>
+            <p:cNvPr id="29" name="文本框 28"/>
+            <p:cNvSpPr txBox="1"/>
+            <p:nvPr/>
+          </p:nvSpPr>
+          <p:spPr>
+            <a:xfrm>
+              <a:off x="1275692" y="1629923"/>
+              <a:ext cx="913015" cy="307777"/>
+            </a:xfrm>
+            <a:prstGeom prst="rect">
+              <a:avLst/>
+            </a:prstGeom>
+            <a:noFill/>
+          </p:spPr>
+          <p:txBody>
+            <a:bodyPr wrap="square" rtlCol="0">
+              <a:spAutoFit/>
+            </a:bodyPr>
+            <a:lstStyle/>
+            <a:p>
+              <a:pPr algn="ctr"/>
+              <a:r>
+                <a:rPr lang="en-US" altLang="zh-CN" sz="1400" b="1" dirty="0" smtClean="0"/>
+                <a:t>OUTPUT</a:t>
+              </a:r>
+              <a:endParaRPr lang="zh-CN" altLang="en-US" sz="1400" b="1" dirty="0"/>
+            </a:p>
+          </p:txBody>
+        </p:sp>
+        <p:sp>
+          <p:nvSpPr>
+            <p:cNvPr id="30" name="文本框 29"/>
+            <p:cNvSpPr txBox="1"/>
+            <p:nvPr/>
+          </p:nvSpPr>
+          <p:spPr>
+            <a:xfrm>
+              <a:off x="1275692" y="3106817"/>
+              <a:ext cx="1261455" cy="307777"/>
+            </a:xfrm>
+            <a:prstGeom prst="rect">
+              <a:avLst/>
+            </a:prstGeom>
+            <a:noFill/>
+          </p:spPr>
+          <p:txBody>
+            <a:bodyPr wrap="square" rtlCol="0">
+              <a:spAutoFit/>
+            </a:bodyPr>
+            <a:lstStyle/>
+            <a:p>
+              <a:pPr algn="ctr"/>
+              <a:r>
+                <a:rPr lang="en-US" altLang="zh-CN" sz="1400" b="1" dirty="0" smtClean="0"/>
+                <a:t>PROJECTION</a:t>
+              </a:r>
+              <a:endParaRPr lang="zh-CN" altLang="en-US" sz="1400" b="1" dirty="0"/>
+            </a:p>
+          </p:txBody>
+        </p:sp>
+        <p:sp>
+          <p:nvSpPr>
+            <p:cNvPr id="31" name="文本框 30"/>
+            <p:cNvSpPr txBox="1"/>
+            <p:nvPr/>
+          </p:nvSpPr>
+          <p:spPr>
+            <a:xfrm>
+              <a:off x="1275692" y="4583711"/>
+              <a:ext cx="856211" cy="307777"/>
+            </a:xfrm>
+            <a:prstGeom prst="rect">
+              <a:avLst/>
+            </a:prstGeom>
+            <a:noFill/>
+          </p:spPr>
+          <p:txBody>
+            <a:bodyPr wrap="square" rtlCol="0">
+              <a:spAutoFit/>
+            </a:bodyPr>
+            <a:lstStyle/>
+            <a:p>
+              <a:pPr algn="ctr"/>
+              <a:r>
+                <a:rPr lang="en-US" altLang="zh-CN" sz="1400" b="1" dirty="0" smtClean="0"/>
+                <a:t>INPUT</a:t>
+              </a:r>
+              <a:endParaRPr lang="zh-CN" altLang="en-US" sz="1400" b="1" dirty="0"/>
+            </a:p>
+          </p:txBody>
+        </p:sp>
+      </p:grpSp>
+    </p:spTree>
+    <p:extLst>
+      <p:ext uri="{BB962C8B-B14F-4D97-AF65-F5344CB8AC3E}">
+        <p14:creationId xmlns:p14="http://schemas.microsoft.com/office/powerpoint/2010/main" val="2307624107"/>
+      </p:ext>
+    </p:extLst>
+  </p:cSld>
+  <p:clrMapOvr>
+    <a:masterClrMapping/>
+  </p:clrMapOvr>
+</p:sld>
+</file>
+
+<file path=ppt/slides/slide5.xml><?xml version="1.0" encoding="utf-8"?>
+<p:sld xmlns:a="http://schemas.openxmlformats.org/drawingml/2006/main" xmlns:r="http://schemas.openxmlformats.org/officeDocument/2006/relationships" xmlns:p="http://schemas.openxmlformats.org/presentationml/2006/main">
+  <p:cSld>
+    <p:spTree>
+      <p:nvGrpSpPr>
+        <p:cNvPr id="1" name=""/>
+        <p:cNvGrpSpPr/>
+        <p:nvPr/>
+      </p:nvGrpSpPr>
+      <p:grpSpPr>
+        <a:xfrm>
+          <a:off x="0" y="0"/>
+          <a:ext cx="0" cy="0"/>
+          <a:chOff x="0" y="0"/>
+          <a:chExt cx="0" cy="0"/>
+        </a:xfrm>
+      </p:grpSpPr>
+      <p:grpSp>
+        <p:nvGrpSpPr>
+          <p:cNvPr id="44" name="组合 43"/>
+          <p:cNvGrpSpPr/>
+          <p:nvPr/>
+        </p:nvGrpSpPr>
+        <p:grpSpPr>
+          <a:xfrm>
+            <a:off x="1275692" y="1150690"/>
+            <a:ext cx="5743415" cy="4261102"/>
+            <a:chOff x="1275692" y="1150690"/>
+            <a:chExt cx="5743415" cy="4261102"/>
+          </a:xfrm>
+        </p:grpSpPr>
+        <p:sp>
+          <p:nvSpPr>
+            <p:cNvPr id="2" name="矩形 1"/>
+            <p:cNvSpPr/>
+            <p:nvPr/>
+          </p:nvSpPr>
+          <p:spPr>
+            <a:xfrm>
+              <a:off x="4409081" y="3095106"/>
+              <a:ext cx="680400" cy="331200"/>
+            </a:xfrm>
+            <a:prstGeom prst="rect">
+              <a:avLst/>
+            </a:prstGeom>
+          </p:spPr>
+          <p:style>
+            <a:lnRef idx="2">
+              <a:schemeClr val="accent1">
+                <a:shade val="50000"/>
+              </a:schemeClr>
+            </a:lnRef>
+            <a:fillRef idx="1">
+              <a:schemeClr val="accent1"/>
+            </a:fillRef>
+            <a:effectRef idx="0">
+              <a:schemeClr val="accent1"/>
+            </a:effectRef>
+            <a:fontRef idx="minor">
+              <a:schemeClr val="lt1"/>
+            </a:fontRef>
+          </p:style>
+          <p:txBody>
+            <a:bodyPr rtlCol="0" anchor="ctr"/>
+            <a:lstStyle/>
+            <a:p>
+              <a:pPr algn="ctr"/>
+              <a:endParaRPr lang="zh-CN" altLang="en-US"/>
+            </a:p>
+          </p:txBody>
+        </p:sp>
+        <p:sp>
+          <p:nvSpPr>
+            <p:cNvPr id="4" name="矩形 3"/>
+            <p:cNvSpPr/>
+            <p:nvPr/>
+          </p:nvSpPr>
+          <p:spPr>
+            <a:xfrm>
+              <a:off x="4409081" y="4572000"/>
+              <a:ext cx="680400" cy="331200"/>
+            </a:xfrm>
+            <a:prstGeom prst="rect">
+              <a:avLst/>
+            </a:prstGeom>
+          </p:spPr>
+          <p:style>
+            <a:lnRef idx="2">
+              <a:schemeClr val="accent2">
+                <a:shade val="50000"/>
+              </a:schemeClr>
+            </a:lnRef>
+            <a:fillRef idx="1">
+              <a:schemeClr val="accent2"/>
+            </a:fillRef>
+            <a:effectRef idx="0">
+              <a:schemeClr val="accent2"/>
+            </a:effectRef>
+            <a:fontRef idx="minor">
+              <a:schemeClr val="lt1"/>
+            </a:fontRef>
+          </p:style>
+          <p:txBody>
+            <a:bodyPr rtlCol="0" anchor="ctr"/>
+            <a:lstStyle/>
+            <a:p>
+              <a:pPr algn="ctr"/>
+              <a:endParaRPr lang="zh-CN" altLang="en-US"/>
+            </a:p>
+          </p:txBody>
+        </p:sp>
+        <p:sp>
+          <p:nvSpPr>
+            <p:cNvPr id="5" name="矩形 4"/>
+            <p:cNvSpPr/>
+            <p:nvPr/>
+          </p:nvSpPr>
+          <p:spPr>
+            <a:xfrm>
+              <a:off x="6250802" y="1606500"/>
+              <a:ext cx="680400" cy="331200"/>
+            </a:xfrm>
+            <a:prstGeom prst="rect">
+              <a:avLst/>
+            </a:prstGeom>
+          </p:spPr>
+          <p:style>
+            <a:lnRef idx="2">
+              <a:schemeClr val="accent1">
+                <a:shade val="50000"/>
+              </a:schemeClr>
+            </a:lnRef>
+            <a:fillRef idx="1">
+              <a:schemeClr val="accent1"/>
+            </a:fillRef>
+            <a:effectRef idx="0">
+              <a:schemeClr val="accent1"/>
+            </a:effectRef>
+            <a:fontRef idx="minor">
+              <a:schemeClr val="lt1"/>
+            </a:fontRef>
+          </p:style>
+          <p:txBody>
+            <a:bodyPr rtlCol="0" anchor="ctr"/>
+            <a:lstStyle/>
+            <a:p>
+              <a:pPr algn="ctr"/>
+              <a:endParaRPr lang="zh-CN" altLang="en-US"/>
+            </a:p>
+          </p:txBody>
+        </p:sp>
+        <p:sp>
+          <p:nvSpPr>
+            <p:cNvPr id="6" name="矩形 5"/>
+            <p:cNvSpPr/>
+            <p:nvPr/>
+          </p:nvSpPr>
+          <p:spPr>
+            <a:xfrm>
+              <a:off x="5089508" y="1606500"/>
+              <a:ext cx="680400" cy="331200"/>
+            </a:xfrm>
+            <a:prstGeom prst="rect">
+              <a:avLst/>
+            </a:prstGeom>
+          </p:spPr>
+          <p:style>
+            <a:lnRef idx="2">
+              <a:schemeClr val="accent1">
+                <a:shade val="50000"/>
+              </a:schemeClr>
+            </a:lnRef>
+            <a:fillRef idx="1">
+              <a:schemeClr val="accent1"/>
+            </a:fillRef>
+            <a:effectRef idx="0">
+              <a:schemeClr val="accent1"/>
+            </a:effectRef>
+            <a:fontRef idx="minor">
+              <a:schemeClr val="lt1"/>
+            </a:fontRef>
+          </p:style>
+          <p:txBody>
+            <a:bodyPr rtlCol="0" anchor="ctr"/>
+            <a:lstStyle/>
+            <a:p>
+              <a:pPr algn="ctr"/>
+              <a:endParaRPr lang="zh-CN" altLang="en-US"/>
+            </a:p>
+          </p:txBody>
+        </p:sp>
+        <p:sp>
+          <p:nvSpPr>
+            <p:cNvPr id="7" name="矩形 6"/>
+            <p:cNvSpPr/>
+            <p:nvPr/>
+          </p:nvSpPr>
+          <p:spPr>
+            <a:xfrm>
+              <a:off x="3928214" y="1606500"/>
+              <a:ext cx="680400" cy="331200"/>
+            </a:xfrm>
+            <a:prstGeom prst="rect">
+              <a:avLst/>
+            </a:prstGeom>
+          </p:spPr>
+          <p:style>
+            <a:lnRef idx="2">
+              <a:schemeClr val="accent1">
+                <a:shade val="50000"/>
+              </a:schemeClr>
+            </a:lnRef>
+            <a:fillRef idx="1">
+              <a:schemeClr val="accent1"/>
+            </a:fillRef>
+            <a:effectRef idx="0">
+              <a:schemeClr val="accent1"/>
+            </a:effectRef>
+            <a:fontRef idx="minor">
+              <a:schemeClr val="lt1"/>
+            </a:fontRef>
+          </p:style>
+          <p:txBody>
+            <a:bodyPr rtlCol="0" anchor="ctr"/>
+            <a:lstStyle/>
+            <a:p>
+              <a:pPr algn="ctr"/>
+              <a:endParaRPr lang="zh-CN" altLang="en-US"/>
+            </a:p>
+          </p:txBody>
+        </p:sp>
+        <p:sp>
+          <p:nvSpPr>
+            <p:cNvPr id="8" name="矩形 7"/>
+            <p:cNvSpPr/>
+            <p:nvPr/>
+          </p:nvSpPr>
+          <p:spPr>
+            <a:xfrm>
+              <a:off x="2781229" y="1618212"/>
+              <a:ext cx="680400" cy="331200"/>
+            </a:xfrm>
+            <a:prstGeom prst="rect">
+              <a:avLst/>
+            </a:prstGeom>
+          </p:spPr>
+          <p:style>
+            <a:lnRef idx="2">
+              <a:schemeClr val="accent1">
+                <a:shade val="50000"/>
+              </a:schemeClr>
+            </a:lnRef>
+            <a:fillRef idx="1">
+              <a:schemeClr val="accent1"/>
+            </a:fillRef>
+            <a:effectRef idx="0">
+              <a:schemeClr val="accent1"/>
+            </a:effectRef>
+            <a:fontRef idx="minor">
+              <a:schemeClr val="lt1"/>
+            </a:fontRef>
+          </p:style>
+          <p:txBody>
+            <a:bodyPr rtlCol="0" anchor="ctr"/>
+            <a:lstStyle/>
+            <a:p>
+              <a:pPr algn="ctr"/>
+              <a:endParaRPr lang="zh-CN" altLang="en-US"/>
+            </a:p>
+          </p:txBody>
+        </p:sp>
+        <p:sp>
+          <p:nvSpPr>
+            <p:cNvPr id="9" name="文本框 8"/>
+            <p:cNvSpPr txBox="1"/>
+            <p:nvPr/>
+          </p:nvSpPr>
+          <p:spPr>
+            <a:xfrm>
+              <a:off x="4409081" y="5104015"/>
+              <a:ext cx="680400" cy="307777"/>
+            </a:xfrm>
+            <a:prstGeom prst="rect">
+              <a:avLst/>
+            </a:prstGeom>
+            <a:noFill/>
+          </p:spPr>
+          <p:txBody>
+            <a:bodyPr wrap="square" rtlCol="0">
+              <a:spAutoFit/>
+            </a:bodyPr>
+            <a:lstStyle/>
+            <a:p>
+              <a:pPr algn="ctr"/>
+              <a:r>
+                <a:rPr lang="en-US" altLang="zh-CN" sz="1400" b="1" dirty="0" smtClean="0"/>
+                <a:t>d</a:t>
+              </a:r>
+              <a:endParaRPr lang="zh-CN" altLang="en-US" sz="1400" b="1" dirty="0"/>
+            </a:p>
+          </p:txBody>
+        </p:sp>
+        <p:sp>
+          <p:nvSpPr>
+            <p:cNvPr id="10" name="文本框 9"/>
+            <p:cNvSpPr txBox="1"/>
+            <p:nvPr/>
+          </p:nvSpPr>
+          <p:spPr>
+            <a:xfrm>
+              <a:off x="2693323" y="1150690"/>
+              <a:ext cx="856211" cy="307777"/>
+            </a:xfrm>
+            <a:prstGeom prst="rect">
+              <a:avLst/>
+            </a:prstGeom>
+            <a:noFill/>
+          </p:spPr>
+          <p:txBody>
+            <a:bodyPr wrap="square" rtlCol="0">
+              <a:spAutoFit/>
+            </a:bodyPr>
+            <a:lstStyle/>
+            <a:p>
+              <a:pPr algn="ctr"/>
+              <a:r>
+                <a:rPr lang="en-US" altLang="zh-CN" sz="1400" b="1" dirty="0" smtClean="0"/>
+                <a:t>W(</a:t>
+              </a:r>
+              <a:r>
+                <a:rPr lang="en-US" altLang="zh-CN" sz="1400" b="1" dirty="0" err="1" smtClean="0"/>
+                <a:t>i</a:t>
+              </a:r>
+              <a:r>
+                <a:rPr lang="en-US" altLang="zh-CN" sz="1400" b="1" dirty="0" smtClean="0"/>
+                <a:t>)</a:t>
+              </a:r>
+              <a:endParaRPr lang="zh-CN" altLang="en-US" sz="1400" b="1" dirty="0"/>
+            </a:p>
+          </p:txBody>
+        </p:sp>
+        <p:sp>
+          <p:nvSpPr>
+            <p:cNvPr id="11" name="文本框 10"/>
+            <p:cNvSpPr txBox="1"/>
+            <p:nvPr/>
+          </p:nvSpPr>
+          <p:spPr>
+            <a:xfrm>
+              <a:off x="3840308" y="1150691"/>
+              <a:ext cx="856211" cy="307777"/>
+            </a:xfrm>
+            <a:prstGeom prst="rect">
+              <a:avLst/>
+            </a:prstGeom>
+            <a:noFill/>
+          </p:spPr>
+          <p:txBody>
+            <a:bodyPr wrap="square" rtlCol="0">
+              <a:spAutoFit/>
+            </a:bodyPr>
+            <a:lstStyle/>
+            <a:p>
+              <a:pPr algn="ctr"/>
+              <a:r>
+                <a:rPr lang="en-US" altLang="zh-CN" sz="1400" b="1" dirty="0" smtClean="0"/>
+                <a:t>W(i+1)</a:t>
+              </a:r>
+              <a:endParaRPr lang="zh-CN" altLang="en-US" sz="1400" b="1" dirty="0"/>
+            </a:p>
+          </p:txBody>
+        </p:sp>
+        <p:sp>
+          <p:nvSpPr>
+            <p:cNvPr id="12" name="文本框 11"/>
+            <p:cNvSpPr txBox="1"/>
+            <p:nvPr/>
+          </p:nvSpPr>
+          <p:spPr>
+            <a:xfrm>
+              <a:off x="5001602" y="1150690"/>
+              <a:ext cx="856211" cy="307777"/>
+            </a:xfrm>
+            <a:prstGeom prst="rect">
+              <a:avLst/>
+            </a:prstGeom>
+            <a:noFill/>
+          </p:spPr>
+          <p:txBody>
+            <a:bodyPr wrap="square" rtlCol="0">
+              <a:spAutoFit/>
+            </a:bodyPr>
+            <a:lstStyle/>
+            <a:p>
+              <a:pPr algn="ctr"/>
+              <a:r>
+                <a:rPr lang="en-US" altLang="zh-CN" sz="1400" b="1" dirty="0" smtClean="0"/>
+                <a:t>W(i+2)</a:t>
+              </a:r>
+              <a:endParaRPr lang="zh-CN" altLang="en-US" sz="1400" b="1" dirty="0"/>
+            </a:p>
+          </p:txBody>
+        </p:sp>
+        <p:sp>
+          <p:nvSpPr>
+            <p:cNvPr id="13" name="文本框 12"/>
+            <p:cNvSpPr txBox="1"/>
+            <p:nvPr/>
+          </p:nvSpPr>
+          <p:spPr>
+            <a:xfrm>
+              <a:off x="6162896" y="1150690"/>
+              <a:ext cx="856211" cy="307777"/>
+            </a:xfrm>
+            <a:prstGeom prst="rect">
+              <a:avLst/>
+            </a:prstGeom>
+            <a:noFill/>
+          </p:spPr>
+          <p:txBody>
+            <a:bodyPr wrap="square" rtlCol="0">
+              <a:spAutoFit/>
+            </a:bodyPr>
+            <a:lstStyle/>
+            <a:p>
+              <a:pPr algn="ctr"/>
+              <a:r>
+                <a:rPr lang="en-US" altLang="zh-CN" sz="1400" b="1" dirty="0" smtClean="0"/>
+                <a:t>W(i+3)</a:t>
+              </a:r>
+              <a:endParaRPr lang="zh-CN" altLang="en-US" sz="1400" b="1" dirty="0"/>
+            </a:p>
+          </p:txBody>
+        </p:sp>
+        <p:cxnSp>
+          <p:nvCxnSpPr>
+            <p:cNvPr id="14" name="直接箭头连接符 13"/>
+            <p:cNvCxnSpPr>
+              <a:stCxn id="4" idx="0"/>
+              <a:endCxn id="2" idx="2"/>
+            </p:cNvCxnSpPr>
+            <p:nvPr/>
+          </p:nvCxnSpPr>
+          <p:spPr>
+            <a:xfrm flipV="1">
+              <a:off x="4749281" y="3426306"/>
+              <a:ext cx="0" cy="1145694"/>
+            </a:xfrm>
+            <a:prstGeom prst="straightConnector1">
+              <a:avLst/>
+            </a:prstGeom>
+            <a:ln w="12700">
+              <a:tailEnd type="triangle"/>
+            </a:ln>
+          </p:spPr>
+          <p:style>
+            <a:lnRef idx="1">
+              <a:schemeClr val="accent1"/>
+            </a:lnRef>
+            <a:fillRef idx="0">
+              <a:schemeClr val="accent1"/>
+            </a:fillRef>
+            <a:effectRef idx="0">
+              <a:schemeClr val="accent1"/>
+            </a:effectRef>
+            <a:fontRef idx="minor">
+              <a:schemeClr val="tx1"/>
+            </a:fontRef>
+          </p:style>
+        </p:cxnSp>
+        <p:cxnSp>
+          <p:nvCxnSpPr>
+            <p:cNvPr id="15" name="直接箭头连接符 14"/>
+            <p:cNvCxnSpPr>
+              <a:stCxn id="2" idx="0"/>
+              <a:endCxn id="7" idx="2"/>
+            </p:cNvCxnSpPr>
+            <p:nvPr/>
+          </p:nvCxnSpPr>
+          <p:spPr>
+            <a:xfrm flipH="1" flipV="1">
+              <a:off x="4268414" y="1937700"/>
+              <a:ext cx="480867" cy="1157406"/>
+            </a:xfrm>
+            <a:prstGeom prst="straightConnector1">
+              <a:avLst/>
+            </a:prstGeom>
+            <a:ln w="12700">
+              <a:tailEnd type="triangle"/>
+            </a:ln>
+          </p:spPr>
+          <p:style>
+            <a:lnRef idx="1">
+              <a:schemeClr val="accent1"/>
+            </a:lnRef>
+            <a:fillRef idx="0">
+              <a:schemeClr val="accent1"/>
+            </a:fillRef>
+            <a:effectRef idx="0">
+              <a:schemeClr val="accent1"/>
+            </a:effectRef>
+            <a:fontRef idx="minor">
+              <a:schemeClr val="tx1"/>
+            </a:fontRef>
+          </p:style>
+        </p:cxnSp>
+        <p:cxnSp>
+          <p:nvCxnSpPr>
+            <p:cNvPr id="16" name="直接箭头连接符 15"/>
+            <p:cNvCxnSpPr>
+              <a:stCxn id="2" idx="0"/>
+              <a:endCxn id="6" idx="2"/>
+            </p:cNvCxnSpPr>
+            <p:nvPr/>
+          </p:nvCxnSpPr>
+          <p:spPr>
+            <a:xfrm flipV="1">
+              <a:off x="4749281" y="1937700"/>
+              <a:ext cx="680427" cy="1157406"/>
+            </a:xfrm>
+            <a:prstGeom prst="straightConnector1">
+              <a:avLst/>
+            </a:prstGeom>
+            <a:ln w="12700">
+              <a:tailEnd type="triangle"/>
+            </a:ln>
+          </p:spPr>
+          <p:style>
+            <a:lnRef idx="1">
+              <a:schemeClr val="accent1"/>
+            </a:lnRef>
+            <a:fillRef idx="0">
+              <a:schemeClr val="accent1"/>
+            </a:fillRef>
+            <a:effectRef idx="0">
+              <a:schemeClr val="accent1"/>
+            </a:effectRef>
+            <a:fontRef idx="minor">
+              <a:schemeClr val="tx1"/>
+            </a:fontRef>
+          </p:style>
+        </p:cxnSp>
+        <p:cxnSp>
+          <p:nvCxnSpPr>
+            <p:cNvPr id="17" name="直接箭头连接符 16"/>
+            <p:cNvCxnSpPr>
+              <a:stCxn id="2" idx="0"/>
+              <a:endCxn id="5" idx="2"/>
+            </p:cNvCxnSpPr>
+            <p:nvPr/>
+          </p:nvCxnSpPr>
+          <p:spPr>
+            <a:xfrm flipV="1">
+              <a:off x="4749281" y="1937700"/>
+              <a:ext cx="1841721" cy="1157406"/>
+            </a:xfrm>
+            <a:prstGeom prst="straightConnector1">
+              <a:avLst/>
+            </a:prstGeom>
+            <a:ln w="12700">
+              <a:tailEnd type="triangle"/>
+            </a:ln>
+          </p:spPr>
+          <p:style>
+            <a:lnRef idx="1">
+              <a:schemeClr val="accent1"/>
+            </a:lnRef>
+            <a:fillRef idx="0">
+              <a:schemeClr val="accent1"/>
+            </a:fillRef>
+            <a:effectRef idx="0">
+              <a:schemeClr val="accent1"/>
+            </a:effectRef>
+            <a:fontRef idx="minor">
+              <a:schemeClr val="tx1"/>
+            </a:fontRef>
+          </p:style>
+        </p:cxnSp>
+        <p:cxnSp>
+          <p:nvCxnSpPr>
+            <p:cNvPr id="18" name="直接箭头连接符 17"/>
+            <p:cNvCxnSpPr>
+              <a:stCxn id="2" idx="0"/>
+              <a:endCxn id="8" idx="2"/>
+            </p:cNvCxnSpPr>
+            <p:nvPr/>
+          </p:nvCxnSpPr>
+          <p:spPr>
+            <a:xfrm flipH="1" flipV="1">
+              <a:off x="3121429" y="1949412"/>
+              <a:ext cx="1627852" cy="1145694"/>
+            </a:xfrm>
+            <a:prstGeom prst="straightConnector1">
+              <a:avLst/>
+            </a:prstGeom>
+            <a:ln w="12700">
+              <a:tailEnd type="triangle"/>
+            </a:ln>
+          </p:spPr>
+          <p:style>
+            <a:lnRef idx="1">
+              <a:schemeClr val="accent1"/>
+            </a:lnRef>
+            <a:fillRef idx="0">
+              <a:schemeClr val="accent1"/>
+            </a:fillRef>
+            <a:effectRef idx="0">
+              <a:schemeClr val="accent1"/>
+            </a:effectRef>
+            <a:fontRef idx="minor">
+              <a:schemeClr val="tx1"/>
+            </a:fontRef>
+          </p:style>
+        </p:cxnSp>
+        <p:sp>
+          <p:nvSpPr>
+            <p:cNvPr id="19" name="文本框 18"/>
+            <p:cNvSpPr txBox="1"/>
+            <p:nvPr/>
+          </p:nvSpPr>
+          <p:spPr>
+            <a:xfrm>
+              <a:off x="1275692" y="1629923"/>
+              <a:ext cx="913015" cy="307777"/>
+            </a:xfrm>
+            <a:prstGeom prst="rect">
+              <a:avLst/>
+            </a:prstGeom>
+            <a:noFill/>
+          </p:spPr>
+          <p:txBody>
+            <a:bodyPr wrap="square" rtlCol="0">
+              <a:spAutoFit/>
+            </a:bodyPr>
+            <a:lstStyle/>
+            <a:p>
+              <a:pPr algn="ctr"/>
+              <a:r>
+                <a:rPr lang="en-US" altLang="zh-CN" sz="1400" b="1" dirty="0" smtClean="0"/>
+                <a:t>OUTPUT</a:t>
+              </a:r>
+              <a:endParaRPr lang="zh-CN" altLang="en-US" sz="1400" b="1" dirty="0"/>
+            </a:p>
+          </p:txBody>
+        </p:sp>
+        <p:sp>
+          <p:nvSpPr>
+            <p:cNvPr id="20" name="文本框 19"/>
+            <p:cNvSpPr txBox="1"/>
+            <p:nvPr/>
+          </p:nvSpPr>
+          <p:spPr>
+            <a:xfrm>
+              <a:off x="1275692" y="3106817"/>
+              <a:ext cx="1261455" cy="307777"/>
+            </a:xfrm>
+            <a:prstGeom prst="rect">
+              <a:avLst/>
+            </a:prstGeom>
+            <a:noFill/>
+          </p:spPr>
+          <p:txBody>
+            <a:bodyPr wrap="square" rtlCol="0">
+              <a:spAutoFit/>
+            </a:bodyPr>
+            <a:lstStyle/>
+            <a:p>
+              <a:pPr algn="ctr"/>
+              <a:r>
+                <a:rPr lang="en-US" altLang="zh-CN" sz="1400" b="1" dirty="0" smtClean="0"/>
+                <a:t>PROJECTION</a:t>
+              </a:r>
+              <a:endParaRPr lang="zh-CN" altLang="en-US" sz="1400" b="1" dirty="0"/>
+            </a:p>
+          </p:txBody>
+        </p:sp>
+        <p:sp>
+          <p:nvSpPr>
+            <p:cNvPr id="21" name="文本框 20"/>
+            <p:cNvSpPr txBox="1"/>
+            <p:nvPr/>
+          </p:nvSpPr>
+          <p:spPr>
+            <a:xfrm>
+              <a:off x="1275692" y="4583711"/>
+              <a:ext cx="856211" cy="307777"/>
+            </a:xfrm>
+            <a:prstGeom prst="rect">
+              <a:avLst/>
+            </a:prstGeom>
+            <a:noFill/>
+          </p:spPr>
+          <p:txBody>
+            <a:bodyPr wrap="square" rtlCol="0">
+              <a:spAutoFit/>
+            </a:bodyPr>
+            <a:lstStyle/>
+            <a:p>
+              <a:pPr algn="ctr"/>
+              <a:r>
+                <a:rPr lang="en-US" altLang="zh-CN" sz="1400" b="1" dirty="0" smtClean="0"/>
+                <a:t>INPUT</a:t>
+              </a:r>
+              <a:endParaRPr lang="zh-CN" altLang="en-US" sz="1400" b="1" dirty="0"/>
+            </a:p>
+          </p:txBody>
+        </p:sp>
+      </p:grpSp>
+    </p:spTree>
+    <p:extLst>
+      <p:ext uri="{BB962C8B-B14F-4D97-AF65-F5344CB8AC3E}">
+        <p14:creationId xmlns:p14="http://schemas.microsoft.com/office/powerpoint/2010/main" val="1060323131"/>
+      </p:ext>
+    </p:extLst>
+  </p:cSld>
+  <p:clrMapOvr>
+    <a:masterClrMapping/>
+  </p:clrMapOvr>
+</p:sld>
+</file>
+
+<file path=ppt/slides/slide6.xml><?xml version="1.0" encoding="utf-8"?>
+<p:sld xmlns:a="http://schemas.openxmlformats.org/drawingml/2006/main" xmlns:r="http://schemas.openxmlformats.org/officeDocument/2006/relationships" xmlns:p="http://schemas.openxmlformats.org/presentationml/2006/main">
+  <p:cSld>
+    <p:spTree>
+      <p:nvGrpSpPr>
+        <p:cNvPr id="1" name=""/>
+        <p:cNvGrpSpPr/>
+        <p:nvPr/>
+      </p:nvGrpSpPr>
+      <p:grpSpPr>
+        <a:xfrm>
+          <a:off x="0" y="0"/>
+          <a:ext cx="0" cy="0"/>
+          <a:chOff x="0" y="0"/>
+          <a:chExt cx="0" cy="0"/>
+        </a:xfrm>
+      </p:grpSpPr>
+      <p:grpSp>
+        <p:nvGrpSpPr>
+          <p:cNvPr id="2" name="组合 1"/>
+          <p:cNvGrpSpPr/>
+          <p:nvPr/>
+        </p:nvGrpSpPr>
+        <p:grpSpPr>
+          <a:xfrm>
+            <a:off x="1275692" y="1113877"/>
+            <a:ext cx="5669818" cy="4297915"/>
+            <a:chOff x="1275692" y="1113877"/>
+            <a:chExt cx="5669818" cy="4297915"/>
+          </a:xfrm>
+        </p:grpSpPr>
+        <p:sp>
+          <p:nvSpPr>
+            <p:cNvPr id="3" name="矩形 2"/>
+            <p:cNvSpPr/>
+            <p:nvPr/>
+          </p:nvSpPr>
+          <p:spPr>
+            <a:xfrm>
+              <a:off x="4409081" y="3095106"/>
+              <a:ext cx="680400" cy="331200"/>
+            </a:xfrm>
+            <a:prstGeom prst="rect">
+              <a:avLst/>
+            </a:prstGeom>
+          </p:spPr>
+          <p:style>
+            <a:lnRef idx="2">
+              <a:schemeClr val="accent1">
+                <a:shade val="50000"/>
+              </a:schemeClr>
+            </a:lnRef>
+            <a:fillRef idx="1">
+              <a:schemeClr val="accent1"/>
+            </a:fillRef>
+            <a:effectRef idx="0">
+              <a:schemeClr val="accent1"/>
+            </a:effectRef>
+            <a:fontRef idx="minor">
+              <a:schemeClr val="lt1"/>
+            </a:fontRef>
+          </p:style>
+          <p:txBody>
+            <a:bodyPr rtlCol="0" anchor="ctr"/>
+            <a:lstStyle/>
+            <a:p>
+              <a:pPr algn="ctr"/>
+              <a:endParaRPr lang="zh-CN" altLang="en-US"/>
+            </a:p>
+          </p:txBody>
+        </p:sp>
+        <p:grpSp>
+          <p:nvGrpSpPr>
+            <p:cNvPr id="4" name="组合 3"/>
+            <p:cNvGrpSpPr/>
+            <p:nvPr/>
+          </p:nvGrpSpPr>
+          <p:grpSpPr>
+            <a:xfrm>
+              <a:off x="2693323" y="4572000"/>
+              <a:ext cx="4164282" cy="331200"/>
+              <a:chOff x="2693323" y="4572000"/>
+              <a:chExt cx="4164282" cy="331200"/>
+            </a:xfrm>
+          </p:grpSpPr>
+          <p:sp>
+            <p:nvSpPr>
+              <p:cNvPr id="19" name="矩形 18"/>
+              <p:cNvSpPr/>
+              <p:nvPr/>
+            </p:nvSpPr>
+            <p:spPr>
+              <a:xfrm>
+                <a:off x="2693323" y="4572000"/>
+                <a:ext cx="680400" cy="331200"/>
+              </a:xfrm>
+              <a:prstGeom prst="rect">
+                <a:avLst/>
+              </a:prstGeom>
+            </p:spPr>
+            <p:style>
+              <a:lnRef idx="2">
+                <a:schemeClr val="accent2">
+                  <a:shade val="50000"/>
+                </a:schemeClr>
+              </a:lnRef>
+              <a:fillRef idx="1">
+                <a:schemeClr val="accent2"/>
+              </a:fillRef>
+              <a:effectRef idx="0">
+                <a:schemeClr val="accent2"/>
+              </a:effectRef>
+              <a:fontRef idx="minor">
+                <a:schemeClr val="lt1"/>
+              </a:fontRef>
+            </p:style>
+            <p:txBody>
+              <a:bodyPr rtlCol="0" anchor="ctr"/>
+              <a:lstStyle/>
+              <a:p>
+                <a:pPr algn="ctr"/>
+                <a:endParaRPr lang="zh-CN" altLang="en-US"/>
+              </a:p>
+            </p:txBody>
+          </p:sp>
+          <p:sp>
+            <p:nvSpPr>
+              <p:cNvPr id="20" name="矩形 19"/>
+              <p:cNvSpPr/>
+              <p:nvPr/>
+            </p:nvSpPr>
+            <p:spPr>
+              <a:xfrm>
+                <a:off x="6177205" y="4572000"/>
+                <a:ext cx="680400" cy="331200"/>
+              </a:xfrm>
+              <a:prstGeom prst="rect">
+                <a:avLst/>
+              </a:prstGeom>
+            </p:spPr>
+            <p:style>
+              <a:lnRef idx="2">
+                <a:schemeClr val="accent1">
+                  <a:shade val="50000"/>
+                </a:schemeClr>
+              </a:lnRef>
+              <a:fillRef idx="1">
+                <a:schemeClr val="accent1"/>
+              </a:fillRef>
+              <a:effectRef idx="0">
+                <a:schemeClr val="accent1"/>
+              </a:effectRef>
+              <a:fontRef idx="minor">
+                <a:schemeClr val="lt1"/>
+              </a:fontRef>
+            </p:style>
+            <p:txBody>
+              <a:bodyPr rtlCol="0" anchor="ctr"/>
+              <a:lstStyle/>
+              <a:p>
+                <a:pPr algn="ctr"/>
+                <a:endParaRPr lang="zh-CN" altLang="en-US"/>
+              </a:p>
+            </p:txBody>
+          </p:sp>
+          <p:sp>
+            <p:nvSpPr>
+              <p:cNvPr id="21" name="矩形 20"/>
+              <p:cNvSpPr/>
+              <p:nvPr/>
+            </p:nvSpPr>
+            <p:spPr>
+              <a:xfrm>
+                <a:off x="5015911" y="4572000"/>
+                <a:ext cx="680400" cy="331200"/>
+              </a:xfrm>
+              <a:prstGeom prst="rect">
+                <a:avLst/>
+              </a:prstGeom>
+            </p:spPr>
+            <p:style>
+              <a:lnRef idx="2">
+                <a:schemeClr val="accent1">
+                  <a:shade val="50000"/>
+                </a:schemeClr>
+              </a:lnRef>
+              <a:fillRef idx="1">
+                <a:schemeClr val="accent1"/>
+              </a:fillRef>
+              <a:effectRef idx="0">
+                <a:schemeClr val="accent1"/>
+              </a:effectRef>
+              <a:fontRef idx="minor">
+                <a:schemeClr val="lt1"/>
+              </a:fontRef>
+            </p:style>
+            <p:txBody>
+              <a:bodyPr rtlCol="0" anchor="ctr"/>
+              <a:lstStyle/>
+              <a:p>
+                <a:pPr algn="ctr"/>
+                <a:endParaRPr lang="zh-CN" altLang="en-US"/>
+              </a:p>
+            </p:txBody>
+          </p:sp>
+          <p:sp>
+            <p:nvSpPr>
+              <p:cNvPr id="22" name="矩形 21"/>
+              <p:cNvSpPr/>
+              <p:nvPr/>
+            </p:nvSpPr>
+            <p:spPr>
+              <a:xfrm>
+                <a:off x="3854617" y="4572000"/>
+                <a:ext cx="680400" cy="331200"/>
+              </a:xfrm>
+              <a:prstGeom prst="rect">
+                <a:avLst/>
+              </a:prstGeom>
+            </p:spPr>
+            <p:style>
+              <a:lnRef idx="2">
+                <a:schemeClr val="accent1">
+                  <a:shade val="50000"/>
+                </a:schemeClr>
+              </a:lnRef>
+              <a:fillRef idx="1">
+                <a:schemeClr val="accent1"/>
+              </a:fillRef>
+              <a:effectRef idx="0">
+                <a:schemeClr val="accent1"/>
+              </a:effectRef>
+              <a:fontRef idx="minor">
+                <a:schemeClr val="lt1"/>
+              </a:fontRef>
+            </p:style>
+            <p:txBody>
+              <a:bodyPr rtlCol="0" anchor="ctr"/>
+              <a:lstStyle/>
+              <a:p>
+                <a:pPr algn="ctr"/>
+                <a:endParaRPr lang="zh-CN" altLang="en-US"/>
+              </a:p>
+            </p:txBody>
+          </p:sp>
+        </p:grpSp>
+        <p:sp>
+          <p:nvSpPr>
+            <p:cNvPr id="5" name="矩形 4"/>
+            <p:cNvSpPr/>
+            <p:nvPr/>
+          </p:nvSpPr>
+          <p:spPr>
+            <a:xfrm>
+              <a:off x="4409081" y="1618212"/>
+              <a:ext cx="680400" cy="331200"/>
+            </a:xfrm>
+            <a:prstGeom prst="rect">
+              <a:avLst/>
+            </a:prstGeom>
+          </p:spPr>
+          <p:style>
+            <a:lnRef idx="2">
+              <a:schemeClr val="accent1">
+                <a:shade val="50000"/>
+              </a:schemeClr>
+            </a:lnRef>
+            <a:fillRef idx="1">
+              <a:schemeClr val="accent1"/>
+            </a:fillRef>
+            <a:effectRef idx="0">
+              <a:schemeClr val="accent1"/>
+            </a:effectRef>
+            <a:fontRef idx="minor">
+              <a:schemeClr val="lt1"/>
+            </a:fontRef>
+          </p:style>
+          <p:txBody>
+            <a:bodyPr rtlCol="0" anchor="ctr"/>
+            <a:lstStyle/>
+            <a:p>
+              <a:pPr algn="ctr"/>
+              <a:endParaRPr lang="zh-CN" altLang="en-US"/>
+            </a:p>
+          </p:txBody>
+        </p:sp>
+        <p:sp>
+          <p:nvSpPr>
+            <p:cNvPr id="6" name="文本框 5"/>
+            <p:cNvSpPr txBox="1"/>
+            <p:nvPr/>
+          </p:nvSpPr>
+          <p:spPr>
+            <a:xfrm>
+              <a:off x="2693323" y="5104015"/>
+              <a:ext cx="680400" cy="307777"/>
+            </a:xfrm>
+            <a:prstGeom prst="rect">
+              <a:avLst/>
+            </a:prstGeom>
+            <a:noFill/>
+          </p:spPr>
+          <p:txBody>
+            <a:bodyPr wrap="square" rtlCol="0">
+              <a:spAutoFit/>
+            </a:bodyPr>
+            <a:lstStyle/>
+            <a:p>
+              <a:pPr algn="ctr"/>
+              <a:r>
+                <a:rPr lang="en-US" altLang="zh-CN" sz="1400" b="1" dirty="0" smtClean="0"/>
+                <a:t>d</a:t>
+              </a:r>
+              <a:endParaRPr lang="zh-CN" altLang="en-US" sz="1400" b="1" dirty="0"/>
+            </a:p>
+          </p:txBody>
+        </p:sp>
+        <p:sp>
+          <p:nvSpPr>
+            <p:cNvPr id="7" name="文本框 6"/>
+            <p:cNvSpPr txBox="1"/>
+            <p:nvPr/>
+          </p:nvSpPr>
+          <p:spPr>
+            <a:xfrm>
+              <a:off x="3766711" y="5104015"/>
+              <a:ext cx="856211" cy="307777"/>
+            </a:xfrm>
+            <a:prstGeom prst="rect">
+              <a:avLst/>
+            </a:prstGeom>
+            <a:noFill/>
+          </p:spPr>
+          <p:txBody>
+            <a:bodyPr wrap="square" rtlCol="0">
+              <a:spAutoFit/>
+            </a:bodyPr>
+            <a:lstStyle/>
+            <a:p>
+              <a:pPr algn="ctr"/>
+              <a:r>
+                <a:rPr lang="en-US" altLang="zh-CN" sz="1400" b="1" dirty="0" smtClean="0"/>
+                <a:t>W(</a:t>
+              </a:r>
+              <a:r>
+                <a:rPr lang="en-US" altLang="zh-CN" sz="1400" b="1" dirty="0" err="1" smtClean="0"/>
+                <a:t>i</a:t>
+              </a:r>
+              <a:r>
+                <a:rPr lang="en-US" altLang="zh-CN" sz="1400" b="1" dirty="0" smtClean="0"/>
+                <a:t>)</a:t>
+              </a:r>
+              <a:endParaRPr lang="zh-CN" altLang="en-US" sz="1400" b="1" dirty="0"/>
+            </a:p>
+          </p:txBody>
+        </p:sp>
+        <p:sp>
+          <p:nvSpPr>
+            <p:cNvPr id="8" name="文本框 7"/>
+            <p:cNvSpPr txBox="1"/>
+            <p:nvPr/>
+          </p:nvSpPr>
+          <p:spPr>
+            <a:xfrm>
+              <a:off x="4928005" y="5104014"/>
+              <a:ext cx="856211" cy="307777"/>
+            </a:xfrm>
+            <a:prstGeom prst="rect">
+              <a:avLst/>
+            </a:prstGeom>
+            <a:noFill/>
+          </p:spPr>
+          <p:txBody>
+            <a:bodyPr wrap="square" rtlCol="0">
+              <a:spAutoFit/>
+            </a:bodyPr>
+            <a:lstStyle/>
+            <a:p>
+              <a:pPr algn="ctr"/>
+              <a:r>
+                <a:rPr lang="en-US" altLang="zh-CN" sz="1400" b="1" dirty="0" smtClean="0"/>
+                <a:t>W(i+1)</a:t>
+              </a:r>
+              <a:endParaRPr lang="zh-CN" altLang="en-US" sz="1400" b="1" dirty="0"/>
+            </a:p>
+          </p:txBody>
+        </p:sp>
+        <p:sp>
+          <p:nvSpPr>
+            <p:cNvPr id="9" name="文本框 8"/>
+            <p:cNvSpPr txBox="1"/>
+            <p:nvPr/>
+          </p:nvSpPr>
+          <p:spPr>
+            <a:xfrm>
+              <a:off x="6089299" y="5104013"/>
+              <a:ext cx="856211" cy="307777"/>
+            </a:xfrm>
+            <a:prstGeom prst="rect">
+              <a:avLst/>
+            </a:prstGeom>
+            <a:noFill/>
+          </p:spPr>
+          <p:txBody>
+            <a:bodyPr wrap="square" rtlCol="0">
+              <a:spAutoFit/>
+            </a:bodyPr>
+            <a:lstStyle/>
+            <a:p>
+              <a:pPr algn="ctr"/>
+              <a:r>
+                <a:rPr lang="en-US" altLang="zh-CN" sz="1400" b="1" dirty="0" smtClean="0"/>
+                <a:t>W(i+2)</a:t>
+              </a:r>
+              <a:endParaRPr lang="zh-CN" altLang="en-US" sz="1400" b="1" dirty="0"/>
+            </a:p>
+          </p:txBody>
+        </p:sp>
+        <p:sp>
+          <p:nvSpPr>
+            <p:cNvPr id="10" name="文本框 9"/>
+            <p:cNvSpPr txBox="1"/>
+            <p:nvPr/>
+          </p:nvSpPr>
+          <p:spPr>
+            <a:xfrm>
+              <a:off x="4321175" y="1113877"/>
+              <a:ext cx="856211" cy="307777"/>
+            </a:xfrm>
+            <a:prstGeom prst="rect">
+              <a:avLst/>
+            </a:prstGeom>
+            <a:noFill/>
+          </p:spPr>
+          <p:txBody>
+            <a:bodyPr wrap="square" rtlCol="0">
+              <a:spAutoFit/>
+            </a:bodyPr>
+            <a:lstStyle/>
+            <a:p>
+              <a:pPr algn="ctr"/>
+              <a:r>
+                <a:rPr lang="en-US" altLang="zh-CN" sz="1400" b="1" dirty="0" smtClean="0"/>
+                <a:t>W(i+3)</a:t>
+              </a:r>
+              <a:endParaRPr lang="zh-CN" altLang="en-US" sz="1400" b="1" dirty="0"/>
+            </a:p>
+          </p:txBody>
+        </p:sp>
+        <p:cxnSp>
+          <p:nvCxnSpPr>
+            <p:cNvPr id="11" name="直接箭头连接符 10"/>
+            <p:cNvCxnSpPr>
+              <a:stCxn id="19" idx="0"/>
+              <a:endCxn id="3" idx="2"/>
+            </p:cNvCxnSpPr>
+            <p:nvPr/>
+          </p:nvCxnSpPr>
+          <p:spPr>
+            <a:xfrm flipV="1">
+              <a:off x="3033523" y="3426306"/>
+              <a:ext cx="1715758" cy="1145694"/>
+            </a:xfrm>
+            <a:prstGeom prst="straightConnector1">
+              <a:avLst/>
+            </a:prstGeom>
+            <a:ln w="12700">
+              <a:tailEnd type="triangle"/>
+            </a:ln>
+          </p:spPr>
+          <p:style>
+            <a:lnRef idx="1">
+              <a:schemeClr val="accent1"/>
+            </a:lnRef>
+            <a:fillRef idx="0">
+              <a:schemeClr val="accent1"/>
+            </a:fillRef>
+            <a:effectRef idx="0">
+              <a:schemeClr val="accent1"/>
+            </a:effectRef>
+            <a:fontRef idx="minor">
+              <a:schemeClr val="tx1"/>
+            </a:fontRef>
+          </p:style>
+        </p:cxnSp>
+        <p:cxnSp>
+          <p:nvCxnSpPr>
+            <p:cNvPr id="12" name="直接箭头连接符 11"/>
+            <p:cNvCxnSpPr>
+              <a:stCxn id="22" idx="0"/>
+              <a:endCxn id="3" idx="2"/>
+            </p:cNvCxnSpPr>
+            <p:nvPr/>
+          </p:nvCxnSpPr>
+          <p:spPr>
+            <a:xfrm flipV="1">
+              <a:off x="4194817" y="3426306"/>
+              <a:ext cx="554464" cy="1145694"/>
+            </a:xfrm>
+            <a:prstGeom prst="straightConnector1">
+              <a:avLst/>
+            </a:prstGeom>
+            <a:ln w="12700">
+              <a:tailEnd type="triangle"/>
+            </a:ln>
+          </p:spPr>
+          <p:style>
+            <a:lnRef idx="1">
+              <a:schemeClr val="accent1"/>
+            </a:lnRef>
+            <a:fillRef idx="0">
+              <a:schemeClr val="accent1"/>
+            </a:fillRef>
+            <a:effectRef idx="0">
+              <a:schemeClr val="accent1"/>
+            </a:effectRef>
+            <a:fontRef idx="minor">
+              <a:schemeClr val="tx1"/>
+            </a:fontRef>
+          </p:style>
+        </p:cxnSp>
+        <p:cxnSp>
+          <p:nvCxnSpPr>
+            <p:cNvPr id="13" name="直接箭头连接符 12"/>
+            <p:cNvCxnSpPr>
+              <a:stCxn id="21" idx="0"/>
+              <a:endCxn id="3" idx="2"/>
+            </p:cNvCxnSpPr>
+            <p:nvPr/>
+          </p:nvCxnSpPr>
+          <p:spPr>
+            <a:xfrm flipH="1" flipV="1">
+              <a:off x="4749281" y="3426306"/>
+              <a:ext cx="606830" cy="1145694"/>
+            </a:xfrm>
+            <a:prstGeom prst="straightConnector1">
+              <a:avLst/>
+            </a:prstGeom>
+            <a:ln w="12700">
+              <a:tailEnd type="triangle"/>
+            </a:ln>
+          </p:spPr>
+          <p:style>
+            <a:lnRef idx="1">
+              <a:schemeClr val="accent1"/>
+            </a:lnRef>
+            <a:fillRef idx="0">
+              <a:schemeClr val="accent1"/>
+            </a:fillRef>
+            <a:effectRef idx="0">
+              <a:schemeClr val="accent1"/>
+            </a:effectRef>
+            <a:fontRef idx="minor">
+              <a:schemeClr val="tx1"/>
+            </a:fontRef>
+          </p:style>
+        </p:cxnSp>
+        <p:cxnSp>
+          <p:nvCxnSpPr>
+            <p:cNvPr id="14" name="直接箭头连接符 13"/>
+            <p:cNvCxnSpPr>
+              <a:stCxn id="20" idx="0"/>
+              <a:endCxn id="3" idx="2"/>
+            </p:cNvCxnSpPr>
+            <p:nvPr/>
+          </p:nvCxnSpPr>
+          <p:spPr>
+            <a:xfrm flipH="1" flipV="1">
+              <a:off x="4749281" y="3426306"/>
+              <a:ext cx="1768124" cy="1145694"/>
+            </a:xfrm>
+            <a:prstGeom prst="straightConnector1">
+              <a:avLst/>
+            </a:prstGeom>
+            <a:ln w="12700">
+              <a:tailEnd type="triangle"/>
+            </a:ln>
+          </p:spPr>
+          <p:style>
+            <a:lnRef idx="1">
+              <a:schemeClr val="accent1"/>
+            </a:lnRef>
+            <a:fillRef idx="0">
+              <a:schemeClr val="accent1"/>
+            </a:fillRef>
+            <a:effectRef idx="0">
+              <a:schemeClr val="accent1"/>
+            </a:effectRef>
+            <a:fontRef idx="minor">
+              <a:schemeClr val="tx1"/>
+            </a:fontRef>
+          </p:style>
+        </p:cxnSp>
+        <p:cxnSp>
+          <p:nvCxnSpPr>
+            <p:cNvPr id="15" name="直接箭头连接符 14"/>
+            <p:cNvCxnSpPr>
+              <a:stCxn id="3" idx="0"/>
+              <a:endCxn id="5" idx="2"/>
+            </p:cNvCxnSpPr>
+            <p:nvPr/>
+          </p:nvCxnSpPr>
+          <p:spPr>
+            <a:xfrm flipV="1">
+              <a:off x="4749281" y="1949412"/>
+              <a:ext cx="0" cy="1145694"/>
+            </a:xfrm>
+            <a:prstGeom prst="straightConnector1">
+              <a:avLst/>
+            </a:prstGeom>
+            <a:ln w="12700">
+              <a:tailEnd type="triangle"/>
+            </a:ln>
+          </p:spPr>
+          <p:style>
+            <a:lnRef idx="1">
+              <a:schemeClr val="accent1"/>
+            </a:lnRef>
+            <a:fillRef idx="0">
+              <a:schemeClr val="accent1"/>
+            </a:fillRef>
+            <a:effectRef idx="0">
+              <a:schemeClr val="accent1"/>
+            </a:effectRef>
+            <a:fontRef idx="minor">
+              <a:schemeClr val="tx1"/>
+            </a:fontRef>
+          </p:style>
+        </p:cxnSp>
+        <p:sp>
+          <p:nvSpPr>
+            <p:cNvPr id="16" name="文本框 15"/>
+            <p:cNvSpPr txBox="1"/>
+            <p:nvPr/>
+          </p:nvSpPr>
+          <p:spPr>
+            <a:xfrm>
+              <a:off x="1275692" y="1629923"/>
+              <a:ext cx="913015" cy="307777"/>
+            </a:xfrm>
+            <a:prstGeom prst="rect">
+              <a:avLst/>
+            </a:prstGeom>
+            <a:noFill/>
+          </p:spPr>
+          <p:txBody>
+            <a:bodyPr wrap="square" rtlCol="0">
+              <a:spAutoFit/>
+            </a:bodyPr>
+            <a:lstStyle/>
+            <a:p>
+              <a:pPr algn="ctr"/>
+              <a:r>
+                <a:rPr lang="en-US" altLang="zh-CN" sz="1400" b="1" dirty="0" smtClean="0"/>
+                <a:t>OUTPUT</a:t>
+              </a:r>
+              <a:endParaRPr lang="zh-CN" altLang="en-US" sz="1400" b="1" dirty="0"/>
+            </a:p>
+          </p:txBody>
+        </p:sp>
+        <p:sp>
+          <p:nvSpPr>
+            <p:cNvPr id="17" name="文本框 16"/>
+            <p:cNvSpPr txBox="1"/>
+            <p:nvPr/>
+          </p:nvSpPr>
+          <p:spPr>
+            <a:xfrm>
+              <a:off x="1275692" y="3106817"/>
+              <a:ext cx="1261455" cy="307777"/>
+            </a:xfrm>
+            <a:prstGeom prst="rect">
+              <a:avLst/>
+            </a:prstGeom>
+            <a:noFill/>
+          </p:spPr>
+          <p:txBody>
+            <a:bodyPr wrap="square" rtlCol="0">
+              <a:spAutoFit/>
+            </a:bodyPr>
+            <a:lstStyle/>
+            <a:p>
+              <a:pPr algn="ctr"/>
+              <a:r>
+                <a:rPr lang="en-US" altLang="zh-CN" sz="1400" b="1" dirty="0" smtClean="0"/>
+                <a:t>PROJECTION</a:t>
+              </a:r>
+              <a:endParaRPr lang="zh-CN" altLang="en-US" sz="1400" b="1" dirty="0"/>
+            </a:p>
+          </p:txBody>
+        </p:sp>
+        <p:sp>
+          <p:nvSpPr>
+            <p:cNvPr id="18" name="文本框 17"/>
+            <p:cNvSpPr txBox="1"/>
+            <p:nvPr/>
+          </p:nvSpPr>
+          <p:spPr>
+            <a:xfrm>
+              <a:off x="1275692" y="4583711"/>
+              <a:ext cx="856211" cy="307777"/>
+            </a:xfrm>
+            <a:prstGeom prst="rect">
+              <a:avLst/>
+            </a:prstGeom>
+            <a:noFill/>
+          </p:spPr>
+          <p:txBody>
+            <a:bodyPr wrap="square" rtlCol="0">
+              <a:spAutoFit/>
+            </a:bodyPr>
+            <a:lstStyle/>
+            <a:p>
+              <a:pPr algn="ctr"/>
+              <a:r>
+                <a:rPr lang="en-US" altLang="zh-CN" sz="1400" b="1" dirty="0" smtClean="0"/>
+                <a:t>INPUT</a:t>
+              </a:r>
+              <a:endParaRPr lang="zh-CN" altLang="en-US" sz="1400" b="1" dirty="0"/>
+            </a:p>
+          </p:txBody>
+        </p:sp>
+      </p:grpSp>
+    </p:spTree>
+    <p:extLst>
+      <p:ext uri="{BB962C8B-B14F-4D97-AF65-F5344CB8AC3E}">
+        <p14:creationId xmlns:p14="http://schemas.microsoft.com/office/powerpoint/2010/main" val="3215964279"/>
+      </p:ext>
+    </p:extLst>
+  </p:cSld>
+  <p:clrMapOvr>
+    <a:masterClrMapping/>
+  </p:clrMapOvr>
+</p:sld>
+</file>
+
+<file path=ppt/slides/slide7.xml><?xml version="1.0" encoding="utf-8"?>
+<p:sld xmlns:a="http://schemas.openxmlformats.org/drawingml/2006/main" xmlns:r="http://schemas.openxmlformats.org/officeDocument/2006/relationships" xmlns:p="http://schemas.openxmlformats.org/presentationml/2006/main">
+  <p:cSld>
+    <p:spTree>
+      <p:nvGrpSpPr>
+        <p:cNvPr id="1" name=""/>
+        <p:cNvGrpSpPr/>
+        <p:nvPr/>
+      </p:nvGrpSpPr>
+      <p:grpSpPr>
+        <a:xfrm>
+          <a:off x="0" y="0"/>
+          <a:ext cx="0" cy="0"/>
+          <a:chOff x="0" y="0"/>
+          <a:chExt cx="0" cy="0"/>
+        </a:xfrm>
+      </p:grpSpPr>
+      <p:grpSp>
+        <p:nvGrpSpPr>
+          <p:cNvPr id="16" name="组合 15"/>
+          <p:cNvGrpSpPr/>
+          <p:nvPr/>
+        </p:nvGrpSpPr>
+        <p:grpSpPr>
+          <a:xfrm>
+            <a:off x="1221971" y="831272"/>
+            <a:ext cx="4838008" cy="4591649"/>
+            <a:chOff x="1870364" y="656705"/>
+            <a:chExt cx="4838008" cy="4591649"/>
+          </a:xfrm>
+        </p:grpSpPr>
+        <p:sp>
+          <p:nvSpPr>
+            <p:cNvPr id="3" name="文本框 2"/>
+            <p:cNvSpPr txBox="1"/>
+            <p:nvPr/>
+          </p:nvSpPr>
+          <p:spPr>
+            <a:xfrm>
+              <a:off x="1870364" y="656705"/>
+              <a:ext cx="3557847" cy="769441"/>
+            </a:xfrm>
+            <a:prstGeom prst="rect">
+              <a:avLst/>
+            </a:prstGeom>
+            <a:noFill/>
+          </p:spPr>
+          <p:txBody>
+            <a:bodyPr wrap="square" rtlCol="0">
+              <a:spAutoFit/>
+            </a:bodyPr>
+            <a:lstStyle/>
+            <a:p>
+              <a:pPr algn="ctr"/>
+              <a:r>
+                <a:rPr lang="en-US" altLang="zh-CN" sz="1100" b="1" dirty="0">
+                  <a:solidFill>
+                    <a:srgbClr val="FF0000"/>
+                  </a:solidFill>
+                </a:rPr>
+                <a:t>L</a:t>
+              </a:r>
+              <a:r>
+                <a:rPr lang="en-US" altLang="zh-CN" sz="1100" b="1" dirty="0" smtClean="0">
+                  <a:solidFill>
+                    <a:srgbClr val="FF0000"/>
+                  </a:solidFill>
+                </a:rPr>
+                <a:t>ose </a:t>
+              </a:r>
+              <a:r>
+                <a:rPr lang="en-US" altLang="zh-CN" sz="1100" b="1" dirty="0">
+                  <a:solidFill>
+                    <a:srgbClr val="FF0000"/>
+                  </a:solidFill>
+                </a:rPr>
+                <a:t>yourself in the music' the moment</a:t>
+              </a:r>
+            </a:p>
+            <a:p>
+              <a:pPr algn="ctr"/>
+              <a:r>
+                <a:rPr lang="en-US" altLang="zh-CN" sz="1100" b="1" dirty="0">
+                  <a:solidFill>
+                    <a:srgbClr val="FF0000"/>
+                  </a:solidFill>
+                </a:rPr>
+                <a:t>You own it' you better never let it go</a:t>
+              </a:r>
+            </a:p>
+            <a:p>
+              <a:pPr algn="ctr"/>
+              <a:r>
+                <a:rPr lang="en-US" altLang="zh-CN" sz="1100" b="1" dirty="0" smtClean="0">
+                  <a:solidFill>
+                    <a:srgbClr val="FF0000"/>
+                  </a:solidFill>
+                </a:rPr>
+                <a:t>…</a:t>
+              </a:r>
+              <a:endParaRPr lang="en-US" altLang="zh-CN" sz="1100" b="1" dirty="0">
+                <a:solidFill>
+                  <a:srgbClr val="FF0000"/>
+                </a:solidFill>
+              </a:endParaRPr>
+            </a:p>
+            <a:p>
+              <a:pPr algn="ctr"/>
+              <a:r>
+                <a:rPr lang="en-US" altLang="zh-CN" sz="1100" b="1" dirty="0">
+                  <a:solidFill>
+                    <a:srgbClr val="FF0000"/>
+                  </a:solidFill>
+                </a:rPr>
+                <a:t>It only grows harder' only grows </a:t>
+              </a:r>
+              <a:r>
+                <a:rPr lang="en-US" altLang="zh-CN" sz="1100" b="1" dirty="0" smtClean="0">
+                  <a:solidFill>
+                    <a:srgbClr val="FF0000"/>
+                  </a:solidFill>
+                </a:rPr>
+                <a:t>hotter</a:t>
+              </a:r>
+              <a:endParaRPr lang="en-US" altLang="zh-CN" sz="1100" b="1" dirty="0">
+                <a:solidFill>
+                  <a:srgbClr val="FF0000"/>
+                </a:solidFill>
+              </a:endParaRPr>
+            </a:p>
+          </p:txBody>
+        </p:sp>
+        <p:sp>
+          <p:nvSpPr>
+            <p:cNvPr id="4" name="文本框 3"/>
+            <p:cNvSpPr txBox="1"/>
+            <p:nvPr/>
+          </p:nvSpPr>
+          <p:spPr>
+            <a:xfrm>
+              <a:off x="2132214" y="4309635"/>
+              <a:ext cx="3034145" cy="938719"/>
+            </a:xfrm>
+            <a:prstGeom prst="rect">
+              <a:avLst/>
+            </a:prstGeom>
+            <a:noFill/>
+          </p:spPr>
+          <p:txBody>
+            <a:bodyPr wrap="square" rtlCol="0">
+              <a:spAutoFit/>
+            </a:bodyPr>
+            <a:lstStyle/>
+            <a:p>
+              <a:pPr algn="ctr"/>
+              <a:r>
+                <a:rPr lang="en-US" altLang="zh-CN" sz="1100" b="1" dirty="0" smtClean="0"/>
+                <a:t>…</a:t>
+              </a:r>
+            </a:p>
+            <a:p>
+              <a:pPr algn="ctr"/>
+              <a:r>
+                <a:rPr lang="en-US" altLang="zh-CN" sz="1100" b="1" dirty="0"/>
+                <a:t>And imitation is the greatest form of flattery</a:t>
+              </a:r>
+              <a:endParaRPr lang="en-US" altLang="zh-CN" sz="1100" b="1" dirty="0" smtClean="0"/>
+            </a:p>
+            <a:p>
+              <a:pPr algn="ctr"/>
+              <a:r>
+                <a:rPr lang="en-US" altLang="zh-CN" sz="1100" b="1" dirty="0" smtClean="0">
+                  <a:solidFill>
+                    <a:srgbClr val="FF0000"/>
+                  </a:solidFill>
+                </a:rPr>
+                <a:t>He </a:t>
+              </a:r>
+              <a:r>
+                <a:rPr lang="en-US" altLang="zh-CN" sz="1100" b="1" dirty="0">
+                  <a:solidFill>
+                    <a:srgbClr val="FF0000"/>
+                  </a:solidFill>
+                </a:rPr>
+                <a:t>blows us all over these hoes is all on </a:t>
+              </a:r>
+              <a:r>
+                <a:rPr lang="en-US" altLang="zh-CN" sz="1100" b="1" dirty="0" smtClean="0">
+                  <a:solidFill>
+                    <a:srgbClr val="FF0000"/>
+                  </a:solidFill>
+                </a:rPr>
+                <a:t>him</a:t>
+              </a:r>
+            </a:p>
+            <a:p>
+              <a:pPr algn="ctr"/>
+              <a:r>
+                <a:rPr lang="en-US" altLang="zh-CN" sz="1100" b="1" dirty="0"/>
+                <a:t>There </a:t>
+              </a:r>
+              <a:r>
+                <a:rPr lang="en-US" altLang="zh-CN" sz="1100" b="1" dirty="0" err="1"/>
+                <a:t>ain't</a:t>
+              </a:r>
+              <a:r>
+                <a:rPr lang="en-US" altLang="zh-CN" sz="1100" b="1" dirty="0"/>
+                <a:t> nothing no one can say about it</a:t>
+              </a:r>
+              <a:endParaRPr lang="en-US" altLang="zh-CN" sz="1100" b="1" dirty="0" smtClean="0"/>
+            </a:p>
+            <a:p>
+              <a:pPr algn="ctr"/>
+              <a:r>
+                <a:rPr lang="en-US" altLang="zh-CN" sz="1100" b="1" dirty="0" smtClean="0"/>
+                <a:t>…</a:t>
+              </a:r>
+              <a:endParaRPr lang="en-US" altLang="zh-CN" sz="1100" b="1" dirty="0"/>
+            </a:p>
+          </p:txBody>
+        </p:sp>
+        <p:cxnSp>
+          <p:nvCxnSpPr>
+            <p:cNvPr id="6" name="直接箭头连接符 5"/>
+            <p:cNvCxnSpPr>
+              <a:stCxn id="3" idx="2"/>
+              <a:endCxn id="7" idx="0"/>
+            </p:cNvCxnSpPr>
+            <p:nvPr/>
+          </p:nvCxnSpPr>
+          <p:spPr>
+            <a:xfrm flipH="1">
+              <a:off x="3649287" y="1426146"/>
+              <a:ext cx="1" cy="909730"/>
+            </a:xfrm>
+            <a:prstGeom prst="straightConnector1">
+              <a:avLst/>
+            </a:prstGeom>
+            <a:ln>
+              <a:tailEnd type="triangle"/>
+            </a:ln>
+          </p:spPr>
+          <p:style>
+            <a:lnRef idx="1">
+              <a:schemeClr val="accent1"/>
+            </a:lnRef>
+            <a:fillRef idx="0">
+              <a:schemeClr val="accent1"/>
+            </a:fillRef>
+            <a:effectRef idx="0">
+              <a:schemeClr val="accent1"/>
+            </a:effectRef>
+            <a:fontRef idx="minor">
+              <a:schemeClr val="tx1"/>
+            </a:fontRef>
+          </p:style>
+        </p:cxnSp>
+        <p:sp>
+          <p:nvSpPr>
+            <p:cNvPr id="7" name="矩形 6"/>
+            <p:cNvSpPr/>
+            <p:nvPr/>
+          </p:nvSpPr>
+          <p:spPr>
+            <a:xfrm>
+              <a:off x="2518756" y="2335876"/>
+              <a:ext cx="2261062" cy="1064029"/>
+            </a:xfrm>
+            <a:prstGeom prst="rect">
+              <a:avLst/>
+            </a:prstGeom>
+          </p:spPr>
+          <p:style>
+            <a:lnRef idx="2">
+              <a:schemeClr val="accent1">
+                <a:shade val="50000"/>
+              </a:schemeClr>
+            </a:lnRef>
+            <a:fillRef idx="1">
+              <a:schemeClr val="accent1"/>
+            </a:fillRef>
+            <a:effectRef idx="0">
+              <a:schemeClr val="accent1"/>
+            </a:effectRef>
+            <a:fontRef idx="minor">
+              <a:schemeClr val="lt1"/>
+            </a:fontRef>
+          </p:style>
+          <p:txBody>
+            <a:bodyPr rtlCol="0" anchor="ctr"/>
+            <a:lstStyle/>
+            <a:p>
+              <a:pPr algn="ctr"/>
+              <a:r>
+                <a:rPr lang="en-US" altLang="zh-CN" dirty="0" smtClean="0"/>
+                <a:t>Model</a:t>
+              </a:r>
+              <a:endParaRPr lang="zh-CN" altLang="en-US" dirty="0"/>
+            </a:p>
+          </p:txBody>
+        </p:sp>
+        <p:cxnSp>
+          <p:nvCxnSpPr>
+            <p:cNvPr id="10" name="肘形连接符 9"/>
+            <p:cNvCxnSpPr>
+              <a:stCxn id="7" idx="2"/>
+              <a:endCxn id="12" idx="1"/>
+            </p:cNvCxnSpPr>
+            <p:nvPr/>
+          </p:nvCxnSpPr>
+          <p:spPr>
+            <a:xfrm rot="5400000">
+              <a:off x="2196638" y="3335482"/>
+              <a:ext cx="1388226" cy="1517073"/>
+            </a:xfrm>
+            <a:prstGeom prst="bentConnector4">
+              <a:avLst>
+                <a:gd name="adj1" fmla="val 46407"/>
+                <a:gd name="adj2" fmla="val 115068"/>
+              </a:avLst>
+            </a:prstGeom>
+            <a:ln>
+              <a:tailEnd type="triangle"/>
+            </a:ln>
+          </p:spPr>
+          <p:style>
+            <a:lnRef idx="1">
+              <a:schemeClr val="accent1"/>
+            </a:lnRef>
+            <a:fillRef idx="0">
+              <a:schemeClr val="accent1"/>
+            </a:fillRef>
+            <a:effectRef idx="0">
+              <a:schemeClr val="accent1"/>
+            </a:effectRef>
+            <a:fontRef idx="minor">
+              <a:schemeClr val="tx1"/>
+            </a:fontRef>
+          </p:style>
+        </p:cxnSp>
+        <p:sp>
+          <p:nvSpPr>
+            <p:cNvPr id="12" name="矩形 11"/>
+            <p:cNvSpPr/>
+            <p:nvPr/>
+          </p:nvSpPr>
+          <p:spPr>
+            <a:xfrm>
+              <a:off x="2132214" y="4688378"/>
+              <a:ext cx="3034145" cy="199506"/>
+            </a:xfrm>
+            <a:prstGeom prst="rect">
+              <a:avLst/>
+            </a:prstGeom>
+            <a:noFill/>
+          </p:spPr>
+          <p:style>
+            <a:lnRef idx="2">
+              <a:schemeClr val="accent1">
+                <a:shade val="50000"/>
+              </a:schemeClr>
+            </a:lnRef>
+            <a:fillRef idx="1">
+              <a:schemeClr val="accent1"/>
+            </a:fillRef>
+            <a:effectRef idx="0">
+              <a:schemeClr val="accent1"/>
+            </a:effectRef>
+            <a:fontRef idx="minor">
+              <a:schemeClr val="lt1"/>
+            </a:fontRef>
+          </p:style>
+          <p:txBody>
+            <a:bodyPr rtlCol="0" anchor="ctr"/>
+            <a:lstStyle/>
+            <a:p>
+              <a:pPr algn="ctr"/>
+              <a:endParaRPr lang="zh-CN" altLang="en-US"/>
+            </a:p>
+          </p:txBody>
+        </p:sp>
+        <p:sp>
+          <p:nvSpPr>
+            <p:cNvPr id="14" name="文本框 13"/>
+            <p:cNvSpPr txBox="1"/>
+            <p:nvPr/>
+          </p:nvSpPr>
+          <p:spPr>
+            <a:xfrm>
+              <a:off x="5428212" y="781396"/>
+              <a:ext cx="1280160" cy="369332"/>
+            </a:xfrm>
+            <a:prstGeom prst="rect">
+              <a:avLst/>
+            </a:prstGeom>
+            <a:noFill/>
+          </p:spPr>
+          <p:txBody>
+            <a:bodyPr wrap="square" rtlCol="0">
+              <a:spAutoFit/>
+            </a:bodyPr>
+            <a:lstStyle/>
+            <a:p>
+              <a:pPr algn="ctr"/>
+              <a:r>
+                <a:rPr lang="zh-CN" altLang="en-US" dirty="0" smtClean="0"/>
+                <a:t>输入文本</a:t>
+              </a:r>
+              <a:endParaRPr lang="zh-CN" altLang="en-US" dirty="0"/>
+            </a:p>
+          </p:txBody>
+        </p:sp>
+        <p:sp>
+          <p:nvSpPr>
+            <p:cNvPr id="15" name="文本框 14"/>
+            <p:cNvSpPr txBox="1"/>
+            <p:nvPr/>
+          </p:nvSpPr>
+          <p:spPr>
+            <a:xfrm>
+              <a:off x="5428212" y="4603465"/>
+              <a:ext cx="1280160" cy="369332"/>
+            </a:xfrm>
+            <a:prstGeom prst="rect">
+              <a:avLst/>
+            </a:prstGeom>
+            <a:noFill/>
+          </p:spPr>
+          <p:txBody>
+            <a:bodyPr wrap="square" rtlCol="0">
+              <a:spAutoFit/>
+            </a:bodyPr>
+            <a:lstStyle/>
+            <a:p>
+              <a:pPr algn="ctr"/>
+              <a:r>
+                <a:rPr lang="zh-CN" altLang="en-US" dirty="0" smtClean="0"/>
+                <a:t>候选集</a:t>
+              </a:r>
+              <a:endParaRPr lang="zh-CN" altLang="en-US" dirty="0"/>
+            </a:p>
+          </p:txBody>
+        </p:sp>
+      </p:grpSp>
+      <p:pic>
+        <p:nvPicPr>
+          <p:cNvPr id="17" name="图片 16"/>
+          <p:cNvPicPr>
+            <a:picLocks noChangeAspect="1"/>
+          </p:cNvPicPr>
+          <p:nvPr/>
+        </p:nvPicPr>
+        <p:blipFill>
+          <a:blip r:embed="rId2"/>
+          <a:stretch>
+            <a:fillRect/>
+          </a:stretch>
+        </p:blipFill>
+        <p:spPr>
+          <a:xfrm>
+            <a:off x="6558741" y="831272"/>
+            <a:ext cx="4834547" cy="4627265"/>
+          </a:xfrm>
+          <a:prstGeom prst="rect">
+            <a:avLst/>
+          </a:prstGeom>
+        </p:spPr>
+      </p:pic>
+    </p:spTree>
+    <p:extLst>
+      <p:ext uri="{BB962C8B-B14F-4D97-AF65-F5344CB8AC3E}">
+        <p14:creationId xmlns:p14="http://schemas.microsoft.com/office/powerpoint/2010/main" val="2879107275"/>
+      </p:ext>
+    </p:extLst>
+  </p:cSld>
+  <p:clrMapOvr>
+    <a:masterClrMapping/>
+  </p:clrMapOvr>
+</p:sld>
+</file>
+
+<file path=ppt/slides/slide8.xml><?xml version="1.0" encoding="utf-8"?>
+<p:sld xmlns:a="http://schemas.openxmlformats.org/drawingml/2006/main" xmlns:r="http://schemas.openxmlformats.org/officeDocument/2006/relationships" xmlns:p="http://schemas.openxmlformats.org/presentationml/2006/main">
+  <p:cSld>
+    <p:spTree>
+      <p:nvGrpSpPr>
+        <p:cNvPr id="1" name=""/>
+        <p:cNvGrpSpPr/>
+        <p:nvPr/>
+      </p:nvGrpSpPr>
+      <p:grpSpPr>
+        <a:xfrm>
+          <a:off x="0" y="0"/>
+          <a:ext cx="0" cy="0"/>
+          <a:chOff x="0" y="0"/>
+          <a:chExt cx="0" cy="0"/>
+        </a:xfrm>
+      </p:grpSpPr>
+      <p:pic>
+        <p:nvPicPr>
+          <p:cNvPr id="2" name="图片 1"/>
+          <p:cNvPicPr>
+            <a:picLocks noChangeAspect="1"/>
+          </p:cNvPicPr>
+          <p:nvPr/>
+        </p:nvPicPr>
+        <p:blipFill>
+          <a:blip r:embed="rId2">
+            <a:extLst>
+              <a:ext uri="{28A0092B-C50C-407E-A947-70E740481C1C}">
+                <a14:useLocalDpi xmlns:a14="http://schemas.microsoft.com/office/drawing/2010/main" val="0"/>
+              </a:ext>
+            </a:extLst>
+          </a:blip>
+          <a:stretch>
+            <a:fillRect/>
+          </a:stretch>
+        </p:blipFill>
+        <p:spPr>
+          <a:xfrm>
+            <a:off x="2456942" y="1323681"/>
+            <a:ext cx="7278116" cy="4210638"/>
+          </a:xfrm>
+          <a:prstGeom prst="rect">
+            <a:avLst/>
+          </a:prstGeom>
+        </p:spPr>
+      </p:pic>
+      <p:sp>
+        <p:nvSpPr>
+          <p:cNvPr id="3" name="任意多边形 2"/>
+          <p:cNvSpPr/>
+          <p:nvPr/>
+        </p:nvSpPr>
+        <p:spPr>
+          <a:xfrm>
+            <a:off x="1645920" y="224444"/>
+            <a:ext cx="4389120" cy="3391592"/>
+          </a:xfrm>
+          <a:custGeom>
+            <a:avLst/>
+            <a:gdLst>
+              <a:gd name="connsiteX0" fmla="*/ 806335 w 4389120"/>
+              <a:gd name="connsiteY0" fmla="*/ 3433156 h 3433156"/>
+              <a:gd name="connsiteX1" fmla="*/ 806335 w 4389120"/>
+              <a:gd name="connsiteY1" fmla="*/ 3433156 h 3433156"/>
+              <a:gd name="connsiteX2" fmla="*/ 955964 w 4389120"/>
+              <a:gd name="connsiteY2" fmla="*/ 3424843 h 3433156"/>
+              <a:gd name="connsiteX3" fmla="*/ 989215 w 4389120"/>
+              <a:gd name="connsiteY3" fmla="*/ 3416531 h 3433156"/>
+              <a:gd name="connsiteX4" fmla="*/ 1047404 w 4389120"/>
+              <a:gd name="connsiteY4" fmla="*/ 3408218 h 3433156"/>
+              <a:gd name="connsiteX5" fmla="*/ 1172095 w 4389120"/>
+              <a:gd name="connsiteY5" fmla="*/ 3399905 h 3433156"/>
+              <a:gd name="connsiteX6" fmla="*/ 1271847 w 4389120"/>
+              <a:gd name="connsiteY6" fmla="*/ 3391592 h 3433156"/>
+              <a:gd name="connsiteX7" fmla="*/ 1346662 w 4389120"/>
+              <a:gd name="connsiteY7" fmla="*/ 3366654 h 3433156"/>
+              <a:gd name="connsiteX8" fmla="*/ 1371600 w 4389120"/>
+              <a:gd name="connsiteY8" fmla="*/ 3358341 h 3433156"/>
+              <a:gd name="connsiteX9" fmla="*/ 1388225 w 4389120"/>
+              <a:gd name="connsiteY9" fmla="*/ 3333403 h 3433156"/>
+              <a:gd name="connsiteX10" fmla="*/ 1438102 w 4389120"/>
+              <a:gd name="connsiteY10" fmla="*/ 3283527 h 3433156"/>
+              <a:gd name="connsiteX11" fmla="*/ 1463040 w 4389120"/>
+              <a:gd name="connsiteY11" fmla="*/ 3258589 h 3433156"/>
+              <a:gd name="connsiteX12" fmla="*/ 1479665 w 4389120"/>
+              <a:gd name="connsiteY12" fmla="*/ 3233651 h 3433156"/>
+              <a:gd name="connsiteX13" fmla="*/ 1529542 w 4389120"/>
+              <a:gd name="connsiteY13" fmla="*/ 3183774 h 3433156"/>
+              <a:gd name="connsiteX14" fmla="*/ 1562793 w 4389120"/>
+              <a:gd name="connsiteY14" fmla="*/ 3142211 h 3433156"/>
+              <a:gd name="connsiteX15" fmla="*/ 1579418 w 4389120"/>
+              <a:gd name="connsiteY15" fmla="*/ 3117272 h 3433156"/>
+              <a:gd name="connsiteX16" fmla="*/ 1596044 w 4389120"/>
+              <a:gd name="connsiteY16" fmla="*/ 3100647 h 3433156"/>
+              <a:gd name="connsiteX17" fmla="*/ 1620982 w 4389120"/>
+              <a:gd name="connsiteY17" fmla="*/ 3050771 h 3433156"/>
+              <a:gd name="connsiteX18" fmla="*/ 1637607 w 4389120"/>
+              <a:gd name="connsiteY18" fmla="*/ 3034145 h 3433156"/>
+              <a:gd name="connsiteX19" fmla="*/ 1662545 w 4389120"/>
+              <a:gd name="connsiteY19" fmla="*/ 2992581 h 3433156"/>
+              <a:gd name="connsiteX20" fmla="*/ 1679171 w 4389120"/>
+              <a:gd name="connsiteY20" fmla="*/ 2967643 h 3433156"/>
+              <a:gd name="connsiteX21" fmla="*/ 1753985 w 4389120"/>
+              <a:gd name="connsiteY21" fmla="*/ 2901141 h 3433156"/>
+              <a:gd name="connsiteX22" fmla="*/ 1787236 w 4389120"/>
+              <a:gd name="connsiteY22" fmla="*/ 2851265 h 3433156"/>
+              <a:gd name="connsiteX23" fmla="*/ 1803862 w 4389120"/>
+              <a:gd name="connsiteY23" fmla="*/ 2826327 h 3433156"/>
+              <a:gd name="connsiteX24" fmla="*/ 1845425 w 4389120"/>
+              <a:gd name="connsiteY24" fmla="*/ 2784763 h 3433156"/>
+              <a:gd name="connsiteX25" fmla="*/ 1862051 w 4389120"/>
+              <a:gd name="connsiteY25" fmla="*/ 2759825 h 3433156"/>
+              <a:gd name="connsiteX26" fmla="*/ 1928553 w 4389120"/>
+              <a:gd name="connsiteY26" fmla="*/ 2693323 h 3433156"/>
+              <a:gd name="connsiteX27" fmla="*/ 1953491 w 4389120"/>
+              <a:gd name="connsiteY27" fmla="*/ 2668385 h 3433156"/>
+              <a:gd name="connsiteX28" fmla="*/ 1978429 w 4389120"/>
+              <a:gd name="connsiteY28" fmla="*/ 2635134 h 3433156"/>
+              <a:gd name="connsiteX29" fmla="*/ 2003367 w 4389120"/>
+              <a:gd name="connsiteY29" fmla="*/ 2610196 h 3433156"/>
+              <a:gd name="connsiteX30" fmla="*/ 2019993 w 4389120"/>
+              <a:gd name="connsiteY30" fmla="*/ 2585258 h 3433156"/>
+              <a:gd name="connsiteX31" fmla="*/ 2044931 w 4389120"/>
+              <a:gd name="connsiteY31" fmla="*/ 2552007 h 3433156"/>
+              <a:gd name="connsiteX32" fmla="*/ 2061556 w 4389120"/>
+              <a:gd name="connsiteY32" fmla="*/ 2527069 h 3433156"/>
+              <a:gd name="connsiteX33" fmla="*/ 2078182 w 4389120"/>
+              <a:gd name="connsiteY33" fmla="*/ 2510443 h 3433156"/>
+              <a:gd name="connsiteX34" fmla="*/ 2103120 w 4389120"/>
+              <a:gd name="connsiteY34" fmla="*/ 2460567 h 3433156"/>
+              <a:gd name="connsiteX35" fmla="*/ 2128058 w 4389120"/>
+              <a:gd name="connsiteY35" fmla="*/ 2435629 h 3433156"/>
+              <a:gd name="connsiteX36" fmla="*/ 2144684 w 4389120"/>
+              <a:gd name="connsiteY36" fmla="*/ 2402378 h 3433156"/>
+              <a:gd name="connsiteX37" fmla="*/ 2169622 w 4389120"/>
+              <a:gd name="connsiteY37" fmla="*/ 2369127 h 3433156"/>
+              <a:gd name="connsiteX38" fmla="*/ 2202873 w 4389120"/>
+              <a:gd name="connsiteY38" fmla="*/ 2319251 h 3433156"/>
+              <a:gd name="connsiteX39" fmla="*/ 2211185 w 4389120"/>
+              <a:gd name="connsiteY39" fmla="*/ 2294312 h 3433156"/>
+              <a:gd name="connsiteX40" fmla="*/ 2244436 w 4389120"/>
+              <a:gd name="connsiteY40" fmla="*/ 2244436 h 3433156"/>
+              <a:gd name="connsiteX41" fmla="*/ 2286000 w 4389120"/>
+              <a:gd name="connsiteY41" fmla="*/ 2169621 h 3433156"/>
+              <a:gd name="connsiteX42" fmla="*/ 2327564 w 4389120"/>
+              <a:gd name="connsiteY42" fmla="*/ 2119745 h 3433156"/>
+              <a:gd name="connsiteX43" fmla="*/ 2369127 w 4389120"/>
+              <a:gd name="connsiteY43" fmla="*/ 2086494 h 3433156"/>
+              <a:gd name="connsiteX44" fmla="*/ 2385753 w 4389120"/>
+              <a:gd name="connsiteY44" fmla="*/ 2061556 h 3433156"/>
+              <a:gd name="connsiteX45" fmla="*/ 2427316 w 4389120"/>
+              <a:gd name="connsiteY45" fmla="*/ 2019992 h 3433156"/>
+              <a:gd name="connsiteX46" fmla="*/ 2468880 w 4389120"/>
+              <a:gd name="connsiteY46" fmla="*/ 1961803 h 3433156"/>
+              <a:gd name="connsiteX47" fmla="*/ 2477193 w 4389120"/>
+              <a:gd name="connsiteY47" fmla="*/ 1936865 h 3433156"/>
+              <a:gd name="connsiteX48" fmla="*/ 2493818 w 4389120"/>
+              <a:gd name="connsiteY48" fmla="*/ 1911927 h 3433156"/>
+              <a:gd name="connsiteX49" fmla="*/ 2510444 w 4389120"/>
+              <a:gd name="connsiteY49" fmla="*/ 1853738 h 3433156"/>
+              <a:gd name="connsiteX50" fmla="*/ 2518756 w 4389120"/>
+              <a:gd name="connsiteY50" fmla="*/ 1762298 h 3433156"/>
+              <a:gd name="connsiteX51" fmla="*/ 2535382 w 4389120"/>
+              <a:gd name="connsiteY51" fmla="*/ 1579418 h 3433156"/>
+              <a:gd name="connsiteX52" fmla="*/ 2543695 w 4389120"/>
+              <a:gd name="connsiteY52" fmla="*/ 1554480 h 3433156"/>
+              <a:gd name="connsiteX53" fmla="*/ 2576945 w 4389120"/>
+              <a:gd name="connsiteY53" fmla="*/ 1496291 h 3433156"/>
+              <a:gd name="connsiteX54" fmla="*/ 2593571 w 4389120"/>
+              <a:gd name="connsiteY54" fmla="*/ 1479665 h 3433156"/>
+              <a:gd name="connsiteX55" fmla="*/ 2601884 w 4389120"/>
+              <a:gd name="connsiteY55" fmla="*/ 1454727 h 3433156"/>
+              <a:gd name="connsiteX56" fmla="*/ 2651760 w 4389120"/>
+              <a:gd name="connsiteY56" fmla="*/ 1388225 h 3433156"/>
+              <a:gd name="connsiteX57" fmla="*/ 2726575 w 4389120"/>
+              <a:gd name="connsiteY57" fmla="*/ 1313411 h 3433156"/>
+              <a:gd name="connsiteX58" fmla="*/ 2768138 w 4389120"/>
+              <a:gd name="connsiteY58" fmla="*/ 1271847 h 3433156"/>
+              <a:gd name="connsiteX59" fmla="*/ 2818015 w 4389120"/>
+              <a:gd name="connsiteY59" fmla="*/ 1255221 h 3433156"/>
+              <a:gd name="connsiteX60" fmla="*/ 2867891 w 4389120"/>
+              <a:gd name="connsiteY60" fmla="*/ 1221971 h 3433156"/>
+              <a:gd name="connsiteX61" fmla="*/ 2884516 w 4389120"/>
+              <a:gd name="connsiteY61" fmla="*/ 1197032 h 3433156"/>
+              <a:gd name="connsiteX62" fmla="*/ 2892829 w 4389120"/>
+              <a:gd name="connsiteY62" fmla="*/ 1072341 h 3433156"/>
+              <a:gd name="connsiteX63" fmla="*/ 3250276 w 4389120"/>
+              <a:gd name="connsiteY63" fmla="*/ 631767 h 3433156"/>
+              <a:gd name="connsiteX64" fmla="*/ 4389120 w 4389120"/>
+              <a:gd name="connsiteY64" fmla="*/ 340821 h 3433156"/>
+              <a:gd name="connsiteX65" fmla="*/ 2851265 w 4389120"/>
+              <a:gd name="connsiteY65" fmla="*/ 0 h 3433156"/>
+              <a:gd name="connsiteX66" fmla="*/ 0 w 4389120"/>
+              <a:gd name="connsiteY66" fmla="*/ 1030778 h 3433156"/>
+              <a:gd name="connsiteX67" fmla="*/ 806335 w 4389120"/>
+              <a:gd name="connsiteY67" fmla="*/ 3433156 h 3433156"/>
+            </a:gdLst>
+            <a:ahLst/>
+            <a:cxnLst>
+              <a:cxn ang="0">
+                <a:pos x="connsiteX0" y="connsiteY0"/>
+              </a:cxn>
+              <a:cxn ang="0">
+                <a:pos x="connsiteX1" y="connsiteY1"/>
+              </a:cxn>
+              <a:cxn ang="0">
+                <a:pos x="connsiteX2" y="connsiteY2"/>
+              </a:cxn>
+              <a:cxn ang="0">
+                <a:pos x="connsiteX3" y="connsiteY3"/>
+              </a:cxn>
+              <a:cxn ang="0">
+                <a:pos x="connsiteX4" y="connsiteY4"/>
+              </a:cxn>
+              <a:cxn ang="0">
+                <a:pos x="connsiteX5" y="connsiteY5"/>
+              </a:cxn>
+              <a:cxn ang="0">
+                <a:pos x="connsiteX6" y="connsiteY6"/>
+              </a:cxn>
+              <a:cxn ang="0">
+                <a:pos x="connsiteX7" y="connsiteY7"/>
+              </a:cxn>
+              <a:cxn ang="0">
+                <a:pos x="connsiteX8" y="connsiteY8"/>
+              </a:cxn>
+              <a:cxn ang="0">
+                <a:pos x="connsiteX9" y="connsiteY9"/>
+              </a:cxn>
+              <a:cxn ang="0">
+                <a:pos x="connsiteX10" y="connsiteY10"/>
+              </a:cxn>
+              <a:cxn ang="0">
+                <a:pos x="connsiteX11" y="connsiteY11"/>
+              </a:cxn>
+              <a:cxn ang="0">
+                <a:pos x="connsiteX12" y="connsiteY12"/>
+              </a:cxn>
+              <a:cxn ang="0">
+                <a:pos x="connsiteX13" y="connsiteY13"/>
+              </a:cxn>
+              <a:cxn ang="0">
+                <a:pos x="connsiteX14" y="connsiteY14"/>
+              </a:cxn>
+              <a:cxn ang="0">
+                <a:pos x="connsiteX15" y="connsiteY15"/>
+              </a:cxn>
+              <a:cxn ang="0">
+                <a:pos x="connsiteX16" y="connsiteY16"/>
+              </a:cxn>
+              <a:cxn ang="0">
+                <a:pos x="connsiteX17" y="connsiteY17"/>
+              </a:cxn>
+              <a:cxn ang="0">
+                <a:pos x="connsiteX18" y="connsiteY18"/>
+              </a:cxn>
+              <a:cxn ang="0">
+                <a:pos x="connsiteX19" y="connsiteY19"/>
+              </a:cxn>
+              <a:cxn ang="0">
+                <a:pos x="connsiteX20" y="connsiteY20"/>
+              </a:cxn>
+              <a:cxn ang="0">
+                <a:pos x="connsiteX21" y="connsiteY21"/>
+              </a:cxn>
+              <a:cxn ang="0">
+                <a:pos x="connsiteX22" y="connsiteY22"/>
+              </a:cxn>
+              <a:cxn ang="0">
+                <a:pos x="connsiteX23" y="connsiteY23"/>
+              </a:cxn>
+              <a:cxn ang="0">
+                <a:pos x="connsiteX24" y="connsiteY24"/>
+              </a:cxn>
+              <a:cxn ang="0">
+                <a:pos x="connsiteX25" y="connsiteY25"/>
+              </a:cxn>
+              <a:cxn ang="0">
+                <a:pos x="connsiteX26" y="connsiteY26"/>
+              </a:cxn>
+              <a:cxn ang="0">
+                <a:pos x="connsiteX27" y="connsiteY27"/>
+              </a:cxn>
+              <a:cxn ang="0">
+                <a:pos x="connsiteX28" y="connsiteY28"/>
+              </a:cxn>
+              <a:cxn ang="0">
+                <a:pos x="connsiteX29" y="connsiteY29"/>
+              </a:cxn>
+              <a:cxn ang="0">
+                <a:pos x="connsiteX30" y="connsiteY30"/>
+              </a:cxn>
+              <a:cxn ang="0">
+                <a:pos x="connsiteX31" y="connsiteY31"/>
+              </a:cxn>
+              <a:cxn ang="0">
+                <a:pos x="connsiteX32" y="connsiteY32"/>
+              </a:cxn>
+              <a:cxn ang="0">
+                <a:pos x="connsiteX33" y="connsiteY33"/>
+              </a:cxn>
+              <a:cxn ang="0">
+                <a:pos x="connsiteX34" y="connsiteY34"/>
+              </a:cxn>
+              <a:cxn ang="0">
+                <a:pos x="connsiteX35" y="connsiteY35"/>
+              </a:cxn>
+              <a:cxn ang="0">
+                <a:pos x="connsiteX36" y="connsiteY36"/>
+              </a:cxn>
+              <a:cxn ang="0">
+                <a:pos x="connsiteX37" y="connsiteY37"/>
+              </a:cxn>
+              <a:cxn ang="0">
+                <a:pos x="connsiteX38" y="connsiteY38"/>
+              </a:cxn>
+              <a:cxn ang="0">
+                <a:pos x="connsiteX39" y="connsiteY39"/>
+              </a:cxn>
+              <a:cxn ang="0">
+                <a:pos x="connsiteX40" y="connsiteY40"/>
+              </a:cxn>
+              <a:cxn ang="0">
+                <a:pos x="connsiteX41" y="connsiteY41"/>
+              </a:cxn>
+              <a:cxn ang="0">
+                <a:pos x="connsiteX42" y="connsiteY42"/>
+              </a:cxn>
+              <a:cxn ang="0">
+                <a:pos x="connsiteX43" y="connsiteY43"/>
+              </a:cxn>
+              <a:cxn ang="0">
+                <a:pos x="connsiteX44" y="connsiteY44"/>
+              </a:cxn>
+              <a:cxn ang="0">
+                <a:pos x="connsiteX45" y="connsiteY45"/>
+              </a:cxn>
+              <a:cxn ang="0">
+                <a:pos x="connsiteX46" y="connsiteY46"/>
+              </a:cxn>
+              <a:cxn ang="0">
+                <a:pos x="connsiteX47" y="connsiteY47"/>
+              </a:cxn>
+              <a:cxn ang="0">
+                <a:pos x="connsiteX48" y="connsiteY48"/>
+              </a:cxn>
+              <a:cxn ang="0">
+                <a:pos x="connsiteX49" y="connsiteY49"/>
+              </a:cxn>
+              <a:cxn ang="0">
+                <a:pos x="connsiteX50" y="connsiteY50"/>
+              </a:cxn>
+              <a:cxn ang="0">
+                <a:pos x="connsiteX51" y="connsiteY51"/>
+              </a:cxn>
+              <a:cxn ang="0">
+                <a:pos x="connsiteX52" y="connsiteY52"/>
+              </a:cxn>
+              <a:cxn ang="0">
+                <a:pos x="connsiteX53" y="connsiteY53"/>
+              </a:cxn>
+              <a:cxn ang="0">
+                <a:pos x="connsiteX54" y="connsiteY54"/>
+              </a:cxn>
+              <a:cxn ang="0">
+                <a:pos x="connsiteX55" y="connsiteY55"/>
+              </a:cxn>
+              <a:cxn ang="0">
+                <a:pos x="connsiteX56" y="connsiteY56"/>
+              </a:cxn>
+              <a:cxn ang="0">
+                <a:pos x="connsiteX57" y="connsiteY57"/>
+              </a:cxn>
+              <a:cxn ang="0">
+                <a:pos x="connsiteX58" y="connsiteY58"/>
+              </a:cxn>
+              <a:cxn ang="0">
+                <a:pos x="connsiteX59" y="connsiteY59"/>
+              </a:cxn>
+              <a:cxn ang="0">
+                <a:pos x="connsiteX60" y="connsiteY60"/>
+              </a:cxn>
+              <a:cxn ang="0">
+                <a:pos x="connsiteX61" y="connsiteY61"/>
+              </a:cxn>
+              <a:cxn ang="0">
+                <a:pos x="connsiteX62" y="connsiteY62"/>
+              </a:cxn>
+              <a:cxn ang="0">
+                <a:pos x="connsiteX63" y="connsiteY63"/>
+              </a:cxn>
+              <a:cxn ang="0">
+                <a:pos x="connsiteX64" y="connsiteY64"/>
+              </a:cxn>
+              <a:cxn ang="0">
+                <a:pos x="connsiteX65" y="connsiteY65"/>
+              </a:cxn>
+              <a:cxn ang="0">
+                <a:pos x="connsiteX66" y="connsiteY66"/>
+              </a:cxn>
+              <a:cxn ang="0">
+                <a:pos x="connsiteX67" y="connsiteY67"/>
+              </a:cxn>
+            </a:cxnLst>
+            <a:rect l="l" t="t" r="r" b="b"/>
+            <a:pathLst>
+              <a:path w="4389120" h="3433156">
+                <a:moveTo>
+                  <a:pt x="806335" y="3433156"/>
+                </a:moveTo>
+                <a:lnTo>
+                  <a:pt x="806335" y="3433156"/>
+                </a:lnTo>
+                <a:cubicBezTo>
+                  <a:pt x="856211" y="3430385"/>
+                  <a:pt x="906216" y="3429365"/>
+                  <a:pt x="955964" y="3424843"/>
+                </a:cubicBezTo>
+                <a:cubicBezTo>
+                  <a:pt x="967342" y="3423809"/>
+                  <a:pt x="977975" y="3418575"/>
+                  <a:pt x="989215" y="3416531"/>
+                </a:cubicBezTo>
+                <a:cubicBezTo>
+                  <a:pt x="1008492" y="3413026"/>
+                  <a:pt x="1027891" y="3409992"/>
+                  <a:pt x="1047404" y="3408218"/>
+                </a:cubicBezTo>
+                <a:cubicBezTo>
+                  <a:pt x="1088889" y="3404447"/>
+                  <a:pt x="1130553" y="3402982"/>
+                  <a:pt x="1172095" y="3399905"/>
+                </a:cubicBezTo>
+                <a:lnTo>
+                  <a:pt x="1271847" y="3391592"/>
+                </a:lnTo>
+                <a:lnTo>
+                  <a:pt x="1346662" y="3366654"/>
+                </a:lnTo>
+                <a:lnTo>
+                  <a:pt x="1371600" y="3358341"/>
+                </a:lnTo>
+                <a:cubicBezTo>
+                  <a:pt x="1377142" y="3350028"/>
+                  <a:pt x="1381723" y="3340988"/>
+                  <a:pt x="1388225" y="3333403"/>
+                </a:cubicBezTo>
+                <a:cubicBezTo>
+                  <a:pt x="1388243" y="3333382"/>
+                  <a:pt x="1429780" y="3291849"/>
+                  <a:pt x="1438102" y="3283527"/>
+                </a:cubicBezTo>
+                <a:cubicBezTo>
+                  <a:pt x="1446415" y="3275214"/>
+                  <a:pt x="1456519" y="3268371"/>
+                  <a:pt x="1463040" y="3258589"/>
+                </a:cubicBezTo>
+                <a:cubicBezTo>
+                  <a:pt x="1468582" y="3250276"/>
+                  <a:pt x="1473028" y="3241118"/>
+                  <a:pt x="1479665" y="3233651"/>
+                </a:cubicBezTo>
+                <a:cubicBezTo>
+                  <a:pt x="1495286" y="3216078"/>
+                  <a:pt x="1516500" y="3203337"/>
+                  <a:pt x="1529542" y="3183774"/>
+                </a:cubicBezTo>
+                <a:cubicBezTo>
+                  <a:pt x="1580719" y="3107007"/>
+                  <a:pt x="1515408" y="3201443"/>
+                  <a:pt x="1562793" y="3142211"/>
+                </a:cubicBezTo>
+                <a:cubicBezTo>
+                  <a:pt x="1569034" y="3134409"/>
+                  <a:pt x="1573177" y="3125074"/>
+                  <a:pt x="1579418" y="3117272"/>
+                </a:cubicBezTo>
+                <a:cubicBezTo>
+                  <a:pt x="1584314" y="3111152"/>
+                  <a:pt x="1591148" y="3106767"/>
+                  <a:pt x="1596044" y="3100647"/>
+                </a:cubicBezTo>
+                <a:cubicBezTo>
+                  <a:pt x="1646485" y="3037597"/>
+                  <a:pt x="1584114" y="3112219"/>
+                  <a:pt x="1620982" y="3050771"/>
+                </a:cubicBezTo>
+                <a:cubicBezTo>
+                  <a:pt x="1625014" y="3044051"/>
+                  <a:pt x="1633052" y="3040523"/>
+                  <a:pt x="1637607" y="3034145"/>
+                </a:cubicBezTo>
+                <a:cubicBezTo>
+                  <a:pt x="1646998" y="3020997"/>
+                  <a:pt x="1653982" y="3006282"/>
+                  <a:pt x="1662545" y="2992581"/>
+                </a:cubicBezTo>
+                <a:cubicBezTo>
+                  <a:pt x="1667840" y="2984109"/>
+                  <a:pt x="1672106" y="2974707"/>
+                  <a:pt x="1679171" y="2967643"/>
+                </a:cubicBezTo>
+                <a:cubicBezTo>
+                  <a:pt x="1716244" y="2930570"/>
+                  <a:pt x="1719387" y="2953038"/>
+                  <a:pt x="1753985" y="2901141"/>
+                </a:cubicBezTo>
+                <a:lnTo>
+                  <a:pt x="1787236" y="2851265"/>
+                </a:lnTo>
+                <a:cubicBezTo>
+                  <a:pt x="1792778" y="2842952"/>
+                  <a:pt x="1796798" y="2833392"/>
+                  <a:pt x="1803862" y="2826327"/>
+                </a:cubicBezTo>
+                <a:cubicBezTo>
+                  <a:pt x="1817716" y="2812472"/>
+                  <a:pt x="1834556" y="2801065"/>
+                  <a:pt x="1845425" y="2784763"/>
+                </a:cubicBezTo>
+                <a:cubicBezTo>
+                  <a:pt x="1850967" y="2776450"/>
+                  <a:pt x="1855472" y="2767344"/>
+                  <a:pt x="1862051" y="2759825"/>
+                </a:cubicBezTo>
+                <a:lnTo>
+                  <a:pt x="1928553" y="2693323"/>
+                </a:lnTo>
+                <a:cubicBezTo>
+                  <a:pt x="1936866" y="2685010"/>
+                  <a:pt x="1946438" y="2677790"/>
+                  <a:pt x="1953491" y="2668385"/>
+                </a:cubicBezTo>
+                <a:cubicBezTo>
+                  <a:pt x="1961804" y="2657301"/>
+                  <a:pt x="1969413" y="2645653"/>
+                  <a:pt x="1978429" y="2635134"/>
+                </a:cubicBezTo>
+                <a:cubicBezTo>
+                  <a:pt x="1986080" y="2626208"/>
+                  <a:pt x="1995841" y="2619227"/>
+                  <a:pt x="2003367" y="2610196"/>
+                </a:cubicBezTo>
+                <a:cubicBezTo>
+                  <a:pt x="2009763" y="2602521"/>
+                  <a:pt x="2014186" y="2593388"/>
+                  <a:pt x="2019993" y="2585258"/>
+                </a:cubicBezTo>
+                <a:cubicBezTo>
+                  <a:pt x="2028046" y="2573984"/>
+                  <a:pt x="2036878" y="2563281"/>
+                  <a:pt x="2044931" y="2552007"/>
+                </a:cubicBezTo>
+                <a:cubicBezTo>
+                  <a:pt x="2050738" y="2543877"/>
+                  <a:pt x="2055315" y="2534870"/>
+                  <a:pt x="2061556" y="2527069"/>
+                </a:cubicBezTo>
+                <a:cubicBezTo>
+                  <a:pt x="2066452" y="2520949"/>
+                  <a:pt x="2072640" y="2515985"/>
+                  <a:pt x="2078182" y="2510443"/>
+                </a:cubicBezTo>
+                <a:cubicBezTo>
+                  <a:pt x="2086513" y="2485450"/>
+                  <a:pt x="2085216" y="2482052"/>
+                  <a:pt x="2103120" y="2460567"/>
+                </a:cubicBezTo>
+                <a:cubicBezTo>
+                  <a:pt x="2110646" y="2451536"/>
+                  <a:pt x="2121225" y="2445195"/>
+                  <a:pt x="2128058" y="2435629"/>
+                </a:cubicBezTo>
+                <a:cubicBezTo>
+                  <a:pt x="2135261" y="2425545"/>
+                  <a:pt x="2138116" y="2412886"/>
+                  <a:pt x="2144684" y="2402378"/>
+                </a:cubicBezTo>
+                <a:cubicBezTo>
+                  <a:pt x="2152027" y="2390629"/>
+                  <a:pt x="2161677" y="2380477"/>
+                  <a:pt x="2169622" y="2369127"/>
+                </a:cubicBezTo>
+                <a:cubicBezTo>
+                  <a:pt x="2181080" y="2352758"/>
+                  <a:pt x="2202873" y="2319251"/>
+                  <a:pt x="2202873" y="2319251"/>
+                </a:cubicBezTo>
+                <a:cubicBezTo>
+                  <a:pt x="2205644" y="2310938"/>
+                  <a:pt x="2206930" y="2301972"/>
+                  <a:pt x="2211185" y="2294312"/>
+                </a:cubicBezTo>
+                <a:cubicBezTo>
+                  <a:pt x="2220889" y="2276845"/>
+                  <a:pt x="2238117" y="2263392"/>
+                  <a:pt x="2244436" y="2244436"/>
+                </a:cubicBezTo>
+                <a:cubicBezTo>
+                  <a:pt x="2257396" y="2205557"/>
+                  <a:pt x="2251701" y="2215352"/>
+                  <a:pt x="2286000" y="2169621"/>
+                </a:cubicBezTo>
+                <a:cubicBezTo>
+                  <a:pt x="2298125" y="2153455"/>
+                  <a:pt x="2311051" y="2132956"/>
+                  <a:pt x="2327564" y="2119745"/>
+                </a:cubicBezTo>
+                <a:cubicBezTo>
+                  <a:pt x="2351572" y="2100538"/>
+                  <a:pt x="2351283" y="2108799"/>
+                  <a:pt x="2369127" y="2086494"/>
+                </a:cubicBezTo>
+                <a:cubicBezTo>
+                  <a:pt x="2375368" y="2078693"/>
+                  <a:pt x="2379174" y="2069075"/>
+                  <a:pt x="2385753" y="2061556"/>
+                </a:cubicBezTo>
+                <a:cubicBezTo>
+                  <a:pt x="2398655" y="2046811"/>
+                  <a:pt x="2415560" y="2035666"/>
+                  <a:pt x="2427316" y="2019992"/>
+                </a:cubicBezTo>
+                <a:cubicBezTo>
+                  <a:pt x="2432968" y="2012457"/>
+                  <a:pt x="2462800" y="1973962"/>
+                  <a:pt x="2468880" y="1961803"/>
+                </a:cubicBezTo>
+                <a:cubicBezTo>
+                  <a:pt x="2472799" y="1953966"/>
+                  <a:pt x="2473274" y="1944702"/>
+                  <a:pt x="2477193" y="1936865"/>
+                </a:cubicBezTo>
+                <a:cubicBezTo>
+                  <a:pt x="2481661" y="1927929"/>
+                  <a:pt x="2489350" y="1920863"/>
+                  <a:pt x="2493818" y="1911927"/>
+                </a:cubicBezTo>
+                <a:cubicBezTo>
+                  <a:pt x="2499781" y="1900000"/>
+                  <a:pt x="2507780" y="1864393"/>
+                  <a:pt x="2510444" y="1853738"/>
+                </a:cubicBezTo>
+                <a:cubicBezTo>
+                  <a:pt x="2513215" y="1823258"/>
+                  <a:pt x="2516409" y="1792814"/>
+                  <a:pt x="2518756" y="1762298"/>
+                </a:cubicBezTo>
+                <a:cubicBezTo>
+                  <a:pt x="2523226" y="1704182"/>
+                  <a:pt x="2523598" y="1638335"/>
+                  <a:pt x="2535382" y="1579418"/>
+                </a:cubicBezTo>
+                <a:cubicBezTo>
+                  <a:pt x="2537100" y="1570826"/>
+                  <a:pt x="2540243" y="1562534"/>
+                  <a:pt x="2543695" y="1554480"/>
+                </a:cubicBezTo>
+                <a:cubicBezTo>
+                  <a:pt x="2551572" y="1536100"/>
+                  <a:pt x="2564101" y="1512346"/>
+                  <a:pt x="2576945" y="1496291"/>
+                </a:cubicBezTo>
+                <a:cubicBezTo>
+                  <a:pt x="2581841" y="1490171"/>
+                  <a:pt x="2588029" y="1485207"/>
+                  <a:pt x="2593571" y="1479665"/>
+                </a:cubicBezTo>
+                <a:cubicBezTo>
+                  <a:pt x="2596342" y="1471352"/>
+                  <a:pt x="2597180" y="1462119"/>
+                  <a:pt x="2601884" y="1454727"/>
+                </a:cubicBezTo>
+                <a:cubicBezTo>
+                  <a:pt x="2616760" y="1431350"/>
+                  <a:pt x="2632167" y="1407818"/>
+                  <a:pt x="2651760" y="1388225"/>
+                </a:cubicBezTo>
+                <a:lnTo>
+                  <a:pt x="2726575" y="1313411"/>
+                </a:lnTo>
+                <a:lnTo>
+                  <a:pt x="2768138" y="1271847"/>
+                </a:lnTo>
+                <a:cubicBezTo>
+                  <a:pt x="2784764" y="1266305"/>
+                  <a:pt x="2803433" y="1264942"/>
+                  <a:pt x="2818015" y="1255221"/>
+                </a:cubicBezTo>
+                <a:lnTo>
+                  <a:pt x="2867891" y="1221971"/>
+                </a:lnTo>
+                <a:cubicBezTo>
+                  <a:pt x="2873433" y="1213658"/>
+                  <a:pt x="2880048" y="1205968"/>
+                  <a:pt x="2884516" y="1197032"/>
+                </a:cubicBezTo>
+                <a:cubicBezTo>
+                  <a:pt x="2903344" y="1159375"/>
+                  <a:pt x="2892829" y="1109419"/>
+                  <a:pt x="2892829" y="1072341"/>
+                </a:cubicBezTo>
+                <a:lnTo>
+                  <a:pt x="3250276" y="631767"/>
+                </a:lnTo>
+                <a:lnTo>
+                  <a:pt x="4389120" y="340821"/>
+                </a:lnTo>
+                <a:lnTo>
+                  <a:pt x="2851265" y="0"/>
+                </a:lnTo>
+                <a:lnTo>
+                  <a:pt x="0" y="1030778"/>
+                </a:lnTo>
+                <a:lnTo>
+                  <a:pt x="806335" y="3433156"/>
+                </a:lnTo>
+                <a:close/>
+              </a:path>
+            </a:pathLst>
+          </a:custGeom>
+          <a:solidFill>
+            <a:srgbClr val="E8F0D9"/>
+          </a:solidFill>
+          <a:ln>
+            <a:solidFill>
+              <a:srgbClr val="E9F0DC"/>
+            </a:solidFill>
+          </a:ln>
+        </p:spPr>
+        <p:style>
+          <a:lnRef idx="2">
+            <a:schemeClr val="accent1">
+              <a:shade val="50000"/>
+            </a:schemeClr>
+          </a:lnRef>
+          <a:fillRef idx="1">
+            <a:schemeClr val="accent1"/>
+          </a:fillRef>
+          <a:effectRef idx="0">
+            <a:schemeClr val="accent1"/>
+          </a:effectRef>
+          <a:fontRef idx="minor">
+            <a:schemeClr val="lt1"/>
+          </a:fontRef>
+        </p:style>
+        <p:txBody>
+          <a:bodyPr rtlCol="0" anchor="ctr"/>
+          <a:lstStyle/>
+          <a:p>
+            <a:pPr algn="ctr"/>
+            <a:endParaRPr lang="zh-CN" altLang="en-US"/>
+          </a:p>
+        </p:txBody>
+      </p:sp>
+    </p:spTree>
+    <p:extLst>
+      <p:ext uri="{BB962C8B-B14F-4D97-AF65-F5344CB8AC3E}">
+        <p14:creationId xmlns:p14="http://schemas.microsoft.com/office/powerpoint/2010/main" val="1484562534"/>
+      </p:ext>
+    </p:extLst>
+  </p:cSld>
+  <p:clrMapOvr>
+    <a:masterClrMapping/>
+  </p:clrMapOvr>
+</p:sld>
+</file>
+
+<file path=ppt/slides/slide9.xml><?xml version="1.0" encoding="utf-8"?>
+<p:sld xmlns:a="http://schemas.openxmlformats.org/drawingml/2006/main" xmlns:r="http://schemas.openxmlformats.org/officeDocument/2006/relationships" xmlns:p="http://schemas.openxmlformats.org/presentationml/2006/main">
+  <p:cSld>
+    <p:spTree>
+      <p:nvGrpSpPr>
+        <p:cNvPr id="1" name=""/>
+        <p:cNvGrpSpPr/>
+        <p:nvPr/>
+      </p:nvGrpSpPr>
+      <p:grpSpPr>
+        <a:xfrm>
+          <a:off x="0" y="0"/>
+          <a:ext cx="0" cy="0"/>
+          <a:chOff x="0" y="0"/>
+          <a:chExt cx="0" cy="0"/>
+        </a:xfrm>
+      </p:grpSpPr>
+      <p:pic>
+        <p:nvPicPr>
+          <p:cNvPr id="2" name="图片 1"/>
+          <p:cNvPicPr>
+            <a:picLocks noChangeAspect="1"/>
+          </p:cNvPicPr>
+          <p:nvPr/>
+        </p:nvPicPr>
+        <p:blipFill>
+          <a:blip r:embed="rId2"/>
+          <a:stretch>
+            <a:fillRect/>
+          </a:stretch>
+        </p:blipFill>
+        <p:spPr>
+          <a:xfrm>
+            <a:off x="642937" y="261937"/>
+            <a:ext cx="10906125" cy="6334125"/>
+          </a:xfrm>
+          <a:prstGeom prst="rect">
+            <a:avLst/>
+          </a:prstGeom>
+        </p:spPr>
+      </p:pic>
+      <p:sp>
+        <p:nvSpPr>
+          <p:cNvPr id="5" name="任意多边形 4"/>
+          <p:cNvSpPr/>
+          <p:nvPr/>
+        </p:nvSpPr>
+        <p:spPr>
+          <a:xfrm>
+            <a:off x="552450" y="3619500"/>
+            <a:ext cx="962025" cy="628650"/>
+          </a:xfrm>
+          <a:custGeom>
+            <a:avLst/>
+            <a:gdLst>
+              <a:gd name="connsiteX0" fmla="*/ 85725 w 962025"/>
+              <a:gd name="connsiteY0" fmla="*/ 628650 h 628650"/>
+              <a:gd name="connsiteX1" fmla="*/ 476250 w 962025"/>
+              <a:gd name="connsiteY1" fmla="*/ 247650 h 628650"/>
+              <a:gd name="connsiteX2" fmla="*/ 514350 w 962025"/>
+              <a:gd name="connsiteY2" fmla="*/ 114300 h 628650"/>
+              <a:gd name="connsiteX3" fmla="*/ 800100 w 962025"/>
+              <a:gd name="connsiteY3" fmla="*/ 104775 h 628650"/>
+              <a:gd name="connsiteX4" fmla="*/ 962025 w 962025"/>
+              <a:gd name="connsiteY4" fmla="*/ 0 h 628650"/>
+              <a:gd name="connsiteX5" fmla="*/ 0 w 962025"/>
+              <a:gd name="connsiteY5" fmla="*/ 47625 h 628650"/>
+              <a:gd name="connsiteX6" fmla="*/ 85725 w 962025"/>
+              <a:gd name="connsiteY6" fmla="*/ 628650 h 628650"/>
+            </a:gdLst>
+            <a:ahLst/>
+            <a:cxnLst>
+              <a:cxn ang="0">
+                <a:pos x="connsiteX0" y="connsiteY0"/>
+              </a:cxn>
+              <a:cxn ang="0">
+                <a:pos x="connsiteX1" y="connsiteY1"/>
+              </a:cxn>
+              <a:cxn ang="0">
+                <a:pos x="connsiteX2" y="connsiteY2"/>
+              </a:cxn>
+              <a:cxn ang="0">
+                <a:pos x="connsiteX3" y="connsiteY3"/>
+              </a:cxn>
+              <a:cxn ang="0">
+                <a:pos x="connsiteX4" y="connsiteY4"/>
+              </a:cxn>
+              <a:cxn ang="0">
+                <a:pos x="connsiteX5" y="connsiteY5"/>
+              </a:cxn>
+              <a:cxn ang="0">
+                <a:pos x="connsiteX6" y="connsiteY6"/>
+              </a:cxn>
+            </a:cxnLst>
+            <a:rect l="l" t="t" r="r" b="b"/>
+            <a:pathLst>
+              <a:path w="962025" h="628650">
+                <a:moveTo>
+                  <a:pt x="85725" y="628650"/>
+                </a:moveTo>
+                <a:lnTo>
+                  <a:pt x="476250" y="247650"/>
+                </a:lnTo>
+                <a:lnTo>
+                  <a:pt x="514350" y="114300"/>
+                </a:lnTo>
+                <a:lnTo>
+                  <a:pt x="800100" y="104775"/>
+                </a:lnTo>
+                <a:lnTo>
+                  <a:pt x="962025" y="0"/>
+                </a:lnTo>
+                <a:lnTo>
+                  <a:pt x="0" y="47625"/>
+                </a:lnTo>
+                <a:lnTo>
+                  <a:pt x="85725" y="628650"/>
+                </a:lnTo>
+                <a:close/>
+              </a:path>
+            </a:pathLst>
+          </a:custGeom>
+          <a:solidFill>
+            <a:srgbClr val="E9F0DC"/>
+          </a:solidFill>
+          <a:ln>
+            <a:solidFill>
+              <a:srgbClr val="E9F0DC"/>
+            </a:solidFill>
+          </a:ln>
+        </p:spPr>
+        <p:style>
+          <a:lnRef idx="2">
+            <a:schemeClr val="accent1">
+              <a:shade val="50000"/>
+            </a:schemeClr>
+          </a:lnRef>
+          <a:fillRef idx="1">
+            <a:schemeClr val="accent1"/>
+          </a:fillRef>
+          <a:effectRef idx="0">
+            <a:schemeClr val="accent1"/>
+          </a:effectRef>
+          <a:fontRef idx="minor">
+            <a:schemeClr val="lt1"/>
+          </a:fontRef>
+        </p:style>
+        <p:txBody>
+          <a:bodyPr rtlCol="0" anchor="ctr"/>
+          <a:lstStyle/>
+          <a:p>
+            <a:pPr algn="ctr"/>
+            <a:endParaRPr lang="zh-CN" altLang="en-US"/>
+          </a:p>
+        </p:txBody>
+      </p:sp>
+      <p:sp>
+        <p:nvSpPr>
+          <p:cNvPr id="6" name="任意多边形 5"/>
+          <p:cNvSpPr/>
+          <p:nvPr/>
+        </p:nvSpPr>
+        <p:spPr>
+          <a:xfrm>
+            <a:off x="1419225" y="1590675"/>
+            <a:ext cx="1543050" cy="2114550"/>
+          </a:xfrm>
+          <a:custGeom>
+            <a:avLst/>
+            <a:gdLst>
+              <a:gd name="connsiteX0" fmla="*/ 0 w 1543050"/>
+              <a:gd name="connsiteY0" fmla="*/ 2114550 h 2114550"/>
+              <a:gd name="connsiteX1" fmla="*/ 847725 w 1543050"/>
+              <a:gd name="connsiteY1" fmla="*/ 1933575 h 2114550"/>
+              <a:gd name="connsiteX2" fmla="*/ 1133475 w 1543050"/>
+              <a:gd name="connsiteY2" fmla="*/ 1533525 h 2114550"/>
+              <a:gd name="connsiteX3" fmla="*/ 1162050 w 1543050"/>
+              <a:gd name="connsiteY3" fmla="*/ 1209675 h 2114550"/>
+              <a:gd name="connsiteX4" fmla="*/ 1266825 w 1543050"/>
+              <a:gd name="connsiteY4" fmla="*/ 1009650 h 2114550"/>
+              <a:gd name="connsiteX5" fmla="*/ 1514475 w 1543050"/>
+              <a:gd name="connsiteY5" fmla="*/ 752475 h 2114550"/>
+              <a:gd name="connsiteX6" fmla="*/ 1543050 w 1543050"/>
+              <a:gd name="connsiteY6" fmla="*/ 257175 h 2114550"/>
+              <a:gd name="connsiteX7" fmla="*/ 1457325 w 1543050"/>
+              <a:gd name="connsiteY7" fmla="*/ 0 h 2114550"/>
+              <a:gd name="connsiteX8" fmla="*/ 57150 w 1543050"/>
+              <a:gd name="connsiteY8" fmla="*/ 1609725 h 2114550"/>
+              <a:gd name="connsiteX9" fmla="*/ 0 w 1543050"/>
+              <a:gd name="connsiteY9" fmla="*/ 2114550 h 2114550"/>
+            </a:gdLst>
+            <a:ahLst/>
+            <a:cxnLst>
+              <a:cxn ang="0">
+                <a:pos x="connsiteX0" y="connsiteY0"/>
+              </a:cxn>
+              <a:cxn ang="0">
+                <a:pos x="connsiteX1" y="connsiteY1"/>
+              </a:cxn>
+              <a:cxn ang="0">
+                <a:pos x="connsiteX2" y="connsiteY2"/>
+              </a:cxn>
+              <a:cxn ang="0">
+                <a:pos x="connsiteX3" y="connsiteY3"/>
+              </a:cxn>
+              <a:cxn ang="0">
+                <a:pos x="connsiteX4" y="connsiteY4"/>
+              </a:cxn>
+              <a:cxn ang="0">
+                <a:pos x="connsiteX5" y="connsiteY5"/>
+              </a:cxn>
+              <a:cxn ang="0">
+                <a:pos x="connsiteX6" y="connsiteY6"/>
+              </a:cxn>
+              <a:cxn ang="0">
+                <a:pos x="connsiteX7" y="connsiteY7"/>
+              </a:cxn>
+              <a:cxn ang="0">
+                <a:pos x="connsiteX8" y="connsiteY8"/>
+              </a:cxn>
+              <a:cxn ang="0">
+                <a:pos x="connsiteX9" y="connsiteY9"/>
+              </a:cxn>
+            </a:cxnLst>
+            <a:rect l="l" t="t" r="r" b="b"/>
+            <a:pathLst>
+              <a:path w="1543050" h="2114550">
+                <a:moveTo>
+                  <a:pt x="0" y="2114550"/>
+                </a:moveTo>
+                <a:lnTo>
+                  <a:pt x="847725" y="1933575"/>
+                </a:lnTo>
+                <a:lnTo>
+                  <a:pt x="1133475" y="1533525"/>
+                </a:lnTo>
+                <a:lnTo>
+                  <a:pt x="1162050" y="1209675"/>
+                </a:lnTo>
+                <a:lnTo>
+                  <a:pt x="1266825" y="1009650"/>
+                </a:lnTo>
+                <a:lnTo>
+                  <a:pt x="1514475" y="752475"/>
+                </a:lnTo>
+                <a:lnTo>
+                  <a:pt x="1543050" y="257175"/>
+                </a:lnTo>
+                <a:lnTo>
+                  <a:pt x="1457325" y="0"/>
+                </a:lnTo>
+                <a:lnTo>
+                  <a:pt x="57150" y="1609725"/>
+                </a:lnTo>
+                <a:lnTo>
+                  <a:pt x="0" y="2114550"/>
+                </a:lnTo>
+                <a:close/>
+              </a:path>
+            </a:pathLst>
+          </a:custGeom>
+          <a:solidFill>
+            <a:srgbClr val="E9F0DC"/>
+          </a:solidFill>
+          <a:ln>
+            <a:solidFill>
+              <a:srgbClr val="E9F0DC"/>
+            </a:solidFill>
+          </a:ln>
+        </p:spPr>
+        <p:style>
+          <a:lnRef idx="2">
+            <a:schemeClr val="accent1">
+              <a:shade val="50000"/>
+            </a:schemeClr>
+          </a:lnRef>
+          <a:fillRef idx="1">
+            <a:schemeClr val="accent1"/>
+          </a:fillRef>
+          <a:effectRef idx="0">
+            <a:schemeClr val="accent1"/>
+          </a:effectRef>
+          <a:fontRef idx="minor">
+            <a:schemeClr val="lt1"/>
+          </a:fontRef>
+        </p:style>
+        <p:txBody>
+          <a:bodyPr rtlCol="0" anchor="ctr"/>
+          <a:lstStyle/>
+          <a:p>
+            <a:pPr algn="ctr"/>
+            <a:endParaRPr lang="zh-CN" altLang="en-US"/>
+          </a:p>
+        </p:txBody>
+      </p:sp>
+    </p:spTree>
+    <p:extLst>
+      <p:ext uri="{BB962C8B-B14F-4D97-AF65-F5344CB8AC3E}">
+        <p14:creationId xmlns:p14="http://schemas.microsoft.com/office/powerpoint/2010/main" val="4145912770"/>
+      </p:ext>
+    </p:extLst>
+  </p:cSld>
+  <p:clrMapOvr>
+    <a:masterClrMapping/>
+  </p:clrMapOvr>
+</p:sld>
+</file>
+
 <file path=ppt/theme/theme1.xml><?xml version="1.0" encoding="utf-8"?>
 <a:theme xmlns:a="http://schemas.openxmlformats.org/drawingml/2006/main" name="Office 主题​​">
   <a:themeElements>
